--- a/docs/songs_5-12-2021.pptx
+++ b/docs/songs_5-12-2021.pptx
@@ -9,28 +9,31 @@
     <p:sldId id="332" r:id="rId3"/>
     <p:sldId id="472" r:id="rId4"/>
     <p:sldId id="473" r:id="rId5"/>
-    <p:sldId id="408" r:id="rId6"/>
-    <p:sldId id="409" r:id="rId7"/>
-    <p:sldId id="410" r:id="rId8"/>
-    <p:sldId id="411" r:id="rId9"/>
-    <p:sldId id="480" r:id="rId10"/>
-    <p:sldId id="481" r:id="rId11"/>
-    <p:sldId id="483" r:id="rId12"/>
-    <p:sldId id="484" r:id="rId13"/>
+    <p:sldId id="481" r:id="rId6"/>
+    <p:sldId id="483" r:id="rId7"/>
+    <p:sldId id="484" r:id="rId8"/>
+    <p:sldId id="408" r:id="rId9"/>
+    <p:sldId id="409" r:id="rId10"/>
+    <p:sldId id="410" r:id="rId11"/>
+    <p:sldId id="411" r:id="rId12"/>
+    <p:sldId id="480" r:id="rId13"/>
     <p:sldId id="482" r:id="rId14"/>
     <p:sldId id="461" r:id="rId15"/>
     <p:sldId id="462" r:id="rId16"/>
     <p:sldId id="463" r:id="rId17"/>
     <p:sldId id="464" r:id="rId18"/>
-    <p:sldId id="453" r:id="rId19"/>
-    <p:sldId id="447" r:id="rId20"/>
-    <p:sldId id="448" r:id="rId21"/>
-    <p:sldId id="485" r:id="rId22"/>
-    <p:sldId id="511" r:id="rId23"/>
-    <p:sldId id="512" r:id="rId24"/>
-    <p:sldId id="513" r:id="rId25"/>
-    <p:sldId id="514" r:id="rId26"/>
-    <p:sldId id="501" r:id="rId27"/>
+    <p:sldId id="515" r:id="rId19"/>
+    <p:sldId id="516" r:id="rId20"/>
+    <p:sldId id="517" r:id="rId21"/>
+    <p:sldId id="453" r:id="rId22"/>
+    <p:sldId id="447" r:id="rId23"/>
+    <p:sldId id="448" r:id="rId24"/>
+    <p:sldId id="485" r:id="rId25"/>
+    <p:sldId id="511" r:id="rId26"/>
+    <p:sldId id="512" r:id="rId27"/>
+    <p:sldId id="513" r:id="rId28"/>
+    <p:sldId id="514" r:id="rId29"/>
+    <p:sldId id="501" r:id="rId30"/>
   </p:sldIdLst>
   <p:sldSz cx="9144000" cy="6858000" type="screen4x3"/>
   <p:notesSz cx="6858000" cy="9144000"/>
@@ -330,7 +333,7 @@
             <a:fld id="{26EA1CF3-4A15-4CBF-9A5A-6A56C368BE71}" type="datetimeFigureOut">
               <a:rPr lang="en-GB" smtClean="0"/>
               <a:pPr/>
-              <a:t>29/11/2021</a:t>
+              <a:t>01/12/2021</a:t>
             </a:fld>
             <a:endParaRPr lang="en-GB"/>
           </a:p>
@@ -497,7 +500,7 @@
             <a:fld id="{26EA1CF3-4A15-4CBF-9A5A-6A56C368BE71}" type="datetimeFigureOut">
               <a:rPr lang="en-GB" smtClean="0"/>
               <a:pPr/>
-              <a:t>29/11/2021</a:t>
+              <a:t>01/12/2021</a:t>
             </a:fld>
             <a:endParaRPr lang="en-GB"/>
           </a:p>
@@ -674,7 +677,7 @@
             <a:fld id="{26EA1CF3-4A15-4CBF-9A5A-6A56C368BE71}" type="datetimeFigureOut">
               <a:rPr lang="en-GB" smtClean="0"/>
               <a:pPr/>
-              <a:t>29/11/2021</a:t>
+              <a:t>01/12/2021</a:t>
             </a:fld>
             <a:endParaRPr lang="en-GB"/>
           </a:p>
@@ -841,7 +844,7 @@
             <a:fld id="{26EA1CF3-4A15-4CBF-9A5A-6A56C368BE71}" type="datetimeFigureOut">
               <a:rPr lang="en-GB" smtClean="0"/>
               <a:pPr/>
-              <a:t>29/11/2021</a:t>
+              <a:t>01/12/2021</a:t>
             </a:fld>
             <a:endParaRPr lang="en-GB"/>
           </a:p>
@@ -1084,7 +1087,7 @@
             <a:fld id="{26EA1CF3-4A15-4CBF-9A5A-6A56C368BE71}" type="datetimeFigureOut">
               <a:rPr lang="en-GB" smtClean="0"/>
               <a:pPr/>
-              <a:t>29/11/2021</a:t>
+              <a:t>01/12/2021</a:t>
             </a:fld>
             <a:endParaRPr lang="en-GB"/>
           </a:p>
@@ -1369,7 +1372,7 @@
             <a:fld id="{26EA1CF3-4A15-4CBF-9A5A-6A56C368BE71}" type="datetimeFigureOut">
               <a:rPr lang="en-GB" smtClean="0"/>
               <a:pPr/>
-              <a:t>29/11/2021</a:t>
+              <a:t>01/12/2021</a:t>
             </a:fld>
             <a:endParaRPr lang="en-GB"/>
           </a:p>
@@ -1788,7 +1791,7 @@
             <a:fld id="{26EA1CF3-4A15-4CBF-9A5A-6A56C368BE71}" type="datetimeFigureOut">
               <a:rPr lang="en-GB" smtClean="0"/>
               <a:pPr/>
-              <a:t>29/11/2021</a:t>
+              <a:t>01/12/2021</a:t>
             </a:fld>
             <a:endParaRPr lang="en-GB"/>
           </a:p>
@@ -1903,7 +1906,7 @@
             <a:fld id="{26EA1CF3-4A15-4CBF-9A5A-6A56C368BE71}" type="datetimeFigureOut">
               <a:rPr lang="en-GB" smtClean="0"/>
               <a:pPr/>
-              <a:t>29/11/2021</a:t>
+              <a:t>01/12/2021</a:t>
             </a:fld>
             <a:endParaRPr lang="en-GB"/>
           </a:p>
@@ -1995,7 +1998,7 @@
             <a:fld id="{26EA1CF3-4A15-4CBF-9A5A-6A56C368BE71}" type="datetimeFigureOut">
               <a:rPr lang="en-GB" smtClean="0"/>
               <a:pPr/>
-              <a:t>29/11/2021</a:t>
+              <a:t>01/12/2021</a:t>
             </a:fld>
             <a:endParaRPr lang="en-GB"/>
           </a:p>
@@ -2269,7 +2272,7 @@
             <a:fld id="{26EA1CF3-4A15-4CBF-9A5A-6A56C368BE71}" type="datetimeFigureOut">
               <a:rPr lang="en-GB" smtClean="0"/>
               <a:pPr/>
-              <a:t>29/11/2021</a:t>
+              <a:t>01/12/2021</a:t>
             </a:fld>
             <a:endParaRPr lang="en-GB"/>
           </a:p>
@@ -2519,7 +2522,7 @@
             <a:fld id="{26EA1CF3-4A15-4CBF-9A5A-6A56C368BE71}" type="datetimeFigureOut">
               <a:rPr lang="en-GB" smtClean="0"/>
               <a:pPr/>
-              <a:t>29/11/2021</a:t>
+              <a:t>01/12/2021</a:t>
             </a:fld>
             <a:endParaRPr lang="en-GB"/>
           </a:p>
@@ -2732,7 +2735,7 @@
             <a:fld id="{26EA1CF3-4A15-4CBF-9A5A-6A56C368BE71}" type="datetimeFigureOut">
               <a:rPr lang="en-GB" smtClean="0"/>
               <a:pPr/>
-              <a:t>29/11/2021</a:t>
+              <a:t>01/12/2021</a:t>
             </a:fld>
             <a:endParaRPr lang="en-GB"/>
           </a:p>
@@ -3223,176 +3226,116 @@
           </a:bodyPr>
           <a:lstStyle/>
           <a:p>
-            <a:endParaRPr lang="en-GB" sz="5400" dirty="0">
-              <a:solidFill>
-                <a:schemeClr val="bg1"/>
-              </a:solidFill>
-            </a:endParaRPr>
-          </a:p>
-          <a:p>
-            <a:r>
-              <a:rPr lang="en-GB" sz="6600" b="0" i="0" dirty="0">
-                <a:solidFill>
-                  <a:srgbClr val="00A3E0"/>
-                </a:solidFill>
-                <a:effectLst/>
-                <a:latin typeface="akagi_probook"/>
-              </a:rPr>
-              <a:t>Every Praise</a:t>
-            </a:r>
-          </a:p>
-          <a:p>
-            <a:br>
-              <a:rPr lang="en-GB" sz="1200" dirty="0">
-                <a:solidFill>
-                  <a:schemeClr val="bg1"/>
-                </a:solidFill>
-              </a:rPr>
-            </a:br>
-            <a:r>
-              <a:rPr lang="en-GB" sz="1200" dirty="0">
-                <a:solidFill>
-                  <a:schemeClr val="bg1"/>
-                </a:solidFill>
-              </a:rPr>
-              <a:t>CCLI Song # 6623483</a:t>
-            </a:r>
-          </a:p>
-          <a:p>
-            <a:endParaRPr lang="en-GB" sz="1200" dirty="0">
-              <a:solidFill>
-                <a:schemeClr val="bg1"/>
-              </a:solidFill>
-            </a:endParaRPr>
-          </a:p>
-          <a:p>
-            <a:r>
-              <a:rPr lang="en-GB" sz="1200" dirty="0">
-                <a:solidFill>
-                  <a:schemeClr val="bg1"/>
-                </a:solidFill>
-              </a:rPr>
-              <a:t>Hezekiah Walker | John David Bratton</a:t>
-            </a:r>
-          </a:p>
-          <a:p>
-            <a:endParaRPr lang="en-GB" sz="1200" dirty="0">
-              <a:solidFill>
-                <a:schemeClr val="bg1"/>
-              </a:solidFill>
-            </a:endParaRPr>
-          </a:p>
-          <a:p>
-            <a:r>
-              <a:rPr lang="en-GB" sz="1200" dirty="0">
-                <a:solidFill>
-                  <a:schemeClr val="bg1"/>
-                </a:solidFill>
-              </a:rPr>
-              <a:t>© 2013 </a:t>
-            </a:r>
-            <a:r>
-              <a:rPr lang="en-GB" sz="1200" dirty="0" err="1">
-                <a:solidFill>
-                  <a:schemeClr val="bg1"/>
-                </a:solidFill>
-              </a:rPr>
-              <a:t>Davo</a:t>
-            </a:r>
-            <a:r>
-              <a:rPr lang="en-GB" sz="1200" dirty="0">
-                <a:solidFill>
-                  <a:schemeClr val="bg1"/>
-                </a:solidFill>
-              </a:rPr>
-              <a:t> </a:t>
-            </a:r>
-            <a:r>
-              <a:rPr lang="en-GB" sz="1200" dirty="0" err="1">
-                <a:solidFill>
-                  <a:schemeClr val="bg1"/>
-                </a:solidFill>
-              </a:rPr>
-              <a:t>Pavo</a:t>
-            </a:r>
-            <a:r>
-              <a:rPr lang="en-GB" sz="1200" dirty="0">
-                <a:solidFill>
-                  <a:schemeClr val="bg1"/>
-                </a:solidFill>
-              </a:rPr>
-              <a:t> Music (Admin. by BMG Rights Management GmbH)</a:t>
-            </a:r>
-          </a:p>
-          <a:p>
-            <a:r>
-              <a:rPr lang="en-GB" sz="1200" dirty="0" err="1">
-                <a:solidFill>
-                  <a:schemeClr val="bg1"/>
-                </a:solidFill>
-              </a:rPr>
-              <a:t>Li'l</a:t>
-            </a:r>
-            <a:r>
-              <a:rPr lang="en-GB" sz="1200" dirty="0">
-                <a:solidFill>
-                  <a:schemeClr val="bg1"/>
-                </a:solidFill>
-              </a:rPr>
-              <a:t> Eva Music (Admin. by Capitol CMG Publishing)</a:t>
-            </a:r>
-          </a:p>
-          <a:p>
-            <a:r>
-              <a:rPr lang="en-GB" sz="1200" dirty="0">
-                <a:solidFill>
-                  <a:schemeClr val="bg1"/>
-                </a:solidFill>
-              </a:rPr>
-              <a:t>Luv Ki Publishing (Admin. by Capitol CMG Publishing)</a:t>
-            </a:r>
-          </a:p>
-          <a:p>
-            <a:r>
-              <a:rPr lang="en-GB" sz="1200" dirty="0">
-                <a:solidFill>
-                  <a:schemeClr val="bg1"/>
-                </a:solidFill>
-              </a:rPr>
-              <a:t>For use solely with the </a:t>
-            </a:r>
-            <a:r>
-              <a:rPr lang="en-GB" sz="1200" dirty="0" err="1">
-                <a:solidFill>
-                  <a:schemeClr val="bg1"/>
-                </a:solidFill>
-              </a:rPr>
-              <a:t>SongSelect</a:t>
-            </a:r>
-            <a:r>
-              <a:rPr lang="en-GB" sz="1200" dirty="0">
-                <a:solidFill>
-                  <a:schemeClr val="bg1"/>
-                </a:solidFill>
-              </a:rPr>
-              <a:t>® Terms of Use. All rights reserved. www.ccli.com</a:t>
-            </a:r>
-          </a:p>
-          <a:p>
-            <a:endParaRPr lang="en-GB" sz="1200" dirty="0">
-              <a:solidFill>
-                <a:schemeClr val="bg1"/>
-              </a:solidFill>
-            </a:endParaRPr>
-          </a:p>
-          <a:p>
-            <a:r>
-              <a:rPr lang="en-GB" sz="1200" dirty="0">
-                <a:solidFill>
-                  <a:schemeClr val="bg1"/>
-                </a:solidFill>
-              </a:rPr>
-              <a:t>CCLI Licence No. 33265</a:t>
+            <a:r>
+              <a:rPr lang="en-GB" sz="4400" dirty="0">
+                <a:solidFill>
+                  <a:schemeClr val="bg1"/>
+                </a:solidFill>
+              </a:rPr>
+              <a:t>You stay the same through the ages</a:t>
+            </a:r>
+          </a:p>
+          <a:p>
+            <a:r>
+              <a:rPr lang="en-GB" sz="4400" dirty="0">
+                <a:solidFill>
+                  <a:schemeClr val="bg1"/>
+                </a:solidFill>
+              </a:rPr>
+              <a:t>Your love never changes</a:t>
+            </a:r>
+          </a:p>
+          <a:p>
+            <a:r>
+              <a:rPr lang="en-GB" sz="4400" dirty="0">
+                <a:solidFill>
+                  <a:schemeClr val="bg1"/>
+                </a:solidFill>
+              </a:rPr>
+              <a:t>There may be pain in the night</a:t>
+            </a:r>
+          </a:p>
+          <a:p>
+            <a:r>
+              <a:rPr lang="en-GB" sz="4400" dirty="0">
+                <a:solidFill>
+                  <a:schemeClr val="bg1"/>
+                </a:solidFill>
+              </a:rPr>
+              <a:t>But joy comes in the morning</a:t>
+            </a:r>
+          </a:p>
+          <a:p>
+            <a:r>
+              <a:rPr lang="en-GB" sz="4400" dirty="0">
+                <a:solidFill>
+                  <a:schemeClr val="bg1"/>
+                </a:solidFill>
+              </a:rPr>
+              <a:t>And when the oceans rage</a:t>
+            </a:r>
+          </a:p>
+          <a:p>
+            <a:r>
+              <a:rPr lang="en-GB" sz="4400" dirty="0">
+                <a:solidFill>
+                  <a:schemeClr val="bg1"/>
+                </a:solidFill>
+              </a:rPr>
+              <a:t>I don't have to be afraid</a:t>
+            </a:r>
+          </a:p>
+          <a:p>
+            <a:r>
+              <a:rPr lang="en-GB" sz="4400" dirty="0">
+                <a:solidFill>
+                  <a:schemeClr val="bg1"/>
+                </a:solidFill>
+              </a:rPr>
+              <a:t>Because I know that You love me</a:t>
+            </a:r>
+          </a:p>
+          <a:p>
+            <a:r>
+              <a:rPr lang="en-GB" sz="4400" dirty="0">
+                <a:solidFill>
+                  <a:schemeClr val="bg1"/>
+                </a:solidFill>
+              </a:rPr>
+              <a:t>(Your love never fails)</a:t>
+            </a:r>
+          </a:p>
+        </p:txBody>
+      </p:sp>
+      <p:sp>
+        <p:nvSpPr>
+          <p:cNvPr id="4" name="TextBox 3"/>
+          <p:cNvSpPr txBox="1"/>
+          <p:nvPr/>
+        </p:nvSpPr>
+        <p:spPr>
+          <a:xfrm>
+            <a:off x="8529729" y="0"/>
+            <a:ext cx="628698" cy="461665"/>
+          </a:xfrm>
+          <a:prstGeom prst="rect">
+            <a:avLst/>
+          </a:prstGeom>
+          <a:noFill/>
+        </p:spPr>
+        <p:txBody>
+          <a:bodyPr wrap="none" rtlCol="0">
+            <a:spAutoFit/>
+          </a:bodyPr>
+          <a:lstStyle/>
+          <a:p>
+            <a:r>
+              <a:rPr lang="en-GB" sz="2400" b="1" dirty="0">
+                <a:solidFill>
+                  <a:schemeClr val="bg1"/>
+                </a:solidFill>
+              </a:rPr>
+              <a:t>2/4</a:t>
             </a:r>
           </a:p>
         </p:txBody>
@@ -3400,7 +3343,7 @@
     </p:spTree>
     <p:extLst>
       <p:ext uri="{BB962C8B-B14F-4D97-AF65-F5344CB8AC3E}">
-        <p14:creationId xmlns:p14="http://schemas.microsoft.com/office/powerpoint/2010/main" val="2633692750"/>
+        <p14:creationId xmlns:p14="http://schemas.microsoft.com/office/powerpoint/2010/main" val="384510526"/>
       </p:ext>
     </p:extLst>
   </p:cSld>
@@ -3439,8 +3382,8 @@
         </p:nvSpPr>
         <p:spPr>
           <a:xfrm>
-            <a:off x="179512" y="116632"/>
-            <a:ext cx="8784976" cy="6552728"/>
+            <a:off x="323528" y="116632"/>
+            <a:ext cx="8640960" cy="6552728"/>
           </a:xfrm>
         </p:spPr>
         <p:txBody>
@@ -3455,7 +3398,7 @@
                   <a:schemeClr val="bg1"/>
                 </a:solidFill>
               </a:rPr>
-              <a:t>Every praise is to our God</a:t>
+              <a:t>The wind is strong and the water's deep</a:t>
             </a:r>
           </a:p>
           <a:p>
@@ -3465,7 +3408,7 @@
                   <a:schemeClr val="bg1"/>
                 </a:solidFill>
               </a:rPr>
-              <a:t>Every word of worship with one accord</a:t>
+              <a:t>But I'm not alone here in these open seas</a:t>
             </a:r>
           </a:p>
           <a:p>
@@ -3475,7 +3418,7 @@
                   <a:schemeClr val="bg1"/>
                 </a:solidFill>
               </a:rPr>
-              <a:t>Every praise every praise is to our God</a:t>
+              <a:t>Your love never fails</a:t>
             </a:r>
           </a:p>
           <a:p>
@@ -3485,7 +3428,7 @@
                   <a:schemeClr val="bg1"/>
                 </a:solidFill>
               </a:rPr>
-              <a:t>Sing hallelujah to our God</a:t>
+              <a:t>The chasm is far too wide</a:t>
             </a:r>
           </a:p>
           <a:p>
@@ -3495,7 +3438,7 @@
                   <a:schemeClr val="bg1"/>
                 </a:solidFill>
               </a:rPr>
-              <a:t>Glory hallelujah is due our God</a:t>
+              <a:t>I never thought I'd reach the other side</a:t>
             </a:r>
           </a:p>
           <a:p>
@@ -3505,7 +3448,7 @@
                   <a:schemeClr val="bg1"/>
                 </a:solidFill>
               </a:rPr>
-              <a:t>Every praise every praise is to our God</a:t>
+              <a:t>Your love never fails</a:t>
             </a:r>
           </a:p>
         </p:txBody>
@@ -3538,7 +3481,7 @@
                   <a:schemeClr val="bg1"/>
                 </a:solidFill>
               </a:rPr>
-              <a:t>1/2</a:t>
+              <a:t>3/4</a:t>
             </a:r>
           </a:p>
         </p:txBody>
@@ -3546,7 +3489,7 @@
     </p:spTree>
     <p:extLst>
       <p:ext uri="{BB962C8B-B14F-4D97-AF65-F5344CB8AC3E}">
-        <p14:creationId xmlns:p14="http://schemas.microsoft.com/office/powerpoint/2010/main" val="1920454028"/>
+        <p14:creationId xmlns:p14="http://schemas.microsoft.com/office/powerpoint/2010/main" val="2153540039"/>
       </p:ext>
     </p:extLst>
   </p:cSld>
@@ -3585,8 +3528,8 @@
         </p:nvSpPr>
         <p:spPr>
           <a:xfrm>
-            <a:off x="179512" y="116632"/>
-            <a:ext cx="8784976" cy="6552728"/>
+            <a:off x="323528" y="116632"/>
+            <a:ext cx="8640960" cy="6552728"/>
           </a:xfrm>
         </p:spPr>
         <p:txBody>
@@ -3601,7 +3544,7 @@
                   <a:schemeClr val="bg1"/>
                 </a:solidFill>
               </a:rPr>
-              <a:t>God my Saviour</a:t>
+              <a:t>You make all things</a:t>
             </a:r>
           </a:p>
           <a:p>
@@ -3611,7 +3554,7 @@
                   <a:schemeClr val="bg1"/>
                 </a:solidFill>
               </a:rPr>
-              <a:t>God my Healer</a:t>
+              <a:t>Work together for my good</a:t>
             </a:r>
           </a:p>
           <a:p>
@@ -3621,7 +3564,7 @@
                   <a:schemeClr val="bg1"/>
                 </a:solidFill>
               </a:rPr>
-              <a:t>God my Deliverer</a:t>
+              <a:t>You make all things</a:t>
             </a:r>
           </a:p>
           <a:p>
@@ -3631,17 +3574,7 @@
                   <a:schemeClr val="bg1"/>
                 </a:solidFill>
               </a:rPr>
-              <a:t>Yes He is yes He is</a:t>
-            </a:r>
-          </a:p>
-          <a:p>
-            <a:r>
-              <a:rPr lang="en-GB" sz="4400" dirty="0">
-                <a:solidFill>
-                  <a:schemeClr val="bg1"/>
-                </a:solidFill>
-              </a:rPr>
-              <a:t>(Yes He is yes He is)</a:t>
+              <a:t>Work together for my good</a:t>
             </a:r>
           </a:p>
         </p:txBody>
@@ -3674,7 +3607,7 @@
                   <a:schemeClr val="bg1"/>
                 </a:solidFill>
               </a:rPr>
-              <a:t>2/2</a:t>
+              <a:t>4/4</a:t>
             </a:r>
           </a:p>
         </p:txBody>
@@ -3682,7 +3615,7 @@
     </p:spTree>
     <p:extLst>
       <p:ext uri="{BB962C8B-B14F-4D97-AF65-F5344CB8AC3E}">
-        <p14:creationId xmlns:p14="http://schemas.microsoft.com/office/powerpoint/2010/main" val="2945985813"/>
+        <p14:creationId xmlns:p14="http://schemas.microsoft.com/office/powerpoint/2010/main" val="3165966296"/>
       </p:ext>
     </p:extLst>
   </p:cSld>
@@ -3739,15 +3672,21 @@
           </a:p>
           <a:p>
             <a:r>
-              <a:rPr lang="en-GB" sz="6600" b="0" i="0" dirty="0">
+              <a:rPr lang="en-GB" sz="6600" dirty="0">
                 <a:solidFill>
                   <a:srgbClr val="00A3E0"/>
                 </a:solidFill>
-                <a:effectLst/>
                 <a:latin typeface="akagi_probook"/>
               </a:rPr>
-              <a:t>Shine Jesus Shine</a:t>
-            </a:r>
+              <a:t>Blessed Be Your Name</a:t>
+            </a:r>
+            <a:endParaRPr lang="en-GB" sz="6600" b="0" i="0" dirty="0">
+              <a:solidFill>
+                <a:srgbClr val="00A3E0"/>
+              </a:solidFill>
+              <a:effectLst/>
+              <a:latin typeface="akagi_probook"/>
+            </a:endParaRPr>
           </a:p>
           <a:p>
             <a:r>
@@ -3756,7 +3695,7 @@
                   <a:schemeClr val="bg1"/>
                 </a:solidFill>
               </a:rPr>
-              <a:t>CCLI Song # 30426</a:t>
+              <a:t>CCLI Song # 3798438</a:t>
             </a:r>
           </a:p>
           <a:p>
@@ -3773,7 +3712,7 @@
                   <a:schemeClr val="bg1"/>
                 </a:solidFill>
               </a:rPr>
-              <a:t>Graham Kendrick</a:t>
+              <a:t>Beth Redman | Matt Redman</a:t>
             </a:r>
           </a:p>
           <a:p>
@@ -3790,7 +3729,7 @@
                   <a:schemeClr val="bg1"/>
                 </a:solidFill>
               </a:rPr>
-              <a:t>© 1987 Make Way Music (Admin. by Make Way Music Limited)</a:t>
+              <a:t>© 2002 Thankyou Music (Admin. by Integrity Music Ltd)</a:t>
             </a:r>
           </a:p>
           <a:p>
@@ -3891,52 +3830,42 @@
           <a:lstStyle/>
           <a:p>
             <a:r>
-              <a:rPr lang="en-GB" sz="4600" dirty="0">
-                <a:solidFill>
-                  <a:schemeClr val="bg1"/>
-                </a:solidFill>
-              </a:rPr>
-              <a:t>Lord the light of Your love is shining</a:t>
-            </a:r>
-          </a:p>
-          <a:p>
-            <a:r>
-              <a:rPr lang="en-GB" sz="4600" dirty="0">
-                <a:solidFill>
-                  <a:schemeClr val="bg1"/>
-                </a:solidFill>
-              </a:rPr>
-              <a:t>In the midst of the darkness shining</a:t>
-            </a:r>
-          </a:p>
-          <a:p>
-            <a:r>
-              <a:rPr lang="en-GB" sz="4600" dirty="0">
-                <a:solidFill>
-                  <a:schemeClr val="bg1"/>
-                </a:solidFill>
-              </a:rPr>
-              <a:t>Jesus Light of the World shine upon us</a:t>
-            </a:r>
-          </a:p>
-          <a:p>
-            <a:r>
-              <a:rPr lang="en-GB" sz="4600" dirty="0">
-                <a:solidFill>
-                  <a:schemeClr val="bg1"/>
-                </a:solidFill>
-              </a:rPr>
-              <a:t>Set us free by the truth You now bring us</a:t>
-            </a:r>
-          </a:p>
-          <a:p>
-            <a:r>
-              <a:rPr lang="en-GB" sz="4600" dirty="0">
-                <a:solidFill>
-                  <a:schemeClr val="bg1"/>
-                </a:solidFill>
-              </a:rPr>
-              <a:t>Shine on me shine on me</a:t>
+              <a:rPr lang="en-GB" sz="6000" dirty="0">
+                <a:solidFill>
+                  <a:schemeClr val="bg1"/>
+                </a:solidFill>
+              </a:rPr>
+              <a:t>Blessed be Your name</a:t>
+            </a:r>
+          </a:p>
+          <a:p>
+            <a:r>
+              <a:rPr lang="en-GB" sz="6000" dirty="0">
+                <a:solidFill>
+                  <a:schemeClr val="bg1"/>
+                </a:solidFill>
+              </a:rPr>
+              <a:t>In the land that is plentiful</a:t>
+            </a:r>
+          </a:p>
+          <a:p>
+            <a:r>
+              <a:rPr lang="en-GB" sz="6000" dirty="0">
+                <a:solidFill>
+                  <a:schemeClr val="bg1"/>
+                </a:solidFill>
+              </a:rPr>
+              <a:t>Where Your streams of abundance flow</a:t>
+            </a:r>
+          </a:p>
+          <a:p>
+            <a:r>
+              <a:rPr lang="en-GB" sz="6000" dirty="0">
+                <a:solidFill>
+                  <a:schemeClr val="bg1"/>
+                </a:solidFill>
+              </a:rPr>
+              <a:t>Blessed be Your name</a:t>
             </a:r>
           </a:p>
         </p:txBody>
@@ -3969,7 +3898,7 @@
                   <a:schemeClr val="bg1"/>
                 </a:solidFill>
               </a:rPr>
-              <a:t>1/4</a:t>
+              <a:t>1/7</a:t>
             </a:r>
           </a:p>
         </p:txBody>
@@ -4027,82 +3956,42 @@
           <a:lstStyle/>
           <a:p>
             <a:r>
-              <a:rPr lang="en-GB" sz="4100" dirty="0">
-                <a:solidFill>
-                  <a:schemeClr val="bg1"/>
-                </a:solidFill>
-              </a:rPr>
-              <a:t>Shine Jesus shine</a:t>
-            </a:r>
-          </a:p>
-          <a:p>
-            <a:r>
-              <a:rPr lang="en-GB" sz="4100" dirty="0">
-                <a:solidFill>
-                  <a:schemeClr val="bg1"/>
-                </a:solidFill>
-              </a:rPr>
-              <a:t>Fill this land with the Father's glory</a:t>
-            </a:r>
-          </a:p>
-          <a:p>
-            <a:r>
-              <a:rPr lang="en-GB" sz="4100" dirty="0">
-                <a:solidFill>
-                  <a:schemeClr val="bg1"/>
-                </a:solidFill>
-              </a:rPr>
-              <a:t>Blaze Spirit blaze</a:t>
-            </a:r>
-          </a:p>
-          <a:p>
-            <a:r>
-              <a:rPr lang="en-GB" sz="4100" dirty="0">
-                <a:solidFill>
-                  <a:schemeClr val="bg1"/>
-                </a:solidFill>
-              </a:rPr>
-              <a:t>Set our hearts on fire</a:t>
-            </a:r>
-          </a:p>
-          <a:p>
-            <a:r>
-              <a:rPr lang="en-GB" sz="4100" dirty="0">
-                <a:solidFill>
-                  <a:schemeClr val="bg1"/>
-                </a:solidFill>
-              </a:rPr>
-              <a:t>Flow river flow</a:t>
-            </a:r>
-          </a:p>
-          <a:p>
-            <a:r>
-              <a:rPr lang="en-GB" sz="4100" dirty="0">
-                <a:solidFill>
-                  <a:schemeClr val="bg1"/>
-                </a:solidFill>
-              </a:rPr>
-              <a:t>Flood the nations with grace and mercy</a:t>
-            </a:r>
-          </a:p>
-          <a:p>
-            <a:r>
-              <a:rPr lang="en-GB" sz="4100" dirty="0">
-                <a:solidFill>
-                  <a:schemeClr val="bg1"/>
-                </a:solidFill>
-              </a:rPr>
-              <a:t>Send forth Your word</a:t>
-            </a:r>
-          </a:p>
-          <a:p>
-            <a:r>
-              <a:rPr lang="en-GB" sz="4100" dirty="0">
-                <a:solidFill>
-                  <a:schemeClr val="bg1"/>
-                </a:solidFill>
-              </a:rPr>
-              <a:t>Lord and let there be light</a:t>
+              <a:rPr lang="en-GB" sz="6000" dirty="0">
+                <a:solidFill>
+                  <a:schemeClr val="bg1"/>
+                </a:solidFill>
+              </a:rPr>
+              <a:t>Blessed be Your name</a:t>
+            </a:r>
+          </a:p>
+          <a:p>
+            <a:r>
+              <a:rPr lang="en-GB" sz="6000" dirty="0">
+                <a:solidFill>
+                  <a:schemeClr val="bg1"/>
+                </a:solidFill>
+              </a:rPr>
+              <a:t>When I'm found in the desert place</a:t>
+            </a:r>
+          </a:p>
+          <a:p>
+            <a:r>
+              <a:rPr lang="en-GB" sz="6000" dirty="0">
+                <a:solidFill>
+                  <a:schemeClr val="bg1"/>
+                </a:solidFill>
+              </a:rPr>
+              <a:t>Though I walk through the wilderness</a:t>
+            </a:r>
+          </a:p>
+          <a:p>
+            <a:r>
+              <a:rPr lang="en-GB" sz="6000" dirty="0">
+                <a:solidFill>
+                  <a:schemeClr val="bg1"/>
+                </a:solidFill>
+              </a:rPr>
+              <a:t>Blessed be Your name</a:t>
             </a:r>
           </a:p>
         </p:txBody>
@@ -4135,7 +4024,7 @@
                   <a:schemeClr val="bg1"/>
                 </a:solidFill>
               </a:rPr>
-              <a:t>2/4</a:t>
+              <a:t>2/7</a:t>
             </a:r>
           </a:p>
         </p:txBody>
@@ -4193,52 +4082,50 @@
           <a:lstStyle/>
           <a:p>
             <a:r>
-              <a:rPr lang="en-GB" sz="4400" dirty="0">
-                <a:solidFill>
-                  <a:schemeClr val="bg1"/>
-                </a:solidFill>
-              </a:rPr>
-              <a:t>Lord I come to Your awesome presence</a:t>
-            </a:r>
-          </a:p>
-          <a:p>
-            <a:r>
-              <a:rPr lang="en-GB" sz="4400" dirty="0">
-                <a:solidFill>
-                  <a:schemeClr val="bg1"/>
-                </a:solidFill>
-              </a:rPr>
-              <a:t>From the shadows into Your radiance</a:t>
-            </a:r>
-          </a:p>
-          <a:p>
-            <a:r>
-              <a:rPr lang="en-GB" sz="4400" dirty="0">
-                <a:solidFill>
-                  <a:schemeClr val="bg1"/>
-                </a:solidFill>
-              </a:rPr>
-              <a:t>By the blood I may enter Your brightness</a:t>
-            </a:r>
-          </a:p>
-          <a:p>
-            <a:r>
-              <a:rPr lang="en-GB" sz="4400" dirty="0">
-                <a:solidFill>
-                  <a:schemeClr val="bg1"/>
-                </a:solidFill>
-              </a:rPr>
-              <a:t>Search me try me consume all my darkness</a:t>
-            </a:r>
-          </a:p>
-          <a:p>
-            <a:r>
-              <a:rPr lang="en-GB" sz="4400" dirty="0">
-                <a:solidFill>
-                  <a:schemeClr val="bg1"/>
-                </a:solidFill>
-              </a:rPr>
-              <a:t>Shine on me shine on me</a:t>
+              <a:rPr lang="en-GB" sz="6000" dirty="0" err="1">
+                <a:solidFill>
+                  <a:schemeClr val="bg1"/>
+                </a:solidFill>
+              </a:rPr>
+              <a:t>Ev’ry</a:t>
+            </a:r>
+            <a:r>
+              <a:rPr lang="en-GB" sz="6000" dirty="0">
+                <a:solidFill>
+                  <a:schemeClr val="bg1"/>
+                </a:solidFill>
+              </a:rPr>
+              <a:t> blessing You pour out I’ll</a:t>
+            </a:r>
+          </a:p>
+          <a:p>
+            <a:r>
+              <a:rPr lang="en-GB" sz="6000" dirty="0">
+                <a:solidFill>
+                  <a:schemeClr val="bg1"/>
+                </a:solidFill>
+              </a:rPr>
+              <a:t>Turn back to praise</a:t>
+            </a:r>
+          </a:p>
+          <a:p>
+            <a:r>
+              <a:rPr lang="en-GB" sz="6000" dirty="0">
+                <a:solidFill>
+                  <a:schemeClr val="bg1"/>
+                </a:solidFill>
+              </a:rPr>
+              <a:t>When the darkness closes in Lord</a:t>
+            </a:r>
+          </a:p>
+          <a:p>
+            <a:r>
+              <a:rPr lang="en-GB" sz="6000" dirty="0">
+                <a:solidFill>
+                  <a:schemeClr val="bg1"/>
+                </a:solidFill>
+              </a:rPr>
+              <a:t>Still I will say</a:t>
             </a:r>
           </a:p>
         </p:txBody>
@@ -4271,7 +4158,7 @@
                   <a:schemeClr val="bg1"/>
                 </a:solidFill>
               </a:rPr>
-              <a:t>3/4</a:t>
+              <a:t>3/7</a:t>
             </a:r>
           </a:p>
         </p:txBody>
@@ -4329,52 +4216,42 @@
           <a:lstStyle/>
           <a:p>
             <a:r>
-              <a:rPr lang="en-GB" sz="4400" dirty="0">
-                <a:solidFill>
-                  <a:schemeClr val="bg1"/>
-                </a:solidFill>
-              </a:rPr>
-              <a:t>As we gaze on Your kingly brightness</a:t>
-            </a:r>
-          </a:p>
-          <a:p>
-            <a:r>
-              <a:rPr lang="en-GB" sz="4400" dirty="0">
-                <a:solidFill>
-                  <a:schemeClr val="bg1"/>
-                </a:solidFill>
-              </a:rPr>
-              <a:t>So our faces display Your likeness</a:t>
-            </a:r>
-          </a:p>
-          <a:p>
-            <a:r>
-              <a:rPr lang="en-GB" sz="4400" dirty="0">
-                <a:solidFill>
-                  <a:schemeClr val="bg1"/>
-                </a:solidFill>
-              </a:rPr>
-              <a:t>Ever changing from glory to glory</a:t>
-            </a:r>
-          </a:p>
-          <a:p>
-            <a:r>
-              <a:rPr lang="en-GB" sz="4400" dirty="0">
-                <a:solidFill>
-                  <a:schemeClr val="bg1"/>
-                </a:solidFill>
-              </a:rPr>
-              <a:t>Mirrored here may our lives tell Your story</a:t>
-            </a:r>
-          </a:p>
-          <a:p>
-            <a:r>
-              <a:rPr lang="en-GB" sz="4400" dirty="0">
-                <a:solidFill>
-                  <a:schemeClr val="bg1"/>
-                </a:solidFill>
-              </a:rPr>
-              <a:t>Shine on me shine on me</a:t>
+              <a:rPr lang="en-GB" sz="5600" dirty="0">
+                <a:solidFill>
+                  <a:schemeClr val="bg1"/>
+                </a:solidFill>
+              </a:rPr>
+              <a:t>Blessed be the name of the Lord</a:t>
+            </a:r>
+          </a:p>
+          <a:p>
+            <a:r>
+              <a:rPr lang="en-GB" sz="5600" dirty="0">
+                <a:solidFill>
+                  <a:schemeClr val="bg1"/>
+                </a:solidFill>
+              </a:rPr>
+              <a:t>Blessed be Your name</a:t>
+            </a:r>
+          </a:p>
+          <a:p>
+            <a:r>
+              <a:rPr lang="en-GB" sz="5600" dirty="0">
+                <a:solidFill>
+                  <a:schemeClr val="bg1"/>
+                </a:solidFill>
+              </a:rPr>
+              <a:t>Blessed be the name of the Lord</a:t>
+            </a:r>
+          </a:p>
+          <a:p>
+            <a:r>
+              <a:rPr lang="en-GB" sz="5600" dirty="0">
+                <a:solidFill>
+                  <a:schemeClr val="bg1"/>
+                </a:solidFill>
+              </a:rPr>
+              <a:t>Blessed be Your glorious name</a:t>
             </a:r>
           </a:p>
         </p:txBody>
@@ -4407,7 +4284,7 @@
                   <a:schemeClr val="bg1"/>
                 </a:solidFill>
               </a:rPr>
-              <a:t>4/4</a:t>
+              <a:t>4/7</a:t>
             </a:r>
           </a:p>
         </p:txBody>
@@ -4464,170 +4341,84 @@
           </a:bodyPr>
           <a:lstStyle/>
           <a:p>
-            <a:endParaRPr lang="en-GB" sz="5400" dirty="0">
-              <a:solidFill>
-                <a:schemeClr val="bg1"/>
-              </a:solidFill>
-            </a:endParaRPr>
-          </a:p>
-          <a:p>
-            <a:r>
-              <a:rPr lang="en-GB" sz="6600" b="0" i="0" dirty="0">
-                <a:solidFill>
-                  <a:srgbClr val="00A3E0"/>
-                </a:solidFill>
-                <a:effectLst/>
-                <a:latin typeface="akagi_probook"/>
-              </a:rPr>
-              <a:t>Shout To The Lord</a:t>
-            </a:r>
-          </a:p>
-          <a:p>
-            <a:br>
-              <a:rPr lang="en-GB" sz="900" b="0" i="0" dirty="0">
-                <a:solidFill>
-                  <a:srgbClr val="717171"/>
-                </a:solidFill>
-                <a:effectLst/>
-                <a:latin typeface="akagi_probook"/>
-              </a:rPr>
-            </a:br>
-            <a:r>
-              <a:rPr lang="en-GB" sz="900" b="0" i="0" dirty="0">
-                <a:solidFill>
-                  <a:srgbClr val="717171"/>
-                </a:solidFill>
-                <a:effectLst/>
-                <a:latin typeface="akagi_probook"/>
-              </a:rPr>
-              <a:t>CCLI Song # 1406918</a:t>
-            </a:r>
-          </a:p>
-          <a:p>
-            <a:endParaRPr lang="en-GB" sz="900" b="0" i="0" dirty="0">
-              <a:solidFill>
-                <a:srgbClr val="717171"/>
-              </a:solidFill>
-              <a:effectLst/>
-              <a:latin typeface="akagi_probook"/>
-            </a:endParaRPr>
-          </a:p>
-          <a:p>
-            <a:r>
-              <a:rPr lang="en-GB" sz="900" b="0" i="0" dirty="0">
-                <a:solidFill>
-                  <a:srgbClr val="717171"/>
-                </a:solidFill>
-                <a:effectLst/>
-                <a:latin typeface="akagi_probook"/>
-              </a:rPr>
-              <a:t>Darlene </a:t>
-            </a:r>
-            <a:r>
-              <a:rPr lang="en-GB" sz="900" b="0" i="0" dirty="0" err="1">
-                <a:solidFill>
-                  <a:srgbClr val="717171"/>
-                </a:solidFill>
-                <a:effectLst/>
-                <a:latin typeface="akagi_probook"/>
-              </a:rPr>
-              <a:t>Zschech</a:t>
-            </a:r>
-            <a:endParaRPr lang="en-GB" sz="900" b="0" i="0" dirty="0">
-              <a:solidFill>
-                <a:srgbClr val="717171"/>
-              </a:solidFill>
-              <a:effectLst/>
-              <a:latin typeface="akagi_probook"/>
-            </a:endParaRPr>
-          </a:p>
-          <a:p>
-            <a:endParaRPr lang="en-GB" sz="900" b="0" i="0" dirty="0">
-              <a:solidFill>
-                <a:srgbClr val="717171"/>
-              </a:solidFill>
-              <a:effectLst/>
-              <a:latin typeface="akagi_probook"/>
-            </a:endParaRPr>
-          </a:p>
-          <a:p>
-            <a:r>
-              <a:rPr lang="en-GB" sz="900" b="0" i="0" dirty="0">
-                <a:solidFill>
-                  <a:srgbClr val="717171"/>
-                </a:solidFill>
-                <a:effectLst/>
-                <a:latin typeface="akagi_probook"/>
-              </a:rPr>
-              <a:t>© 1993 Wondrous Worship (Admin. by Song Solutions www.songsolutions.org)</a:t>
-            </a:r>
-          </a:p>
-          <a:p>
-            <a:r>
-              <a:rPr lang="en-GB" sz="900" b="0" i="0" dirty="0">
-                <a:solidFill>
-                  <a:srgbClr val="717171"/>
-                </a:solidFill>
-                <a:effectLst/>
-                <a:latin typeface="akagi_probook"/>
-              </a:rPr>
-              <a:t>For use solely with the </a:t>
-            </a:r>
-            <a:r>
-              <a:rPr lang="en-GB" sz="900" b="0" i="0" dirty="0" err="1">
-                <a:solidFill>
-                  <a:srgbClr val="717171"/>
-                </a:solidFill>
-                <a:effectLst/>
-                <a:latin typeface="akagi_probook"/>
-              </a:rPr>
-              <a:t>SongSelect</a:t>
-            </a:r>
-            <a:r>
-              <a:rPr lang="en-GB" sz="900" b="0" i="0" dirty="0">
-                <a:solidFill>
-                  <a:srgbClr val="717171"/>
-                </a:solidFill>
-                <a:effectLst/>
-                <a:latin typeface="akagi_probook"/>
-              </a:rPr>
-              <a:t>® Terms of Use. All rights reserved. www.ccli.com</a:t>
-            </a:r>
-          </a:p>
-          <a:p>
-            <a:endParaRPr lang="en-GB" sz="900" b="0" i="0" dirty="0">
-              <a:solidFill>
-                <a:srgbClr val="717171"/>
-              </a:solidFill>
-              <a:effectLst/>
-              <a:latin typeface="akagi_probook"/>
-            </a:endParaRPr>
-          </a:p>
-          <a:p>
-            <a:r>
-              <a:rPr lang="en-GB" sz="900" b="0" i="0" dirty="0">
-                <a:solidFill>
-                  <a:srgbClr val="717171"/>
-                </a:solidFill>
-                <a:effectLst/>
-                <a:latin typeface="akagi_probook"/>
-              </a:rPr>
-              <a:t>CCLI Licence No. 33265</a:t>
-            </a:r>
-          </a:p>
-          <a:p>
-            <a:endParaRPr lang="en-GB" sz="1200" dirty="0">
-              <a:solidFill>
-                <a:schemeClr val="bg1"/>
-              </a:solidFill>
-            </a:endParaRPr>
+            <a:r>
+              <a:rPr lang="en-GB" sz="6000" dirty="0">
+                <a:solidFill>
+                  <a:schemeClr val="bg1"/>
+                </a:solidFill>
+              </a:rPr>
+              <a:t>Blessed be Your name</a:t>
+            </a:r>
+          </a:p>
+          <a:p>
+            <a:r>
+              <a:rPr lang="en-GB" sz="6000" dirty="0">
+                <a:solidFill>
+                  <a:schemeClr val="bg1"/>
+                </a:solidFill>
+              </a:rPr>
+              <a:t>When the sun's shining down on me</a:t>
+            </a:r>
+          </a:p>
+          <a:p>
+            <a:r>
+              <a:rPr lang="en-GB" sz="6000" dirty="0">
+                <a:solidFill>
+                  <a:schemeClr val="bg1"/>
+                </a:solidFill>
+              </a:rPr>
+              <a:t>When the world's all as it should be</a:t>
+            </a:r>
+          </a:p>
+          <a:p>
+            <a:r>
+              <a:rPr lang="en-GB" sz="6000" dirty="0">
+                <a:solidFill>
+                  <a:schemeClr val="bg1"/>
+                </a:solidFill>
+              </a:rPr>
+              <a:t>Blessed be Your name</a:t>
+            </a:r>
+          </a:p>
+        </p:txBody>
+      </p:sp>
+      <p:sp>
+        <p:nvSpPr>
+          <p:cNvPr id="4" name="TextBox 3"/>
+          <p:cNvSpPr txBox="1"/>
+          <p:nvPr/>
+        </p:nvSpPr>
+        <p:spPr>
+          <a:xfrm>
+            <a:off x="8529729" y="0"/>
+            <a:ext cx="628698" cy="461665"/>
+          </a:xfrm>
+          <a:prstGeom prst="rect">
+            <a:avLst/>
+          </a:prstGeom>
+          <a:noFill/>
+        </p:spPr>
+        <p:txBody>
+          <a:bodyPr wrap="none" rtlCol="0">
+            <a:spAutoFit/>
+          </a:bodyPr>
+          <a:lstStyle/>
+          <a:p>
+            <a:r>
+              <a:rPr lang="en-GB" sz="2400" b="1" dirty="0">
+                <a:solidFill>
+                  <a:schemeClr val="bg1"/>
+                </a:solidFill>
+              </a:rPr>
+              <a:t>5/7</a:t>
+            </a:r>
           </a:p>
         </p:txBody>
       </p:sp>
     </p:spTree>
     <p:extLst>
       <p:ext uri="{BB962C8B-B14F-4D97-AF65-F5344CB8AC3E}">
-        <p14:creationId xmlns:p14="http://schemas.microsoft.com/office/powerpoint/2010/main" val="3107317129"/>
+        <p14:creationId xmlns:p14="http://schemas.microsoft.com/office/powerpoint/2010/main" val="76937280"/>
       </p:ext>
     </p:extLst>
   </p:cSld>
@@ -4677,82 +4468,42 @@
           <a:lstStyle/>
           <a:p>
             <a:r>
-              <a:rPr lang="en-GB" sz="4400" dirty="0">
-                <a:solidFill>
-                  <a:schemeClr val="bg1"/>
-                </a:solidFill>
-              </a:rPr>
-              <a:t>My Jesus my Saviour</a:t>
-            </a:r>
-          </a:p>
-          <a:p>
-            <a:r>
-              <a:rPr lang="en-GB" sz="4400" dirty="0">
-                <a:solidFill>
-                  <a:schemeClr val="bg1"/>
-                </a:solidFill>
-              </a:rPr>
-              <a:t>Lord there is none like You</a:t>
-            </a:r>
-          </a:p>
-          <a:p>
-            <a:r>
-              <a:rPr lang="en-GB" sz="4400" dirty="0">
-                <a:solidFill>
-                  <a:schemeClr val="bg1"/>
-                </a:solidFill>
-              </a:rPr>
-              <a:t>All of my days I want to praise</a:t>
-            </a:r>
-          </a:p>
-          <a:p>
-            <a:r>
-              <a:rPr lang="en-GB" sz="4400" dirty="0">
-                <a:solidFill>
-                  <a:schemeClr val="bg1"/>
-                </a:solidFill>
-              </a:rPr>
-              <a:t>The wonders of Your mighty love</a:t>
-            </a:r>
-          </a:p>
-          <a:p>
-            <a:r>
-              <a:rPr lang="en-GB" sz="4400" dirty="0">
-                <a:solidFill>
-                  <a:schemeClr val="bg1"/>
-                </a:solidFill>
-              </a:rPr>
-              <a:t>My comfort my shelter</a:t>
-            </a:r>
-          </a:p>
-          <a:p>
-            <a:r>
-              <a:rPr lang="en-GB" sz="4400" dirty="0">
-                <a:solidFill>
-                  <a:schemeClr val="bg1"/>
-                </a:solidFill>
-              </a:rPr>
-              <a:t>Tower of refuge and strength</a:t>
-            </a:r>
-          </a:p>
-          <a:p>
-            <a:r>
-              <a:rPr lang="en-GB" sz="4400" dirty="0">
-                <a:solidFill>
-                  <a:schemeClr val="bg1"/>
-                </a:solidFill>
-              </a:rPr>
-              <a:t>Let every breath all that I am</a:t>
-            </a:r>
-          </a:p>
-          <a:p>
-            <a:r>
-              <a:rPr lang="en-GB" sz="4400" dirty="0">
-                <a:solidFill>
-                  <a:schemeClr val="bg1"/>
-                </a:solidFill>
-              </a:rPr>
-              <a:t>Never cease to worship You</a:t>
+              <a:rPr lang="en-GB" sz="6000" dirty="0">
+                <a:solidFill>
+                  <a:schemeClr val="bg1"/>
+                </a:solidFill>
+              </a:rPr>
+              <a:t>Blessed be Your name</a:t>
+            </a:r>
+          </a:p>
+          <a:p>
+            <a:r>
+              <a:rPr lang="en-GB" sz="6000" dirty="0">
+                <a:solidFill>
+                  <a:schemeClr val="bg1"/>
+                </a:solidFill>
+              </a:rPr>
+              <a:t>On the road marked with suffering</a:t>
+            </a:r>
+          </a:p>
+          <a:p>
+            <a:r>
+              <a:rPr lang="en-GB" sz="6000" dirty="0">
+                <a:solidFill>
+                  <a:schemeClr val="bg1"/>
+                </a:solidFill>
+              </a:rPr>
+              <a:t>Though there's pain in the offering</a:t>
+            </a:r>
+          </a:p>
+          <a:p>
+            <a:r>
+              <a:rPr lang="en-GB" sz="6000" dirty="0">
+                <a:solidFill>
+                  <a:schemeClr val="bg1"/>
+                </a:solidFill>
+              </a:rPr>
+              <a:t>Blessed be Your name</a:t>
             </a:r>
           </a:p>
         </p:txBody>
@@ -4785,7 +4536,7 @@
                   <a:schemeClr val="bg1"/>
                 </a:solidFill>
               </a:rPr>
-              <a:t>1/3</a:t>
+              <a:t>6/7</a:t>
             </a:r>
           </a:p>
         </p:txBody>
@@ -4793,7 +4544,7 @@
     </p:spTree>
     <p:extLst>
       <p:ext uri="{BB962C8B-B14F-4D97-AF65-F5344CB8AC3E}">
-        <p14:creationId xmlns:p14="http://schemas.microsoft.com/office/powerpoint/2010/main" val="2203528704"/>
+        <p14:creationId xmlns:p14="http://schemas.microsoft.com/office/powerpoint/2010/main" val="2502731765"/>
       </p:ext>
     </p:extLst>
   </p:cSld>
@@ -5002,72 +4753,42 @@
           <a:lstStyle/>
           <a:p>
             <a:r>
-              <a:rPr lang="en-GB" sz="5000" dirty="0">
-                <a:solidFill>
-                  <a:schemeClr val="bg1"/>
-                </a:solidFill>
-              </a:rPr>
-              <a:t>Shout to the Lord</a:t>
-            </a:r>
-          </a:p>
-          <a:p>
-            <a:r>
-              <a:rPr lang="en-GB" sz="5000" dirty="0">
-                <a:solidFill>
-                  <a:schemeClr val="bg1"/>
-                </a:solidFill>
-              </a:rPr>
-              <a:t>All the earth let us sing</a:t>
-            </a:r>
-          </a:p>
-          <a:p>
-            <a:r>
-              <a:rPr lang="en-GB" sz="5000" dirty="0">
-                <a:solidFill>
-                  <a:schemeClr val="bg1"/>
-                </a:solidFill>
-              </a:rPr>
-              <a:t>Power and majesty</a:t>
-            </a:r>
-          </a:p>
-          <a:p>
-            <a:r>
-              <a:rPr lang="en-GB" sz="5000" dirty="0">
-                <a:solidFill>
-                  <a:schemeClr val="bg1"/>
-                </a:solidFill>
-              </a:rPr>
-              <a:t>Praise to the King</a:t>
-            </a:r>
-          </a:p>
-          <a:p>
-            <a:r>
-              <a:rPr lang="en-GB" sz="5000" dirty="0">
-                <a:solidFill>
-                  <a:schemeClr val="bg1"/>
-                </a:solidFill>
-              </a:rPr>
-              <a:t>Mountains bow down</a:t>
-            </a:r>
-          </a:p>
-          <a:p>
-            <a:r>
-              <a:rPr lang="en-GB" sz="5000" dirty="0">
-                <a:solidFill>
-                  <a:schemeClr val="bg1"/>
-                </a:solidFill>
-              </a:rPr>
-              <a:t>And the seas will roar</a:t>
-            </a:r>
-          </a:p>
-          <a:p>
-            <a:r>
-              <a:rPr lang="en-GB" sz="5000" dirty="0">
-                <a:solidFill>
-                  <a:schemeClr val="bg1"/>
-                </a:solidFill>
-              </a:rPr>
-              <a:t>At the sound of Your name</a:t>
+              <a:rPr lang="en-GB" sz="6000" dirty="0">
+                <a:solidFill>
+                  <a:schemeClr val="bg1"/>
+                </a:solidFill>
+              </a:rPr>
+              <a:t>You give and take away</a:t>
+            </a:r>
+          </a:p>
+          <a:p>
+            <a:r>
+              <a:rPr lang="en-GB" sz="6000" dirty="0">
+                <a:solidFill>
+                  <a:schemeClr val="bg1"/>
+                </a:solidFill>
+              </a:rPr>
+              <a:t>You give and take away</a:t>
+            </a:r>
+          </a:p>
+          <a:p>
+            <a:r>
+              <a:rPr lang="en-GB" sz="6000" dirty="0">
+                <a:solidFill>
+                  <a:schemeClr val="bg1"/>
+                </a:solidFill>
+              </a:rPr>
+              <a:t>My heart will choose to say</a:t>
+            </a:r>
+          </a:p>
+          <a:p>
+            <a:r>
+              <a:rPr lang="en-GB" sz="6000" dirty="0">
+                <a:solidFill>
+                  <a:schemeClr val="bg1"/>
+                </a:solidFill>
+              </a:rPr>
+              <a:t>Lord blessed be Your name</a:t>
             </a:r>
           </a:p>
         </p:txBody>
@@ -5100,7 +4821,7 @@
                   <a:schemeClr val="bg1"/>
                 </a:solidFill>
               </a:rPr>
-              <a:t>2/3</a:t>
+              <a:t>7/7</a:t>
             </a:r>
           </a:p>
         </p:txBody>
@@ -5108,7 +4829,7 @@
     </p:spTree>
     <p:extLst>
       <p:ext uri="{BB962C8B-B14F-4D97-AF65-F5344CB8AC3E}">
-        <p14:creationId xmlns:p14="http://schemas.microsoft.com/office/powerpoint/2010/main" val="288803818"/>
+        <p14:creationId xmlns:p14="http://schemas.microsoft.com/office/powerpoint/2010/main" val="1594116931"/>
       </p:ext>
     </p:extLst>
   </p:cSld>
@@ -5157,104 +4878,170 @@
           </a:bodyPr>
           <a:lstStyle/>
           <a:p>
-            <a:r>
-              <a:rPr lang="en-GB" sz="5000" dirty="0">
-                <a:solidFill>
-                  <a:schemeClr val="bg1"/>
-                </a:solidFill>
-              </a:rPr>
-              <a:t>I sing for joy</a:t>
-            </a:r>
-          </a:p>
-          <a:p>
-            <a:r>
-              <a:rPr lang="en-GB" sz="5000" dirty="0">
-                <a:solidFill>
-                  <a:schemeClr val="bg1"/>
-                </a:solidFill>
-              </a:rPr>
-              <a:t>At the work of Your hands</a:t>
-            </a:r>
-          </a:p>
-          <a:p>
-            <a:r>
-              <a:rPr lang="en-GB" sz="5000" dirty="0">
-                <a:solidFill>
-                  <a:schemeClr val="bg1"/>
-                </a:solidFill>
-              </a:rPr>
-              <a:t>Forever I'll love You</a:t>
-            </a:r>
-          </a:p>
-          <a:p>
-            <a:r>
-              <a:rPr lang="en-GB" sz="5000" dirty="0">
-                <a:solidFill>
-                  <a:schemeClr val="bg1"/>
-                </a:solidFill>
-              </a:rPr>
-              <a:t>Forever I'll stand</a:t>
-            </a:r>
-          </a:p>
-          <a:p>
-            <a:r>
-              <a:rPr lang="en-GB" sz="5000" dirty="0">
-                <a:solidFill>
-                  <a:schemeClr val="bg1"/>
-                </a:solidFill>
-              </a:rPr>
-              <a:t>Nothing compares to the promise</a:t>
-            </a:r>
-          </a:p>
-          <a:p>
-            <a:r>
-              <a:rPr lang="en-GB" sz="5000" dirty="0">
-                <a:solidFill>
-                  <a:schemeClr val="bg1"/>
-                </a:solidFill>
-              </a:rPr>
-              <a:t>I have in You</a:t>
-            </a:r>
-          </a:p>
-        </p:txBody>
-      </p:sp>
-      <p:sp>
-        <p:nvSpPr>
-          <p:cNvPr id="4" name="TextBox 3"/>
-          <p:cNvSpPr txBox="1"/>
-          <p:nvPr/>
-        </p:nvSpPr>
-        <p:spPr>
-          <a:xfrm>
-            <a:off x="8529729" y="0"/>
-            <a:ext cx="628698" cy="461665"/>
-          </a:xfrm>
-          <a:prstGeom prst="rect">
-            <a:avLst/>
-          </a:prstGeom>
-          <a:noFill/>
-        </p:spPr>
-        <p:txBody>
-          <a:bodyPr wrap="none" rtlCol="0">
-            <a:spAutoFit/>
-          </a:bodyPr>
-          <a:lstStyle/>
-          <a:p>
-            <a:r>
-              <a:rPr lang="en-GB" sz="2400" b="1" dirty="0">
-                <a:solidFill>
-                  <a:schemeClr val="bg1"/>
-                </a:solidFill>
-              </a:rPr>
-              <a:t>3/3</a:t>
-            </a:r>
+            <a:endParaRPr lang="en-GB" sz="5400" dirty="0">
+              <a:solidFill>
+                <a:schemeClr val="bg1"/>
+              </a:solidFill>
+            </a:endParaRPr>
+          </a:p>
+          <a:p>
+            <a:r>
+              <a:rPr lang="en-GB" sz="6600" b="0" i="0" dirty="0">
+                <a:solidFill>
+                  <a:srgbClr val="00A3E0"/>
+                </a:solidFill>
+                <a:effectLst/>
+                <a:latin typeface="akagi_probook"/>
+              </a:rPr>
+              <a:t>Shout To The Lord</a:t>
+            </a:r>
+          </a:p>
+          <a:p>
+            <a:br>
+              <a:rPr lang="en-GB" sz="900" b="0" i="0" dirty="0">
+                <a:solidFill>
+                  <a:srgbClr val="717171"/>
+                </a:solidFill>
+                <a:effectLst/>
+                <a:latin typeface="akagi_probook"/>
+              </a:rPr>
+            </a:br>
+            <a:r>
+              <a:rPr lang="en-GB" sz="900" b="0" i="0" dirty="0">
+                <a:solidFill>
+                  <a:srgbClr val="717171"/>
+                </a:solidFill>
+                <a:effectLst/>
+                <a:latin typeface="akagi_probook"/>
+              </a:rPr>
+              <a:t>CCLI Song # 1406918</a:t>
+            </a:r>
+          </a:p>
+          <a:p>
+            <a:endParaRPr lang="en-GB" sz="900" b="0" i="0" dirty="0">
+              <a:solidFill>
+                <a:srgbClr val="717171"/>
+              </a:solidFill>
+              <a:effectLst/>
+              <a:latin typeface="akagi_probook"/>
+            </a:endParaRPr>
+          </a:p>
+          <a:p>
+            <a:r>
+              <a:rPr lang="en-GB" sz="900" b="0" i="0" dirty="0">
+                <a:solidFill>
+                  <a:srgbClr val="717171"/>
+                </a:solidFill>
+                <a:effectLst/>
+                <a:latin typeface="akagi_probook"/>
+              </a:rPr>
+              <a:t>Darlene </a:t>
+            </a:r>
+            <a:r>
+              <a:rPr lang="en-GB" sz="900" b="0" i="0" dirty="0" err="1">
+                <a:solidFill>
+                  <a:srgbClr val="717171"/>
+                </a:solidFill>
+                <a:effectLst/>
+                <a:latin typeface="akagi_probook"/>
+              </a:rPr>
+              <a:t>Zschech</a:t>
+            </a:r>
+            <a:endParaRPr lang="en-GB" sz="900" b="0" i="0" dirty="0">
+              <a:solidFill>
+                <a:srgbClr val="717171"/>
+              </a:solidFill>
+              <a:effectLst/>
+              <a:latin typeface="akagi_probook"/>
+            </a:endParaRPr>
+          </a:p>
+          <a:p>
+            <a:endParaRPr lang="en-GB" sz="900" b="0" i="0" dirty="0">
+              <a:solidFill>
+                <a:srgbClr val="717171"/>
+              </a:solidFill>
+              <a:effectLst/>
+              <a:latin typeface="akagi_probook"/>
+            </a:endParaRPr>
+          </a:p>
+          <a:p>
+            <a:r>
+              <a:rPr lang="en-GB" sz="900" b="0" i="0" dirty="0">
+                <a:solidFill>
+                  <a:srgbClr val="717171"/>
+                </a:solidFill>
+                <a:effectLst/>
+                <a:latin typeface="akagi_probook"/>
+              </a:rPr>
+              <a:t>© 1993 Wondrous Worship (Admin. by Song Solutions www.songsolutions.org)</a:t>
+            </a:r>
+          </a:p>
+          <a:p>
+            <a:r>
+              <a:rPr lang="en-GB" sz="900" b="0" i="0" dirty="0">
+                <a:solidFill>
+                  <a:srgbClr val="717171"/>
+                </a:solidFill>
+                <a:effectLst/>
+                <a:latin typeface="akagi_probook"/>
+              </a:rPr>
+              <a:t>For use solely with the </a:t>
+            </a:r>
+            <a:r>
+              <a:rPr lang="en-GB" sz="900" b="0" i="0" dirty="0" err="1">
+                <a:solidFill>
+                  <a:srgbClr val="717171"/>
+                </a:solidFill>
+                <a:effectLst/>
+                <a:latin typeface="akagi_probook"/>
+              </a:rPr>
+              <a:t>SongSelect</a:t>
+            </a:r>
+            <a:r>
+              <a:rPr lang="en-GB" sz="900" b="0" i="0" dirty="0">
+                <a:solidFill>
+                  <a:srgbClr val="717171"/>
+                </a:solidFill>
+                <a:effectLst/>
+                <a:latin typeface="akagi_probook"/>
+              </a:rPr>
+              <a:t>® Terms of Use. All rights reserved. www.ccli.com</a:t>
+            </a:r>
+          </a:p>
+          <a:p>
+            <a:endParaRPr lang="en-GB" sz="900" b="0" i="0" dirty="0">
+              <a:solidFill>
+                <a:srgbClr val="717171"/>
+              </a:solidFill>
+              <a:effectLst/>
+              <a:latin typeface="akagi_probook"/>
+            </a:endParaRPr>
+          </a:p>
+          <a:p>
+            <a:r>
+              <a:rPr lang="en-GB" sz="900" b="0" i="0" dirty="0">
+                <a:solidFill>
+                  <a:srgbClr val="717171"/>
+                </a:solidFill>
+                <a:effectLst/>
+                <a:latin typeface="akagi_probook"/>
+              </a:rPr>
+              <a:t>CCLI Licence No. 33265</a:t>
+            </a:r>
+          </a:p>
+          <a:p>
+            <a:endParaRPr lang="en-GB" sz="1200" dirty="0">
+              <a:solidFill>
+                <a:schemeClr val="bg1"/>
+              </a:solidFill>
+            </a:endParaRPr>
           </a:p>
         </p:txBody>
       </p:sp>
     </p:spTree>
     <p:extLst>
       <p:ext uri="{BB962C8B-B14F-4D97-AF65-F5344CB8AC3E}">
-        <p14:creationId xmlns:p14="http://schemas.microsoft.com/office/powerpoint/2010/main" val="2310473556"/>
+        <p14:creationId xmlns:p14="http://schemas.microsoft.com/office/powerpoint/2010/main" val="3107317129"/>
       </p:ext>
     </p:extLst>
   </p:cSld>
@@ -5303,156 +5090,116 @@
           </a:bodyPr>
           <a:lstStyle/>
           <a:p>
-            <a:endParaRPr lang="en-GB" sz="6600" dirty="0">
-              <a:solidFill>
-                <a:srgbClr val="00A3E0"/>
-              </a:solidFill>
-              <a:latin typeface="akagi_probook"/>
-            </a:endParaRPr>
-          </a:p>
-          <a:p>
-            <a:r>
-              <a:rPr lang="en-GB" sz="6600" dirty="0">
-                <a:solidFill>
-                  <a:srgbClr val="00A3E0"/>
-                </a:solidFill>
-                <a:latin typeface="akagi_probook"/>
-              </a:rPr>
-              <a:t>Goodness Of God</a:t>
-            </a:r>
-          </a:p>
-          <a:p>
-            <a:endParaRPr lang="en-GB" sz="1200" dirty="0">
-              <a:solidFill>
-                <a:schemeClr val="bg1"/>
-              </a:solidFill>
-            </a:endParaRPr>
-          </a:p>
-          <a:p>
-            <a:r>
-              <a:rPr lang="en-GB" sz="1200" dirty="0">
-                <a:solidFill>
-                  <a:schemeClr val="bg1"/>
-                </a:solidFill>
-              </a:rPr>
-              <a:t>CCLI Song # 7117726</a:t>
-            </a:r>
-          </a:p>
-          <a:p>
-            <a:endParaRPr lang="en-GB" sz="1200" dirty="0">
-              <a:solidFill>
-                <a:schemeClr val="bg1"/>
-              </a:solidFill>
-            </a:endParaRPr>
-          </a:p>
-          <a:p>
-            <a:r>
-              <a:rPr lang="en-GB" sz="1200" dirty="0">
-                <a:solidFill>
-                  <a:schemeClr val="bg1"/>
-                </a:solidFill>
-              </a:rPr>
-              <a:t>Ben Fielding | Brian Johnson | Ed Cash | Jason Ingram | Jenn Johnson</a:t>
-            </a:r>
-          </a:p>
-          <a:p>
-            <a:endParaRPr lang="en-GB" sz="1200" dirty="0">
-              <a:solidFill>
-                <a:schemeClr val="bg1"/>
-              </a:solidFill>
-            </a:endParaRPr>
-          </a:p>
-          <a:p>
-            <a:r>
-              <a:rPr lang="en-GB" sz="1200" dirty="0">
-                <a:solidFill>
-                  <a:schemeClr val="bg1"/>
-                </a:solidFill>
-              </a:rPr>
-              <a:t>© 2018 Capitol CMG Paragon (Admin. by Capitol CMG Publishing)</a:t>
-            </a:r>
-          </a:p>
-          <a:p>
-            <a:r>
-              <a:rPr lang="en-GB" sz="1200" dirty="0">
-                <a:solidFill>
-                  <a:schemeClr val="bg1"/>
-                </a:solidFill>
-              </a:rPr>
-              <a:t>Fellow Ships Music (Admin. by Essential Music Publishing LLC)</a:t>
-            </a:r>
-          </a:p>
-          <a:p>
-            <a:r>
-              <a:rPr lang="en-GB" sz="1200" dirty="0">
-                <a:solidFill>
-                  <a:schemeClr val="bg1"/>
-                </a:solidFill>
-              </a:rPr>
-              <a:t>So Essential Tunes (Admin. by Essential Music Publishing LLC)</a:t>
-            </a:r>
-          </a:p>
-          <a:p>
-            <a:r>
-              <a:rPr lang="en-GB" sz="1200" dirty="0">
-                <a:solidFill>
-                  <a:schemeClr val="bg1"/>
-                </a:solidFill>
-              </a:rPr>
-              <a:t>SHOUT! Music Publishing Australia (Admin. by SHOUT! Music Publishing UK)</a:t>
-            </a:r>
-          </a:p>
-          <a:p>
-            <a:r>
-              <a:rPr lang="en-GB" sz="1200" dirty="0">
-                <a:solidFill>
-                  <a:schemeClr val="bg1"/>
-                </a:solidFill>
-              </a:rPr>
-              <a:t>Bethel Music Publishing (Admin. by Song Solutions)</a:t>
-            </a:r>
-          </a:p>
-          <a:p>
-            <a:r>
-              <a:rPr lang="en-GB" sz="1200" dirty="0">
-                <a:solidFill>
-                  <a:schemeClr val="bg1"/>
-                </a:solidFill>
-              </a:rPr>
-              <a:t>For use solely with the </a:t>
-            </a:r>
-            <a:r>
-              <a:rPr lang="en-GB" sz="1200" dirty="0" err="1">
-                <a:solidFill>
-                  <a:schemeClr val="bg1"/>
-                </a:solidFill>
-              </a:rPr>
-              <a:t>SongSelect</a:t>
-            </a:r>
-            <a:r>
-              <a:rPr lang="en-GB" sz="1200" dirty="0">
-                <a:solidFill>
-                  <a:schemeClr val="bg1"/>
-                </a:solidFill>
-              </a:rPr>
-              <a:t>® Terms of Use. All rights reserved. www.ccli.com</a:t>
-            </a:r>
-          </a:p>
-          <a:p>
-            <a:endParaRPr lang="en-GB" sz="1200" dirty="0">
-              <a:solidFill>
-                <a:schemeClr val="bg1"/>
-              </a:solidFill>
-            </a:endParaRPr>
-          </a:p>
-          <a:p>
-            <a:r>
-              <a:rPr lang="en-GB" sz="1200" dirty="0">
-                <a:solidFill>
-                  <a:schemeClr val="bg1"/>
-                </a:solidFill>
-              </a:rPr>
-              <a:t>CCLI Licence No. 33265</a:t>
+            <a:r>
+              <a:rPr lang="en-GB" sz="4400" dirty="0">
+                <a:solidFill>
+                  <a:schemeClr val="bg1"/>
+                </a:solidFill>
+              </a:rPr>
+              <a:t>My Jesus my Saviour</a:t>
+            </a:r>
+          </a:p>
+          <a:p>
+            <a:r>
+              <a:rPr lang="en-GB" sz="4400" dirty="0">
+                <a:solidFill>
+                  <a:schemeClr val="bg1"/>
+                </a:solidFill>
+              </a:rPr>
+              <a:t>Lord there is none like You</a:t>
+            </a:r>
+          </a:p>
+          <a:p>
+            <a:r>
+              <a:rPr lang="en-GB" sz="4400" dirty="0">
+                <a:solidFill>
+                  <a:schemeClr val="bg1"/>
+                </a:solidFill>
+              </a:rPr>
+              <a:t>All of my days I want to praise</a:t>
+            </a:r>
+          </a:p>
+          <a:p>
+            <a:r>
+              <a:rPr lang="en-GB" sz="4400" dirty="0">
+                <a:solidFill>
+                  <a:schemeClr val="bg1"/>
+                </a:solidFill>
+              </a:rPr>
+              <a:t>The wonders of Your mighty love</a:t>
+            </a:r>
+          </a:p>
+          <a:p>
+            <a:r>
+              <a:rPr lang="en-GB" sz="4400" dirty="0">
+                <a:solidFill>
+                  <a:schemeClr val="bg1"/>
+                </a:solidFill>
+              </a:rPr>
+              <a:t>My comfort my shelter</a:t>
+            </a:r>
+          </a:p>
+          <a:p>
+            <a:r>
+              <a:rPr lang="en-GB" sz="4400" dirty="0">
+                <a:solidFill>
+                  <a:schemeClr val="bg1"/>
+                </a:solidFill>
+              </a:rPr>
+              <a:t>Tower of refuge and strength</a:t>
+            </a:r>
+          </a:p>
+          <a:p>
+            <a:r>
+              <a:rPr lang="en-GB" sz="4400" dirty="0">
+                <a:solidFill>
+                  <a:schemeClr val="bg1"/>
+                </a:solidFill>
+              </a:rPr>
+              <a:t>Let every breath all that I am</a:t>
+            </a:r>
+          </a:p>
+          <a:p>
+            <a:r>
+              <a:rPr lang="en-GB" sz="4400" dirty="0">
+                <a:solidFill>
+                  <a:schemeClr val="bg1"/>
+                </a:solidFill>
+              </a:rPr>
+              <a:t>Never cease to worship You</a:t>
+            </a:r>
+          </a:p>
+        </p:txBody>
+      </p:sp>
+      <p:sp>
+        <p:nvSpPr>
+          <p:cNvPr id="4" name="TextBox 3"/>
+          <p:cNvSpPr txBox="1"/>
+          <p:nvPr/>
+        </p:nvSpPr>
+        <p:spPr>
+          <a:xfrm>
+            <a:off x="8529729" y="0"/>
+            <a:ext cx="628698" cy="461665"/>
+          </a:xfrm>
+          <a:prstGeom prst="rect">
+            <a:avLst/>
+          </a:prstGeom>
+          <a:noFill/>
+        </p:spPr>
+        <p:txBody>
+          <a:bodyPr wrap="none" rtlCol="0">
+            <a:spAutoFit/>
+          </a:bodyPr>
+          <a:lstStyle/>
+          <a:p>
+            <a:r>
+              <a:rPr lang="en-GB" sz="2400" b="1" dirty="0">
+                <a:solidFill>
+                  <a:schemeClr val="bg1"/>
+                </a:solidFill>
+              </a:rPr>
+              <a:t>1/3</a:t>
             </a:r>
           </a:p>
         </p:txBody>
@@ -5460,7 +5207,7 @@
     </p:spTree>
     <p:extLst>
       <p:ext uri="{BB962C8B-B14F-4D97-AF65-F5344CB8AC3E}">
-        <p14:creationId xmlns:p14="http://schemas.microsoft.com/office/powerpoint/2010/main" val="2477780304"/>
+        <p14:creationId xmlns:p14="http://schemas.microsoft.com/office/powerpoint/2010/main" val="2203528704"/>
       </p:ext>
     </p:extLst>
   </p:cSld>
@@ -5510,72 +5257,72 @@
           <a:lstStyle/>
           <a:p>
             <a:r>
-              <a:rPr lang="en-GB" sz="4400" dirty="0">
-                <a:solidFill>
-                  <a:schemeClr val="bg1"/>
-                </a:solidFill>
-              </a:rPr>
-              <a:t>I love You Lord</a:t>
-            </a:r>
-          </a:p>
-          <a:p>
-            <a:r>
-              <a:rPr lang="en-GB" sz="4400" dirty="0">
-                <a:solidFill>
-                  <a:schemeClr val="bg1"/>
-                </a:solidFill>
-              </a:rPr>
-              <a:t>Oh Your mercy never fails me</a:t>
-            </a:r>
-          </a:p>
-          <a:p>
-            <a:r>
-              <a:rPr lang="en-GB" sz="4400" dirty="0">
-                <a:solidFill>
-                  <a:schemeClr val="bg1"/>
-                </a:solidFill>
-              </a:rPr>
-              <a:t>All my days</a:t>
-            </a:r>
-          </a:p>
-          <a:p>
-            <a:r>
-              <a:rPr lang="en-GB" sz="4400" dirty="0">
-                <a:solidFill>
-                  <a:schemeClr val="bg1"/>
-                </a:solidFill>
-              </a:rPr>
-              <a:t>I've been held in Your hands</a:t>
-            </a:r>
-          </a:p>
-          <a:p>
-            <a:r>
-              <a:rPr lang="en-GB" sz="4400" dirty="0">
-                <a:solidFill>
-                  <a:schemeClr val="bg1"/>
-                </a:solidFill>
-              </a:rPr>
-              <a:t>From the moment that I wake up</a:t>
-            </a:r>
-          </a:p>
-          <a:p>
-            <a:r>
-              <a:rPr lang="en-GB" sz="4400" dirty="0">
-                <a:solidFill>
-                  <a:schemeClr val="bg1"/>
-                </a:solidFill>
-              </a:rPr>
-              <a:t>Until I lay my head</a:t>
-            </a:r>
-          </a:p>
-          <a:p>
-            <a:r>
-              <a:rPr lang="en-GB" sz="4400" dirty="0">
-                <a:solidFill>
-                  <a:schemeClr val="bg1"/>
-                </a:solidFill>
-              </a:rPr>
-              <a:t>I will sing of the goodness of God</a:t>
+              <a:rPr lang="en-GB" sz="5000" dirty="0">
+                <a:solidFill>
+                  <a:schemeClr val="bg1"/>
+                </a:solidFill>
+              </a:rPr>
+              <a:t>Shout to the Lord</a:t>
+            </a:r>
+          </a:p>
+          <a:p>
+            <a:r>
+              <a:rPr lang="en-GB" sz="5000" dirty="0">
+                <a:solidFill>
+                  <a:schemeClr val="bg1"/>
+                </a:solidFill>
+              </a:rPr>
+              <a:t>All the earth let us sing</a:t>
+            </a:r>
+          </a:p>
+          <a:p>
+            <a:r>
+              <a:rPr lang="en-GB" sz="5000" dirty="0">
+                <a:solidFill>
+                  <a:schemeClr val="bg1"/>
+                </a:solidFill>
+              </a:rPr>
+              <a:t>Power and majesty</a:t>
+            </a:r>
+          </a:p>
+          <a:p>
+            <a:r>
+              <a:rPr lang="en-GB" sz="5000" dirty="0">
+                <a:solidFill>
+                  <a:schemeClr val="bg1"/>
+                </a:solidFill>
+              </a:rPr>
+              <a:t>Praise to the King</a:t>
+            </a:r>
+          </a:p>
+          <a:p>
+            <a:r>
+              <a:rPr lang="en-GB" sz="5000" dirty="0">
+                <a:solidFill>
+                  <a:schemeClr val="bg1"/>
+                </a:solidFill>
+              </a:rPr>
+              <a:t>Mountains bow down</a:t>
+            </a:r>
+          </a:p>
+          <a:p>
+            <a:r>
+              <a:rPr lang="en-GB" sz="5000" dirty="0">
+                <a:solidFill>
+                  <a:schemeClr val="bg1"/>
+                </a:solidFill>
+              </a:rPr>
+              <a:t>And the seas will roar</a:t>
+            </a:r>
+          </a:p>
+          <a:p>
+            <a:r>
+              <a:rPr lang="en-GB" sz="5000" dirty="0">
+                <a:solidFill>
+                  <a:schemeClr val="bg1"/>
+                </a:solidFill>
+              </a:rPr>
+              <a:t>At the sound of Your name</a:t>
             </a:r>
           </a:p>
         </p:txBody>
@@ -5608,7 +5355,7 @@
                   <a:schemeClr val="bg1"/>
                 </a:solidFill>
               </a:rPr>
-              <a:t>1/5</a:t>
+              <a:t>2/3</a:t>
             </a:r>
           </a:p>
         </p:txBody>
@@ -5616,7 +5363,7 @@
     </p:spTree>
     <p:extLst>
       <p:ext uri="{BB962C8B-B14F-4D97-AF65-F5344CB8AC3E}">
-        <p14:creationId xmlns:p14="http://schemas.microsoft.com/office/powerpoint/2010/main" val="3348290221"/>
+        <p14:creationId xmlns:p14="http://schemas.microsoft.com/office/powerpoint/2010/main" val="288803818"/>
       </p:ext>
     </p:extLst>
   </p:cSld>
@@ -5671,7 +5418,7 @@
                   <a:schemeClr val="bg1"/>
                 </a:solidFill>
               </a:rPr>
-              <a:t>All my life You have been faithful</a:t>
+              <a:t>I sing for joy</a:t>
             </a:r>
           </a:p>
           <a:p>
@@ -5681,23 +5428,17 @@
                   <a:schemeClr val="bg1"/>
                 </a:solidFill>
               </a:rPr>
-              <a:t>All my life You have been so </a:t>
-            </a:r>
-            <a:r>
-              <a:rPr lang="en-GB" sz="5000" dirty="0" err="1">
-                <a:solidFill>
-                  <a:schemeClr val="bg1"/>
-                </a:solidFill>
-              </a:rPr>
-              <a:t>so</a:t>
-            </a:r>
+              <a:t>At the work of Your hands</a:t>
+            </a:r>
+          </a:p>
+          <a:p>
             <a:r>
               <a:rPr lang="en-GB" sz="5000" dirty="0">
                 <a:solidFill>
                   <a:schemeClr val="bg1"/>
                 </a:solidFill>
               </a:rPr>
-              <a:t> good</a:t>
+              <a:t>Forever I'll love You</a:t>
             </a:r>
           </a:p>
           <a:p>
@@ -5707,7 +5448,7 @@
                   <a:schemeClr val="bg1"/>
                 </a:solidFill>
               </a:rPr>
-              <a:t>With every breath that I am able</a:t>
+              <a:t>Forever I'll stand</a:t>
             </a:r>
           </a:p>
           <a:p>
@@ -5717,7 +5458,17 @@
                   <a:schemeClr val="bg1"/>
                 </a:solidFill>
               </a:rPr>
-              <a:t>I will sing of the goodness of God</a:t>
+              <a:t>Nothing compares to the promise</a:t>
+            </a:r>
+          </a:p>
+          <a:p>
+            <a:r>
+              <a:rPr lang="en-GB" sz="5000" dirty="0">
+                <a:solidFill>
+                  <a:schemeClr val="bg1"/>
+                </a:solidFill>
+              </a:rPr>
+              <a:t>I have in You</a:t>
             </a:r>
           </a:p>
         </p:txBody>
@@ -5750,7 +5501,7 @@
                   <a:schemeClr val="bg1"/>
                 </a:solidFill>
               </a:rPr>
-              <a:t>2/5</a:t>
+              <a:t>3/3</a:t>
             </a:r>
           </a:p>
         </p:txBody>
@@ -5758,7 +5509,7 @@
     </p:spTree>
     <p:extLst>
       <p:ext uri="{BB962C8B-B14F-4D97-AF65-F5344CB8AC3E}">
-        <p14:creationId xmlns:p14="http://schemas.microsoft.com/office/powerpoint/2010/main" val="2544967348"/>
+        <p14:creationId xmlns:p14="http://schemas.microsoft.com/office/powerpoint/2010/main" val="2310473556"/>
       </p:ext>
     </p:extLst>
   </p:cSld>
@@ -5807,6 +5558,510 @@
           </a:bodyPr>
           <a:lstStyle/>
           <a:p>
+            <a:endParaRPr lang="en-GB" sz="6600" dirty="0">
+              <a:solidFill>
+                <a:srgbClr val="00A3E0"/>
+              </a:solidFill>
+              <a:latin typeface="akagi_probook"/>
+            </a:endParaRPr>
+          </a:p>
+          <a:p>
+            <a:r>
+              <a:rPr lang="en-GB" sz="6600" dirty="0">
+                <a:solidFill>
+                  <a:srgbClr val="00A3E0"/>
+                </a:solidFill>
+                <a:latin typeface="akagi_probook"/>
+              </a:rPr>
+              <a:t>Goodness Of God</a:t>
+            </a:r>
+          </a:p>
+          <a:p>
+            <a:endParaRPr lang="en-GB" sz="1200" dirty="0">
+              <a:solidFill>
+                <a:schemeClr val="bg1"/>
+              </a:solidFill>
+            </a:endParaRPr>
+          </a:p>
+          <a:p>
+            <a:r>
+              <a:rPr lang="en-GB" sz="1200" dirty="0">
+                <a:solidFill>
+                  <a:schemeClr val="bg1"/>
+                </a:solidFill>
+              </a:rPr>
+              <a:t>CCLI Song # 7117726</a:t>
+            </a:r>
+          </a:p>
+          <a:p>
+            <a:endParaRPr lang="en-GB" sz="1200" dirty="0">
+              <a:solidFill>
+                <a:schemeClr val="bg1"/>
+              </a:solidFill>
+            </a:endParaRPr>
+          </a:p>
+          <a:p>
+            <a:r>
+              <a:rPr lang="en-GB" sz="1200" dirty="0">
+                <a:solidFill>
+                  <a:schemeClr val="bg1"/>
+                </a:solidFill>
+              </a:rPr>
+              <a:t>Ben Fielding | Brian Johnson | Ed Cash | Jason Ingram | Jenn Johnson</a:t>
+            </a:r>
+          </a:p>
+          <a:p>
+            <a:endParaRPr lang="en-GB" sz="1200" dirty="0">
+              <a:solidFill>
+                <a:schemeClr val="bg1"/>
+              </a:solidFill>
+            </a:endParaRPr>
+          </a:p>
+          <a:p>
+            <a:r>
+              <a:rPr lang="en-GB" sz="1200" dirty="0">
+                <a:solidFill>
+                  <a:schemeClr val="bg1"/>
+                </a:solidFill>
+              </a:rPr>
+              <a:t>© 2018 Capitol CMG Paragon (Admin. by Capitol CMG Publishing)</a:t>
+            </a:r>
+          </a:p>
+          <a:p>
+            <a:r>
+              <a:rPr lang="en-GB" sz="1200" dirty="0">
+                <a:solidFill>
+                  <a:schemeClr val="bg1"/>
+                </a:solidFill>
+              </a:rPr>
+              <a:t>Fellow Ships Music (Admin. by Essential Music Publishing LLC)</a:t>
+            </a:r>
+          </a:p>
+          <a:p>
+            <a:r>
+              <a:rPr lang="en-GB" sz="1200" dirty="0">
+                <a:solidFill>
+                  <a:schemeClr val="bg1"/>
+                </a:solidFill>
+              </a:rPr>
+              <a:t>So Essential Tunes (Admin. by Essential Music Publishing LLC)</a:t>
+            </a:r>
+          </a:p>
+          <a:p>
+            <a:r>
+              <a:rPr lang="en-GB" sz="1200" dirty="0">
+                <a:solidFill>
+                  <a:schemeClr val="bg1"/>
+                </a:solidFill>
+              </a:rPr>
+              <a:t>SHOUT! Music Publishing Australia (Admin. by SHOUT! Music Publishing UK)</a:t>
+            </a:r>
+          </a:p>
+          <a:p>
+            <a:r>
+              <a:rPr lang="en-GB" sz="1200" dirty="0">
+                <a:solidFill>
+                  <a:schemeClr val="bg1"/>
+                </a:solidFill>
+              </a:rPr>
+              <a:t>Bethel Music Publishing (Admin. by Song Solutions)</a:t>
+            </a:r>
+          </a:p>
+          <a:p>
+            <a:r>
+              <a:rPr lang="en-GB" sz="1200" dirty="0">
+                <a:solidFill>
+                  <a:schemeClr val="bg1"/>
+                </a:solidFill>
+              </a:rPr>
+              <a:t>For use solely with the </a:t>
+            </a:r>
+            <a:r>
+              <a:rPr lang="en-GB" sz="1200" dirty="0" err="1">
+                <a:solidFill>
+                  <a:schemeClr val="bg1"/>
+                </a:solidFill>
+              </a:rPr>
+              <a:t>SongSelect</a:t>
+            </a:r>
+            <a:r>
+              <a:rPr lang="en-GB" sz="1200" dirty="0">
+                <a:solidFill>
+                  <a:schemeClr val="bg1"/>
+                </a:solidFill>
+              </a:rPr>
+              <a:t>® Terms of Use. All rights reserved. www.ccli.com</a:t>
+            </a:r>
+          </a:p>
+          <a:p>
+            <a:endParaRPr lang="en-GB" sz="1200" dirty="0">
+              <a:solidFill>
+                <a:schemeClr val="bg1"/>
+              </a:solidFill>
+            </a:endParaRPr>
+          </a:p>
+          <a:p>
+            <a:r>
+              <a:rPr lang="en-GB" sz="1200" dirty="0">
+                <a:solidFill>
+                  <a:schemeClr val="bg1"/>
+                </a:solidFill>
+              </a:rPr>
+              <a:t>CCLI Licence No. 33265</a:t>
+            </a:r>
+          </a:p>
+        </p:txBody>
+      </p:sp>
+    </p:spTree>
+    <p:extLst>
+      <p:ext uri="{BB962C8B-B14F-4D97-AF65-F5344CB8AC3E}">
+        <p14:creationId xmlns:p14="http://schemas.microsoft.com/office/powerpoint/2010/main" val="2477780304"/>
+      </p:ext>
+    </p:extLst>
+  </p:cSld>
+  <p:clrMapOvr>
+    <a:masterClrMapping/>
+  </p:clrMapOvr>
+</p:sld>
+</file>
+
+<file path=ppt/slides/slide26.xml><?xml version="1.0" encoding="utf-8"?>
+<p:sld xmlns:a="http://schemas.openxmlformats.org/drawingml/2006/main" xmlns:r="http://schemas.openxmlformats.org/officeDocument/2006/relationships" xmlns:p="http://schemas.openxmlformats.org/presentationml/2006/main">
+  <p:cSld>
+    <p:spTree>
+      <p:nvGrpSpPr>
+        <p:cNvPr id="1" name=""/>
+        <p:cNvGrpSpPr/>
+        <p:nvPr/>
+      </p:nvGrpSpPr>
+      <p:grpSpPr>
+        <a:xfrm>
+          <a:off x="0" y="0"/>
+          <a:ext cx="0" cy="0"/>
+          <a:chOff x="0" y="0"/>
+          <a:chExt cx="0" cy="0"/>
+        </a:xfrm>
+      </p:grpSpPr>
+      <p:sp>
+        <p:nvSpPr>
+          <p:cNvPr id="3" name="Subtitle 2"/>
+          <p:cNvSpPr>
+            <a:spLocks noGrp="1"/>
+          </p:cNvSpPr>
+          <p:nvPr>
+            <p:ph type="subTitle" idx="1"/>
+          </p:nvPr>
+        </p:nvSpPr>
+        <p:spPr>
+          <a:xfrm>
+            <a:off x="323528" y="188640"/>
+            <a:ext cx="8640960" cy="6480720"/>
+          </a:xfrm>
+        </p:spPr>
+        <p:txBody>
+          <a:bodyPr>
+            <a:noAutofit/>
+          </a:bodyPr>
+          <a:lstStyle/>
+          <a:p>
+            <a:r>
+              <a:rPr lang="en-GB" sz="4400" dirty="0">
+                <a:solidFill>
+                  <a:schemeClr val="bg1"/>
+                </a:solidFill>
+              </a:rPr>
+              <a:t>I love You Lord</a:t>
+            </a:r>
+          </a:p>
+          <a:p>
+            <a:r>
+              <a:rPr lang="en-GB" sz="4400" dirty="0">
+                <a:solidFill>
+                  <a:schemeClr val="bg1"/>
+                </a:solidFill>
+              </a:rPr>
+              <a:t>Oh Your mercy never fails me</a:t>
+            </a:r>
+          </a:p>
+          <a:p>
+            <a:r>
+              <a:rPr lang="en-GB" sz="4400" dirty="0">
+                <a:solidFill>
+                  <a:schemeClr val="bg1"/>
+                </a:solidFill>
+              </a:rPr>
+              <a:t>All my days</a:t>
+            </a:r>
+          </a:p>
+          <a:p>
+            <a:r>
+              <a:rPr lang="en-GB" sz="4400" dirty="0">
+                <a:solidFill>
+                  <a:schemeClr val="bg1"/>
+                </a:solidFill>
+              </a:rPr>
+              <a:t>I've been held in Your hands</a:t>
+            </a:r>
+          </a:p>
+          <a:p>
+            <a:r>
+              <a:rPr lang="en-GB" sz="4400" dirty="0">
+                <a:solidFill>
+                  <a:schemeClr val="bg1"/>
+                </a:solidFill>
+              </a:rPr>
+              <a:t>From the moment that I wake up</a:t>
+            </a:r>
+          </a:p>
+          <a:p>
+            <a:r>
+              <a:rPr lang="en-GB" sz="4400" dirty="0">
+                <a:solidFill>
+                  <a:schemeClr val="bg1"/>
+                </a:solidFill>
+              </a:rPr>
+              <a:t>Until I lay my head</a:t>
+            </a:r>
+          </a:p>
+          <a:p>
+            <a:r>
+              <a:rPr lang="en-GB" sz="4400" dirty="0">
+                <a:solidFill>
+                  <a:schemeClr val="bg1"/>
+                </a:solidFill>
+              </a:rPr>
+              <a:t>I will sing of the goodness of God</a:t>
+            </a:r>
+          </a:p>
+        </p:txBody>
+      </p:sp>
+      <p:sp>
+        <p:nvSpPr>
+          <p:cNvPr id="4" name="TextBox 3"/>
+          <p:cNvSpPr txBox="1"/>
+          <p:nvPr/>
+        </p:nvSpPr>
+        <p:spPr>
+          <a:xfrm>
+            <a:off x="8529729" y="0"/>
+            <a:ext cx="628698" cy="461665"/>
+          </a:xfrm>
+          <a:prstGeom prst="rect">
+            <a:avLst/>
+          </a:prstGeom>
+          <a:noFill/>
+        </p:spPr>
+        <p:txBody>
+          <a:bodyPr wrap="none" rtlCol="0">
+            <a:spAutoFit/>
+          </a:bodyPr>
+          <a:lstStyle/>
+          <a:p>
+            <a:r>
+              <a:rPr lang="en-GB" sz="2400" b="1" dirty="0">
+                <a:solidFill>
+                  <a:schemeClr val="bg1"/>
+                </a:solidFill>
+              </a:rPr>
+              <a:t>1/5</a:t>
+            </a:r>
+          </a:p>
+        </p:txBody>
+      </p:sp>
+    </p:spTree>
+    <p:extLst>
+      <p:ext uri="{BB962C8B-B14F-4D97-AF65-F5344CB8AC3E}">
+        <p14:creationId xmlns:p14="http://schemas.microsoft.com/office/powerpoint/2010/main" val="3348290221"/>
+      </p:ext>
+    </p:extLst>
+  </p:cSld>
+  <p:clrMapOvr>
+    <a:masterClrMapping/>
+  </p:clrMapOvr>
+</p:sld>
+</file>
+
+<file path=ppt/slides/slide27.xml><?xml version="1.0" encoding="utf-8"?>
+<p:sld xmlns:a="http://schemas.openxmlformats.org/drawingml/2006/main" xmlns:r="http://schemas.openxmlformats.org/officeDocument/2006/relationships" xmlns:p="http://schemas.openxmlformats.org/presentationml/2006/main">
+  <p:cSld>
+    <p:spTree>
+      <p:nvGrpSpPr>
+        <p:cNvPr id="1" name=""/>
+        <p:cNvGrpSpPr/>
+        <p:nvPr/>
+      </p:nvGrpSpPr>
+      <p:grpSpPr>
+        <a:xfrm>
+          <a:off x="0" y="0"/>
+          <a:ext cx="0" cy="0"/>
+          <a:chOff x="0" y="0"/>
+          <a:chExt cx="0" cy="0"/>
+        </a:xfrm>
+      </p:grpSpPr>
+      <p:sp>
+        <p:nvSpPr>
+          <p:cNvPr id="3" name="Subtitle 2"/>
+          <p:cNvSpPr>
+            <a:spLocks noGrp="1"/>
+          </p:cNvSpPr>
+          <p:nvPr>
+            <p:ph type="subTitle" idx="1"/>
+          </p:nvPr>
+        </p:nvSpPr>
+        <p:spPr>
+          <a:xfrm>
+            <a:off x="323528" y="188640"/>
+            <a:ext cx="8640960" cy="6480720"/>
+          </a:xfrm>
+        </p:spPr>
+        <p:txBody>
+          <a:bodyPr>
+            <a:noAutofit/>
+          </a:bodyPr>
+          <a:lstStyle/>
+          <a:p>
+            <a:r>
+              <a:rPr lang="en-GB" sz="5000" dirty="0">
+                <a:solidFill>
+                  <a:schemeClr val="bg1"/>
+                </a:solidFill>
+              </a:rPr>
+              <a:t>All my life You have been faithful</a:t>
+            </a:r>
+          </a:p>
+          <a:p>
+            <a:r>
+              <a:rPr lang="en-GB" sz="5000" dirty="0">
+                <a:solidFill>
+                  <a:schemeClr val="bg1"/>
+                </a:solidFill>
+              </a:rPr>
+              <a:t>All my life You have been so </a:t>
+            </a:r>
+            <a:r>
+              <a:rPr lang="en-GB" sz="5000" dirty="0" err="1">
+                <a:solidFill>
+                  <a:schemeClr val="bg1"/>
+                </a:solidFill>
+              </a:rPr>
+              <a:t>so</a:t>
+            </a:r>
+            <a:r>
+              <a:rPr lang="en-GB" sz="5000" dirty="0">
+                <a:solidFill>
+                  <a:schemeClr val="bg1"/>
+                </a:solidFill>
+              </a:rPr>
+              <a:t> good</a:t>
+            </a:r>
+          </a:p>
+          <a:p>
+            <a:r>
+              <a:rPr lang="en-GB" sz="5000" dirty="0">
+                <a:solidFill>
+                  <a:schemeClr val="bg1"/>
+                </a:solidFill>
+              </a:rPr>
+              <a:t>With every breath that I am able</a:t>
+            </a:r>
+          </a:p>
+          <a:p>
+            <a:r>
+              <a:rPr lang="en-GB" sz="5000" dirty="0">
+                <a:solidFill>
+                  <a:schemeClr val="bg1"/>
+                </a:solidFill>
+              </a:rPr>
+              <a:t>I will sing of the goodness of God</a:t>
+            </a:r>
+          </a:p>
+        </p:txBody>
+      </p:sp>
+      <p:sp>
+        <p:nvSpPr>
+          <p:cNvPr id="4" name="TextBox 3"/>
+          <p:cNvSpPr txBox="1"/>
+          <p:nvPr/>
+        </p:nvSpPr>
+        <p:spPr>
+          <a:xfrm>
+            <a:off x="8529729" y="0"/>
+            <a:ext cx="628698" cy="461665"/>
+          </a:xfrm>
+          <a:prstGeom prst="rect">
+            <a:avLst/>
+          </a:prstGeom>
+          <a:noFill/>
+        </p:spPr>
+        <p:txBody>
+          <a:bodyPr wrap="none" rtlCol="0">
+            <a:spAutoFit/>
+          </a:bodyPr>
+          <a:lstStyle/>
+          <a:p>
+            <a:r>
+              <a:rPr lang="en-GB" sz="2400" b="1" dirty="0">
+                <a:solidFill>
+                  <a:schemeClr val="bg1"/>
+                </a:solidFill>
+              </a:rPr>
+              <a:t>2/5</a:t>
+            </a:r>
+          </a:p>
+        </p:txBody>
+      </p:sp>
+    </p:spTree>
+    <p:extLst>
+      <p:ext uri="{BB962C8B-B14F-4D97-AF65-F5344CB8AC3E}">
+        <p14:creationId xmlns:p14="http://schemas.microsoft.com/office/powerpoint/2010/main" val="2544967348"/>
+      </p:ext>
+    </p:extLst>
+  </p:cSld>
+  <p:clrMapOvr>
+    <a:masterClrMapping/>
+  </p:clrMapOvr>
+</p:sld>
+</file>
+
+<file path=ppt/slides/slide28.xml><?xml version="1.0" encoding="utf-8"?>
+<p:sld xmlns:a="http://schemas.openxmlformats.org/drawingml/2006/main" xmlns:r="http://schemas.openxmlformats.org/officeDocument/2006/relationships" xmlns:p="http://schemas.openxmlformats.org/presentationml/2006/main">
+  <p:cSld>
+    <p:spTree>
+      <p:nvGrpSpPr>
+        <p:cNvPr id="1" name=""/>
+        <p:cNvGrpSpPr/>
+        <p:nvPr/>
+      </p:nvGrpSpPr>
+      <p:grpSpPr>
+        <a:xfrm>
+          <a:off x="0" y="0"/>
+          <a:ext cx="0" cy="0"/>
+          <a:chOff x="0" y="0"/>
+          <a:chExt cx="0" cy="0"/>
+        </a:xfrm>
+      </p:grpSpPr>
+      <p:sp>
+        <p:nvSpPr>
+          <p:cNvPr id="3" name="Subtitle 2"/>
+          <p:cNvSpPr>
+            <a:spLocks noGrp="1"/>
+          </p:cNvSpPr>
+          <p:nvPr>
+            <p:ph type="subTitle" idx="1"/>
+          </p:nvPr>
+        </p:nvSpPr>
+        <p:spPr>
+          <a:xfrm>
+            <a:off x="323528" y="188640"/>
+            <a:ext cx="8640960" cy="6480720"/>
+          </a:xfrm>
+        </p:spPr>
+        <p:txBody>
+          <a:bodyPr>
+            <a:noAutofit/>
+          </a:bodyPr>
+          <a:lstStyle/>
+          <a:p>
             <a:r>
               <a:rPr lang="en-GB" sz="4800" dirty="0">
                 <a:solidFill>
@@ -5924,7 +6179,7 @@
 </p:sld>
 </file>
 
-<file path=ppt/slides/slide26.xml><?xml version="1.0" encoding="utf-8"?>
+<file path=ppt/slides/slide29.xml><?xml version="1.0" encoding="utf-8"?>
 <p:sld xmlns:a="http://schemas.openxmlformats.org/drawingml/2006/main" xmlns:r="http://schemas.openxmlformats.org/officeDocument/2006/relationships" xmlns:p="http://schemas.openxmlformats.org/presentationml/2006/main">
   <p:cSld>
     <p:spTree>
@@ -6411,85 +6666,186 @@
           </a:bodyPr>
           <a:lstStyle/>
           <a:p>
-            <a:endParaRPr lang="en-GB" sz="9600" dirty="0"/>
-          </a:p>
-          <a:p>
-            <a:r>
-              <a:rPr lang="en-GB" sz="9600" dirty="0">
-                <a:solidFill>
-                  <a:schemeClr val="bg1"/>
-                </a:solidFill>
-              </a:rPr>
-              <a:t>Your Love Never Fails</a:t>
-            </a:r>
-          </a:p>
-          <a:p>
-            <a:r>
-              <a:rPr lang="en-GB" sz="1200" dirty="0"/>
-              <a:t>CCLI Song # 5337172</a:t>
-            </a:r>
-          </a:p>
-          <a:p>
-            <a:endParaRPr lang="en-GB" sz="1200" dirty="0"/>
-          </a:p>
-          <a:p>
-            <a:r>
-              <a:rPr lang="en-GB" sz="1200" dirty="0"/>
-              <a:t>Anthony Skinner | Chris </a:t>
-            </a:r>
-            <a:r>
-              <a:rPr lang="en-GB" sz="1200" dirty="0" err="1"/>
-              <a:t>McClarney</a:t>
-            </a:r>
-            <a:endParaRPr lang="en-GB" sz="1200" dirty="0"/>
-          </a:p>
-          <a:p>
-            <a:endParaRPr lang="en-GB" sz="1200" dirty="0"/>
-          </a:p>
-          <a:p>
-            <a:r>
-              <a:rPr lang="en-GB" sz="1200" dirty="0"/>
-              <a:t>© 2008 Integrity's Alleluia! Music (Admin. by Integrity Music Ltd)</a:t>
-            </a:r>
-          </a:p>
-          <a:p>
-            <a:r>
-              <a:rPr lang="en-GB" sz="1200" dirty="0"/>
-              <a:t>Out Of The Cave Music (Admin. by Integrity Music Ltd)</a:t>
-            </a:r>
-          </a:p>
-          <a:p>
-            <a:r>
-              <a:rPr lang="en-GB" sz="1200" dirty="0"/>
-              <a:t>Thankyou Music (Admin. by Integrity Music Ltd)</a:t>
-            </a:r>
-          </a:p>
-          <a:p>
-            <a:r>
-              <a:rPr lang="en-GB" sz="1200" dirty="0"/>
+            <a:endParaRPr lang="en-GB" sz="5400" dirty="0">
+              <a:solidFill>
+                <a:schemeClr val="bg1"/>
+              </a:solidFill>
+            </a:endParaRPr>
+          </a:p>
+          <a:p>
+            <a:r>
+              <a:rPr lang="en-GB" sz="6600" b="0" i="0" dirty="0">
+                <a:solidFill>
+                  <a:srgbClr val="00A3E0"/>
+                </a:solidFill>
+                <a:effectLst/>
+                <a:latin typeface="akagi_probook"/>
+              </a:rPr>
+              <a:t>Every Praise</a:t>
+            </a:r>
+          </a:p>
+          <a:p>
+            <a:br>
+              <a:rPr lang="en-GB" sz="1200" dirty="0">
+                <a:solidFill>
+                  <a:schemeClr val="bg1"/>
+                </a:solidFill>
+              </a:rPr>
+            </a:br>
+            <a:r>
+              <a:rPr lang="en-GB" sz="1200" dirty="0">
+                <a:solidFill>
+                  <a:schemeClr val="bg1"/>
+                </a:solidFill>
+              </a:rPr>
+              <a:t>CCLI Song # 6623483</a:t>
+            </a:r>
+          </a:p>
+          <a:p>
+            <a:endParaRPr lang="en-GB" sz="1200" dirty="0">
+              <a:solidFill>
+                <a:schemeClr val="bg1"/>
+              </a:solidFill>
+            </a:endParaRPr>
+          </a:p>
+          <a:p>
+            <a:r>
+              <a:rPr lang="en-GB" sz="1200" dirty="0">
+                <a:solidFill>
+                  <a:schemeClr val="bg1"/>
+                </a:solidFill>
+              </a:rPr>
+              <a:t>Hezekiah Walker | John David Bratton</a:t>
+            </a:r>
+          </a:p>
+          <a:p>
+            <a:endParaRPr lang="en-GB" sz="1200" dirty="0">
+              <a:solidFill>
+                <a:schemeClr val="bg1"/>
+              </a:solidFill>
+            </a:endParaRPr>
+          </a:p>
+          <a:p>
+            <a:r>
+              <a:rPr lang="en-GB" sz="1200" dirty="0">
+                <a:solidFill>
+                  <a:schemeClr val="bg1"/>
+                </a:solidFill>
+              </a:rPr>
+              <a:t>© 2013 </a:t>
+            </a:r>
+            <a:r>
+              <a:rPr lang="en-GB" sz="1200" dirty="0" err="1">
+                <a:solidFill>
+                  <a:schemeClr val="bg1"/>
+                </a:solidFill>
+              </a:rPr>
+              <a:t>Davo</a:t>
+            </a:r>
+            <a:r>
+              <a:rPr lang="en-GB" sz="1200" dirty="0">
+                <a:solidFill>
+                  <a:schemeClr val="bg1"/>
+                </a:solidFill>
+              </a:rPr>
+              <a:t> </a:t>
+            </a:r>
+            <a:r>
+              <a:rPr lang="en-GB" sz="1200" dirty="0" err="1">
+                <a:solidFill>
+                  <a:schemeClr val="bg1"/>
+                </a:solidFill>
+              </a:rPr>
+              <a:t>Pavo</a:t>
+            </a:r>
+            <a:r>
+              <a:rPr lang="en-GB" sz="1200" dirty="0">
+                <a:solidFill>
+                  <a:schemeClr val="bg1"/>
+                </a:solidFill>
+              </a:rPr>
+              <a:t> Music (Admin. by BMG Rights Management GmbH)</a:t>
+            </a:r>
+          </a:p>
+          <a:p>
+            <a:r>
+              <a:rPr lang="en-GB" sz="1200" dirty="0" err="1">
+                <a:solidFill>
+                  <a:schemeClr val="bg1"/>
+                </a:solidFill>
+              </a:rPr>
+              <a:t>Li'l</a:t>
+            </a:r>
+            <a:r>
+              <a:rPr lang="en-GB" sz="1200" dirty="0">
+                <a:solidFill>
+                  <a:schemeClr val="bg1"/>
+                </a:solidFill>
+              </a:rPr>
+              <a:t> Eva Music (Admin. by Capitol CMG Publishing)</a:t>
+            </a:r>
+          </a:p>
+          <a:p>
+            <a:r>
+              <a:rPr lang="en-GB" sz="1200" dirty="0">
+                <a:solidFill>
+                  <a:schemeClr val="bg1"/>
+                </a:solidFill>
+              </a:rPr>
+              <a:t>Luv Ki Publishing (Admin. by Capitol CMG Publishing)</a:t>
+            </a:r>
+          </a:p>
+          <a:p>
+            <a:r>
+              <a:rPr lang="en-GB" sz="1200" dirty="0">
+                <a:solidFill>
+                  <a:schemeClr val="bg1"/>
+                </a:solidFill>
+              </a:rPr>
               <a:t>For use solely with the </a:t>
             </a:r>
             <a:r>
-              <a:rPr lang="en-GB" sz="1200" dirty="0" err="1"/>
+              <a:rPr lang="en-GB" sz="1200" dirty="0" err="1">
+                <a:solidFill>
+                  <a:schemeClr val="bg1"/>
+                </a:solidFill>
+              </a:rPr>
               <a:t>SongSelect</a:t>
             </a:r>
             <a:r>
-              <a:rPr lang="en-GB" sz="1200" dirty="0"/>
+              <a:rPr lang="en-GB" sz="1200" dirty="0">
+                <a:solidFill>
+                  <a:schemeClr val="bg1"/>
+                </a:solidFill>
+              </a:rPr>
               <a:t>® Terms of Use. All rights reserved. www.ccli.com</a:t>
             </a:r>
           </a:p>
           <a:p>
-            <a:endParaRPr lang="en-GB" sz="1200" dirty="0"/>
-          </a:p>
-          <a:p>
-            <a:r>
-              <a:rPr lang="en-GB" sz="1200" dirty="0"/>
+            <a:endParaRPr lang="en-GB" sz="1200" dirty="0">
+              <a:solidFill>
+                <a:schemeClr val="bg1"/>
+              </a:solidFill>
+            </a:endParaRPr>
+          </a:p>
+          <a:p>
+            <a:r>
+              <a:rPr lang="en-GB" sz="1200" dirty="0">
+                <a:solidFill>
+                  <a:schemeClr val="bg1"/>
+                </a:solidFill>
+              </a:rPr>
               <a:t>CCLI Licence No. 33265</a:t>
             </a:r>
           </a:p>
         </p:txBody>
       </p:sp>
     </p:spTree>
+    <p:extLst>
+      <p:ext uri="{BB962C8B-B14F-4D97-AF65-F5344CB8AC3E}">
+        <p14:creationId xmlns:p14="http://schemas.microsoft.com/office/powerpoint/2010/main" val="2633692750"/>
+      </p:ext>
+    </p:extLst>
   </p:cSld>
   <p:clrMapOvr>
     <a:masterClrMapping/>
@@ -6526,8 +6882,8 @@
         </p:nvSpPr>
         <p:spPr>
           <a:xfrm>
-            <a:off x="323528" y="188640"/>
-            <a:ext cx="8640960" cy="6480720"/>
+            <a:off x="179512" y="116632"/>
+            <a:ext cx="8784976" cy="6552728"/>
           </a:xfrm>
         </p:spPr>
         <p:txBody>
@@ -6537,75 +6893,62 @@
           <a:lstStyle/>
           <a:p>
             <a:r>
-              <a:rPr lang="en-GB" sz="4900" dirty="0">
-                <a:solidFill>
-                  <a:schemeClr val="bg1"/>
-                </a:solidFill>
-              </a:rPr>
-              <a:t>Nothing can separate</a:t>
-            </a:r>
-          </a:p>
-          <a:p>
-            <a:r>
-              <a:rPr lang="en-GB" sz="4900" dirty="0">
-                <a:solidFill>
-                  <a:schemeClr val="bg1"/>
-                </a:solidFill>
-              </a:rPr>
-              <a:t>Even if I ran away</a:t>
-            </a:r>
-          </a:p>
-          <a:p>
-            <a:r>
-              <a:rPr lang="en-GB" sz="4900" dirty="0">
-                <a:solidFill>
-                  <a:schemeClr val="bg1"/>
-                </a:solidFill>
-              </a:rPr>
-              <a:t>Your love never fails</a:t>
-            </a:r>
-          </a:p>
-          <a:p>
-            <a:r>
-              <a:rPr lang="en-GB" sz="4900" dirty="0">
-                <a:solidFill>
-                  <a:schemeClr val="bg1"/>
-                </a:solidFill>
-              </a:rPr>
-              <a:t>I know I still make mistakes but</a:t>
-            </a:r>
-          </a:p>
-          <a:p>
-            <a:r>
-              <a:rPr lang="en-GB" sz="4900" dirty="0">
-                <a:solidFill>
-                  <a:schemeClr val="bg1"/>
-                </a:solidFill>
-              </a:rPr>
-              <a:t>You have new mercies for me </a:t>
-            </a:r>
-            <a:r>
-              <a:rPr lang="en-GB" sz="4900" dirty="0" err="1">
-                <a:solidFill>
-                  <a:schemeClr val="bg1"/>
-                </a:solidFill>
-              </a:rPr>
-              <a:t>ev'ryday</a:t>
-            </a:r>
-            <a:endParaRPr lang="en-GB" sz="4900" dirty="0">
-              <a:solidFill>
-                <a:schemeClr val="bg1"/>
-              </a:solidFill>
-            </a:endParaRPr>
-          </a:p>
-          <a:p>
-            <a:r>
-              <a:rPr lang="en-GB" sz="4900" dirty="0">
-                <a:solidFill>
-                  <a:schemeClr val="bg1"/>
-                </a:solidFill>
-              </a:rPr>
-              <a:t>Your love never fails</a:t>
+              <a:rPr lang="en-GB" sz="4400" dirty="0">
+                <a:solidFill>
+                  <a:schemeClr val="bg1"/>
+                </a:solidFill>
+              </a:rPr>
+              <a:t>Every praise is to our God</a:t>
+            </a:r>
+          </a:p>
+          <a:p>
+            <a:r>
+              <a:rPr lang="en-GB" sz="4400" dirty="0">
+                <a:solidFill>
+                  <a:schemeClr val="bg1"/>
+                </a:solidFill>
+              </a:rPr>
+              <a:t>Every word of worship with one accord</a:t>
+            </a:r>
+          </a:p>
+          <a:p>
+            <a:r>
+              <a:rPr lang="en-GB" sz="4400" dirty="0">
+                <a:solidFill>
+                  <a:schemeClr val="bg1"/>
+                </a:solidFill>
+              </a:rPr>
+              <a:t>Every praise every praise is to our God</a:t>
+            </a:r>
+          </a:p>
+          <a:p>
+            <a:r>
+              <a:rPr lang="en-GB" sz="4400" dirty="0">
+                <a:solidFill>
+                  <a:schemeClr val="bg1"/>
+                </a:solidFill>
+              </a:rPr>
+              <a:t>Sing hallelujah to our God</a:t>
+            </a:r>
+          </a:p>
+          <a:p>
+            <a:r>
+              <a:rPr lang="en-GB" sz="4400" dirty="0">
+                <a:solidFill>
+                  <a:schemeClr val="bg1"/>
+                </a:solidFill>
+              </a:rPr>
+              <a:t>Glory hallelujah is due our God</a:t>
+            </a:r>
+          </a:p>
+          <a:p>
+            <a:r>
+              <a:rPr lang="en-GB" sz="4400" dirty="0">
+                <a:solidFill>
+                  <a:schemeClr val="bg1"/>
+                </a:solidFill>
+              </a:rPr>
+              <a:t>Every praise every praise is to our God</a:t>
             </a:r>
           </a:p>
         </p:txBody>
@@ -6638,12 +6981,17 @@
                   <a:schemeClr val="bg1"/>
                 </a:solidFill>
               </a:rPr>
-              <a:t>1/4</a:t>
+              <a:t>1/2</a:t>
             </a:r>
           </a:p>
         </p:txBody>
       </p:sp>
     </p:spTree>
+    <p:extLst>
+      <p:ext uri="{BB962C8B-B14F-4D97-AF65-F5344CB8AC3E}">
+        <p14:creationId xmlns:p14="http://schemas.microsoft.com/office/powerpoint/2010/main" val="1920454028"/>
+      </p:ext>
+    </p:extLst>
   </p:cSld>
   <p:clrMapOvr>
     <a:masterClrMapping/>
@@ -6680,8 +7028,8 @@
         </p:nvSpPr>
         <p:spPr>
           <a:xfrm>
-            <a:off x="323528" y="188640"/>
-            <a:ext cx="8640960" cy="6480720"/>
+            <a:off x="179512" y="116632"/>
+            <a:ext cx="8784976" cy="6552728"/>
           </a:xfrm>
         </p:spPr>
         <p:txBody>
@@ -6696,7 +7044,7 @@
                   <a:schemeClr val="bg1"/>
                 </a:solidFill>
               </a:rPr>
-              <a:t>You stay the same through the ages</a:t>
+              <a:t>God my Saviour</a:t>
             </a:r>
           </a:p>
           <a:p>
@@ -6706,7 +7054,7 @@
                   <a:schemeClr val="bg1"/>
                 </a:solidFill>
               </a:rPr>
-              <a:t>Your love never changes</a:t>
+              <a:t>God my Healer</a:t>
             </a:r>
           </a:p>
           <a:p>
@@ -6716,7 +7064,7 @@
                   <a:schemeClr val="bg1"/>
                 </a:solidFill>
               </a:rPr>
-              <a:t>There may be pain in the night</a:t>
+              <a:t>God my Deliverer</a:t>
             </a:r>
           </a:p>
           <a:p>
@@ -6726,7 +7074,7 @@
                   <a:schemeClr val="bg1"/>
                 </a:solidFill>
               </a:rPr>
-              <a:t>But joy comes in the morning</a:t>
+              <a:t>Yes He is yes He is</a:t>
             </a:r>
           </a:p>
           <a:p>
@@ -6736,37 +7084,7 @@
                   <a:schemeClr val="bg1"/>
                 </a:solidFill>
               </a:rPr>
-              <a:t>And when the oceans rage</a:t>
-            </a:r>
-          </a:p>
-          <a:p>
-            <a:r>
-              <a:rPr lang="en-GB" sz="4400" dirty="0">
-                <a:solidFill>
-                  <a:schemeClr val="bg1"/>
-                </a:solidFill>
-              </a:rPr>
-              <a:t>I don't have to be afraid</a:t>
-            </a:r>
-          </a:p>
-          <a:p>
-            <a:r>
-              <a:rPr lang="en-GB" sz="4400" dirty="0">
-                <a:solidFill>
-                  <a:schemeClr val="bg1"/>
-                </a:solidFill>
-              </a:rPr>
-              <a:t>Because I know that You love me</a:t>
-            </a:r>
-          </a:p>
-          <a:p>
-            <a:r>
-              <a:rPr lang="en-GB" sz="4400" dirty="0">
-                <a:solidFill>
-                  <a:schemeClr val="bg1"/>
-                </a:solidFill>
-              </a:rPr>
-              <a:t>(Your love never fails)</a:t>
+              <a:t>(Yes He is yes He is)</a:t>
             </a:r>
           </a:p>
         </p:txBody>
@@ -6799,12 +7117,17 @@
                   <a:schemeClr val="bg1"/>
                 </a:solidFill>
               </a:rPr>
-              <a:t>2/4</a:t>
+              <a:t>2/2</a:t>
             </a:r>
           </a:p>
         </p:txBody>
       </p:sp>
     </p:spTree>
+    <p:extLst>
+      <p:ext uri="{BB962C8B-B14F-4D97-AF65-F5344CB8AC3E}">
+        <p14:creationId xmlns:p14="http://schemas.microsoft.com/office/powerpoint/2010/main" val="2945985813"/>
+      </p:ext>
+    </p:extLst>
   </p:cSld>
   <p:clrMapOvr>
     <a:masterClrMapping/>
@@ -6841,8 +7164,8 @@
         </p:nvSpPr>
         <p:spPr>
           <a:xfrm>
-            <a:off x="323528" y="116632"/>
-            <a:ext cx="8640960" cy="6552728"/>
+            <a:off x="323528" y="188640"/>
+            <a:ext cx="8640960" cy="6480720"/>
           </a:xfrm>
         </p:spPr>
         <p:txBody>
@@ -6851,101 +7174,90 @@
           </a:bodyPr>
           <a:lstStyle/>
           <a:p>
-            <a:r>
-              <a:rPr lang="en-GB" sz="4400" dirty="0">
-                <a:solidFill>
-                  <a:schemeClr val="bg1"/>
-                </a:solidFill>
-              </a:rPr>
-              <a:t>The wind is strong and the water's deep</a:t>
-            </a:r>
-          </a:p>
-          <a:p>
-            <a:r>
-              <a:rPr lang="en-GB" sz="4400" dirty="0">
-                <a:solidFill>
-                  <a:schemeClr val="bg1"/>
-                </a:solidFill>
-              </a:rPr>
-              <a:t>But I'm not alone here in these open seas</a:t>
-            </a:r>
-          </a:p>
-          <a:p>
-            <a:r>
-              <a:rPr lang="en-GB" sz="4400" dirty="0">
-                <a:solidFill>
-                  <a:schemeClr val="bg1"/>
-                </a:solidFill>
-              </a:rPr>
-              <a:t>Your love never fails</a:t>
-            </a:r>
-          </a:p>
-          <a:p>
-            <a:r>
-              <a:rPr lang="en-GB" sz="4400" dirty="0">
-                <a:solidFill>
-                  <a:schemeClr val="bg1"/>
-                </a:solidFill>
-              </a:rPr>
-              <a:t>The chasm is far too wide</a:t>
-            </a:r>
-          </a:p>
-          <a:p>
-            <a:r>
-              <a:rPr lang="en-GB" sz="4400" dirty="0">
-                <a:solidFill>
-                  <a:schemeClr val="bg1"/>
-                </a:solidFill>
-              </a:rPr>
-              <a:t>I never thought I'd reach the other side</a:t>
-            </a:r>
-          </a:p>
-          <a:p>
-            <a:r>
-              <a:rPr lang="en-GB" sz="4400" dirty="0">
-                <a:solidFill>
-                  <a:schemeClr val="bg1"/>
-                </a:solidFill>
-              </a:rPr>
-              <a:t>Your love never fails</a:t>
-            </a:r>
-          </a:p>
-        </p:txBody>
-      </p:sp>
-      <p:sp>
-        <p:nvSpPr>
-          <p:cNvPr id="4" name="TextBox 3"/>
-          <p:cNvSpPr txBox="1"/>
-          <p:nvPr/>
-        </p:nvSpPr>
-        <p:spPr>
-          <a:xfrm>
-            <a:off x="8529729" y="0"/>
-            <a:ext cx="628698" cy="461665"/>
-          </a:xfrm>
-          <a:prstGeom prst="rect">
-            <a:avLst/>
-          </a:prstGeom>
-          <a:noFill/>
-        </p:spPr>
-        <p:txBody>
-          <a:bodyPr wrap="none" rtlCol="0">
-            <a:spAutoFit/>
-          </a:bodyPr>
-          <a:lstStyle/>
-          <a:p>
-            <a:r>
-              <a:rPr lang="en-GB" sz="2400" b="1" dirty="0">
-                <a:solidFill>
-                  <a:schemeClr val="bg1"/>
-                </a:solidFill>
-              </a:rPr>
-              <a:t>3/4</a:t>
+            <a:endParaRPr lang="en-GB" sz="9600" dirty="0"/>
+          </a:p>
+          <a:p>
+            <a:r>
+              <a:rPr lang="en-GB" sz="9600" dirty="0">
+                <a:solidFill>
+                  <a:schemeClr val="bg1"/>
+                </a:solidFill>
+              </a:rPr>
+              <a:t>Your Love Never Fails</a:t>
+            </a:r>
+          </a:p>
+          <a:p>
+            <a:r>
+              <a:rPr lang="en-GB" sz="1200" dirty="0"/>
+              <a:t>CCLI Song # 5337172</a:t>
+            </a:r>
+          </a:p>
+          <a:p>
+            <a:endParaRPr lang="en-GB" sz="1200" dirty="0"/>
+          </a:p>
+          <a:p>
+            <a:r>
+              <a:rPr lang="en-GB" sz="1200" dirty="0"/>
+              <a:t>Anthony Skinner | Chris </a:t>
+            </a:r>
+            <a:r>
+              <a:rPr lang="en-GB" sz="1200" dirty="0" err="1"/>
+              <a:t>McClarney</a:t>
+            </a:r>
+            <a:endParaRPr lang="en-GB" sz="1200" dirty="0"/>
+          </a:p>
+          <a:p>
+            <a:endParaRPr lang="en-GB" sz="1200" dirty="0"/>
+          </a:p>
+          <a:p>
+            <a:r>
+              <a:rPr lang="en-GB" sz="1200" dirty="0"/>
+              <a:t>© 2008 Integrity's Alleluia! Music (Admin. by Integrity Music Ltd)</a:t>
+            </a:r>
+          </a:p>
+          <a:p>
+            <a:r>
+              <a:rPr lang="en-GB" sz="1200" dirty="0"/>
+              <a:t>Out Of The Cave Music (Admin. by Integrity Music Ltd)</a:t>
+            </a:r>
+          </a:p>
+          <a:p>
+            <a:r>
+              <a:rPr lang="en-GB" sz="1200" dirty="0"/>
+              <a:t>Thankyou Music (Admin. by Integrity Music Ltd)</a:t>
+            </a:r>
+          </a:p>
+          <a:p>
+            <a:r>
+              <a:rPr lang="en-GB" sz="1200" dirty="0"/>
+              <a:t>For use solely with the </a:t>
+            </a:r>
+            <a:r>
+              <a:rPr lang="en-GB" sz="1200" dirty="0" err="1"/>
+              <a:t>SongSelect</a:t>
+            </a:r>
+            <a:r>
+              <a:rPr lang="en-GB" sz="1200" dirty="0"/>
+              <a:t>® Terms of Use. All rights reserved. www.ccli.com</a:t>
+            </a:r>
+          </a:p>
+          <a:p>
+            <a:endParaRPr lang="en-GB" sz="1200" dirty="0"/>
+          </a:p>
+          <a:p>
+            <a:r>
+              <a:rPr lang="en-GB" sz="1200" dirty="0"/>
+              <a:t>CCLI Licence No. 33265</a:t>
             </a:r>
           </a:p>
         </p:txBody>
       </p:sp>
     </p:spTree>
+    <p:extLst>
+      <p:ext uri="{BB962C8B-B14F-4D97-AF65-F5344CB8AC3E}">
+        <p14:creationId xmlns:p14="http://schemas.microsoft.com/office/powerpoint/2010/main" val="2533024977"/>
+      </p:ext>
+    </p:extLst>
   </p:cSld>
   <p:clrMapOvr>
     <a:masterClrMapping/>
@@ -6982,8 +7294,8 @@
         </p:nvSpPr>
         <p:spPr>
           <a:xfrm>
-            <a:off x="323528" y="116632"/>
-            <a:ext cx="8640960" cy="6552728"/>
+            <a:off x="323528" y="188640"/>
+            <a:ext cx="8640960" cy="6480720"/>
           </a:xfrm>
         </p:spPr>
         <p:txBody>
@@ -6993,42 +7305,75 @@
           <a:lstStyle/>
           <a:p>
             <a:r>
-              <a:rPr lang="en-GB" sz="4400" dirty="0">
-                <a:solidFill>
-                  <a:schemeClr val="bg1"/>
-                </a:solidFill>
-              </a:rPr>
-              <a:t>You make all things</a:t>
-            </a:r>
-          </a:p>
-          <a:p>
-            <a:r>
-              <a:rPr lang="en-GB" sz="4400" dirty="0">
-                <a:solidFill>
-                  <a:schemeClr val="bg1"/>
-                </a:solidFill>
-              </a:rPr>
-              <a:t>Work together for my good</a:t>
-            </a:r>
-          </a:p>
-          <a:p>
-            <a:r>
-              <a:rPr lang="en-GB" sz="4400" dirty="0">
-                <a:solidFill>
-                  <a:schemeClr val="bg1"/>
-                </a:solidFill>
-              </a:rPr>
-              <a:t>You make all things</a:t>
-            </a:r>
-          </a:p>
-          <a:p>
-            <a:r>
-              <a:rPr lang="en-GB" sz="4400" dirty="0">
-                <a:solidFill>
-                  <a:schemeClr val="bg1"/>
-                </a:solidFill>
-              </a:rPr>
-              <a:t>Work together for my good</a:t>
+              <a:rPr lang="en-GB" sz="4900" dirty="0">
+                <a:solidFill>
+                  <a:schemeClr val="bg1"/>
+                </a:solidFill>
+              </a:rPr>
+              <a:t>Nothing can separate</a:t>
+            </a:r>
+          </a:p>
+          <a:p>
+            <a:r>
+              <a:rPr lang="en-GB" sz="4900" dirty="0">
+                <a:solidFill>
+                  <a:schemeClr val="bg1"/>
+                </a:solidFill>
+              </a:rPr>
+              <a:t>Even if I ran away</a:t>
+            </a:r>
+          </a:p>
+          <a:p>
+            <a:r>
+              <a:rPr lang="en-GB" sz="4900" dirty="0">
+                <a:solidFill>
+                  <a:schemeClr val="bg1"/>
+                </a:solidFill>
+              </a:rPr>
+              <a:t>Your love never fails</a:t>
+            </a:r>
+          </a:p>
+          <a:p>
+            <a:r>
+              <a:rPr lang="en-GB" sz="4900" dirty="0">
+                <a:solidFill>
+                  <a:schemeClr val="bg1"/>
+                </a:solidFill>
+              </a:rPr>
+              <a:t>I know I still make mistakes but</a:t>
+            </a:r>
+          </a:p>
+          <a:p>
+            <a:r>
+              <a:rPr lang="en-GB" sz="4900" dirty="0">
+                <a:solidFill>
+                  <a:schemeClr val="bg1"/>
+                </a:solidFill>
+              </a:rPr>
+              <a:t>You have new mercies for me </a:t>
+            </a:r>
+            <a:r>
+              <a:rPr lang="en-GB" sz="4900" dirty="0" err="1">
+                <a:solidFill>
+                  <a:schemeClr val="bg1"/>
+                </a:solidFill>
+              </a:rPr>
+              <a:t>ev'ryday</a:t>
+            </a:r>
+            <a:endParaRPr lang="en-GB" sz="4900" dirty="0">
+              <a:solidFill>
+                <a:schemeClr val="bg1"/>
+              </a:solidFill>
+            </a:endParaRPr>
+          </a:p>
+          <a:p>
+            <a:r>
+              <a:rPr lang="en-GB" sz="4900" dirty="0">
+                <a:solidFill>
+                  <a:schemeClr val="bg1"/>
+                </a:solidFill>
+              </a:rPr>
+              <a:t>Your love never fails</a:t>
             </a:r>
           </a:p>
         </p:txBody>
@@ -7061,7 +7406,7 @@
                   <a:schemeClr val="bg1"/>
                 </a:solidFill>
               </a:rPr>
-              <a:t>4/4</a:t>
+              <a:t>1/4</a:t>
             </a:r>
           </a:p>
         </p:txBody>
@@ -7069,7 +7414,7 @@
     </p:spTree>
     <p:extLst>
       <p:ext uri="{BB962C8B-B14F-4D97-AF65-F5344CB8AC3E}">
-        <p14:creationId xmlns:p14="http://schemas.microsoft.com/office/powerpoint/2010/main" val="3353876136"/>
+        <p14:creationId xmlns:p14="http://schemas.microsoft.com/office/powerpoint/2010/main" val="1913697752"/>
       </p:ext>
     </p:extLst>
   </p:cSld>

--- a/docs/songs_5-12-2021.pptx
+++ b/docs/songs_5-12-2021.pptx
@@ -9,31 +9,39 @@
     <p:sldId id="332" r:id="rId3"/>
     <p:sldId id="472" r:id="rId4"/>
     <p:sldId id="473" r:id="rId5"/>
-    <p:sldId id="481" r:id="rId6"/>
-    <p:sldId id="483" r:id="rId7"/>
-    <p:sldId id="484" r:id="rId8"/>
-    <p:sldId id="408" r:id="rId9"/>
-    <p:sldId id="409" r:id="rId10"/>
-    <p:sldId id="410" r:id="rId11"/>
-    <p:sldId id="411" r:id="rId12"/>
-    <p:sldId id="480" r:id="rId13"/>
-    <p:sldId id="482" r:id="rId14"/>
-    <p:sldId id="461" r:id="rId15"/>
-    <p:sldId id="462" r:id="rId16"/>
-    <p:sldId id="463" r:id="rId17"/>
-    <p:sldId id="464" r:id="rId18"/>
-    <p:sldId id="515" r:id="rId19"/>
-    <p:sldId id="516" r:id="rId20"/>
-    <p:sldId id="517" r:id="rId21"/>
-    <p:sldId id="453" r:id="rId22"/>
-    <p:sldId id="447" r:id="rId23"/>
-    <p:sldId id="448" r:id="rId24"/>
-    <p:sldId id="485" r:id="rId25"/>
-    <p:sldId id="511" r:id="rId26"/>
-    <p:sldId id="512" r:id="rId27"/>
-    <p:sldId id="513" r:id="rId28"/>
-    <p:sldId id="514" r:id="rId29"/>
-    <p:sldId id="501" r:id="rId30"/>
+    <p:sldId id="465" r:id="rId6"/>
+    <p:sldId id="466" r:id="rId7"/>
+    <p:sldId id="467" r:id="rId8"/>
+    <p:sldId id="474" r:id="rId9"/>
+    <p:sldId id="481" r:id="rId10"/>
+    <p:sldId id="483" r:id="rId11"/>
+    <p:sldId id="484" r:id="rId12"/>
+    <p:sldId id="408" r:id="rId13"/>
+    <p:sldId id="409" r:id="rId14"/>
+    <p:sldId id="410" r:id="rId15"/>
+    <p:sldId id="411" r:id="rId16"/>
+    <p:sldId id="480" r:id="rId17"/>
+    <p:sldId id="482" r:id="rId18"/>
+    <p:sldId id="461" r:id="rId19"/>
+    <p:sldId id="462" r:id="rId20"/>
+    <p:sldId id="463" r:id="rId21"/>
+    <p:sldId id="464" r:id="rId22"/>
+    <p:sldId id="515" r:id="rId23"/>
+    <p:sldId id="516" r:id="rId24"/>
+    <p:sldId id="517" r:id="rId25"/>
+    <p:sldId id="453" r:id="rId26"/>
+    <p:sldId id="447" r:id="rId27"/>
+    <p:sldId id="448" r:id="rId28"/>
+    <p:sldId id="485" r:id="rId29"/>
+    <p:sldId id="511" r:id="rId30"/>
+    <p:sldId id="512" r:id="rId31"/>
+    <p:sldId id="513" r:id="rId32"/>
+    <p:sldId id="514" r:id="rId33"/>
+    <p:sldId id="501" r:id="rId34"/>
+    <p:sldId id="518" r:id="rId35"/>
+    <p:sldId id="519" r:id="rId36"/>
+    <p:sldId id="520" r:id="rId37"/>
+    <p:sldId id="521" r:id="rId38"/>
   </p:sldIdLst>
   <p:sldSz cx="9144000" cy="6858000" type="screen4x3"/>
   <p:notesSz cx="6858000" cy="9144000"/>
@@ -333,7 +341,7 @@
             <a:fld id="{26EA1CF3-4A15-4CBF-9A5A-6A56C368BE71}" type="datetimeFigureOut">
               <a:rPr lang="en-GB" smtClean="0"/>
               <a:pPr/>
-              <a:t>01/12/2021</a:t>
+              <a:t>04/12/2021</a:t>
             </a:fld>
             <a:endParaRPr lang="en-GB"/>
           </a:p>
@@ -500,7 +508,7 @@
             <a:fld id="{26EA1CF3-4A15-4CBF-9A5A-6A56C368BE71}" type="datetimeFigureOut">
               <a:rPr lang="en-GB" smtClean="0"/>
               <a:pPr/>
-              <a:t>01/12/2021</a:t>
+              <a:t>04/12/2021</a:t>
             </a:fld>
             <a:endParaRPr lang="en-GB"/>
           </a:p>
@@ -677,7 +685,7 @@
             <a:fld id="{26EA1CF3-4A15-4CBF-9A5A-6A56C368BE71}" type="datetimeFigureOut">
               <a:rPr lang="en-GB" smtClean="0"/>
               <a:pPr/>
-              <a:t>01/12/2021</a:t>
+              <a:t>04/12/2021</a:t>
             </a:fld>
             <a:endParaRPr lang="en-GB"/>
           </a:p>
@@ -844,7 +852,7 @@
             <a:fld id="{26EA1CF3-4A15-4CBF-9A5A-6A56C368BE71}" type="datetimeFigureOut">
               <a:rPr lang="en-GB" smtClean="0"/>
               <a:pPr/>
-              <a:t>01/12/2021</a:t>
+              <a:t>04/12/2021</a:t>
             </a:fld>
             <a:endParaRPr lang="en-GB"/>
           </a:p>
@@ -1087,7 +1095,7 @@
             <a:fld id="{26EA1CF3-4A15-4CBF-9A5A-6A56C368BE71}" type="datetimeFigureOut">
               <a:rPr lang="en-GB" smtClean="0"/>
               <a:pPr/>
-              <a:t>01/12/2021</a:t>
+              <a:t>04/12/2021</a:t>
             </a:fld>
             <a:endParaRPr lang="en-GB"/>
           </a:p>
@@ -1372,7 +1380,7 @@
             <a:fld id="{26EA1CF3-4A15-4CBF-9A5A-6A56C368BE71}" type="datetimeFigureOut">
               <a:rPr lang="en-GB" smtClean="0"/>
               <a:pPr/>
-              <a:t>01/12/2021</a:t>
+              <a:t>04/12/2021</a:t>
             </a:fld>
             <a:endParaRPr lang="en-GB"/>
           </a:p>
@@ -1791,7 +1799,7 @@
             <a:fld id="{26EA1CF3-4A15-4CBF-9A5A-6A56C368BE71}" type="datetimeFigureOut">
               <a:rPr lang="en-GB" smtClean="0"/>
               <a:pPr/>
-              <a:t>01/12/2021</a:t>
+              <a:t>04/12/2021</a:t>
             </a:fld>
             <a:endParaRPr lang="en-GB"/>
           </a:p>
@@ -1906,7 +1914,7 @@
             <a:fld id="{26EA1CF3-4A15-4CBF-9A5A-6A56C368BE71}" type="datetimeFigureOut">
               <a:rPr lang="en-GB" smtClean="0"/>
               <a:pPr/>
-              <a:t>01/12/2021</a:t>
+              <a:t>04/12/2021</a:t>
             </a:fld>
             <a:endParaRPr lang="en-GB"/>
           </a:p>
@@ -1998,7 +2006,7 @@
             <a:fld id="{26EA1CF3-4A15-4CBF-9A5A-6A56C368BE71}" type="datetimeFigureOut">
               <a:rPr lang="en-GB" smtClean="0"/>
               <a:pPr/>
-              <a:t>01/12/2021</a:t>
+              <a:t>04/12/2021</a:t>
             </a:fld>
             <a:endParaRPr lang="en-GB"/>
           </a:p>
@@ -2272,7 +2280,7 @@
             <a:fld id="{26EA1CF3-4A15-4CBF-9A5A-6A56C368BE71}" type="datetimeFigureOut">
               <a:rPr lang="en-GB" smtClean="0"/>
               <a:pPr/>
-              <a:t>01/12/2021</a:t>
+              <a:t>04/12/2021</a:t>
             </a:fld>
             <a:endParaRPr lang="en-GB"/>
           </a:p>
@@ -2522,7 +2530,7 @@
             <a:fld id="{26EA1CF3-4A15-4CBF-9A5A-6A56C368BE71}" type="datetimeFigureOut">
               <a:rPr lang="en-GB" smtClean="0"/>
               <a:pPr/>
-              <a:t>01/12/2021</a:t>
+              <a:t>04/12/2021</a:t>
             </a:fld>
             <a:endParaRPr lang="en-GB"/>
           </a:p>
@@ -2735,7 +2743,7 @@
             <a:fld id="{26EA1CF3-4A15-4CBF-9A5A-6A56C368BE71}" type="datetimeFigureOut">
               <a:rPr lang="en-GB" smtClean="0"/>
               <a:pPr/>
-              <a:t>01/12/2021</a:t>
+              <a:t>04/12/2021</a:t>
             </a:fld>
             <a:endParaRPr lang="en-GB"/>
           </a:p>
@@ -3216,8 +3224,8 @@
         </p:nvSpPr>
         <p:spPr>
           <a:xfrm>
-            <a:off x="323528" y="188640"/>
-            <a:ext cx="8640960" cy="6480720"/>
+            <a:off x="179512" y="116632"/>
+            <a:ext cx="8784976" cy="6552728"/>
           </a:xfrm>
         </p:spPr>
         <p:txBody>
@@ -3232,7 +3240,7 @@
                   <a:schemeClr val="bg1"/>
                 </a:solidFill>
               </a:rPr>
-              <a:t>You stay the same through the ages</a:t>
+              <a:t>Every praise is to our God</a:t>
             </a:r>
           </a:p>
           <a:p>
@@ -3242,7 +3250,7 @@
                   <a:schemeClr val="bg1"/>
                 </a:solidFill>
               </a:rPr>
-              <a:t>Your love never changes</a:t>
+              <a:t>Every word of worship with one accord</a:t>
             </a:r>
           </a:p>
           <a:p>
@@ -3252,7 +3260,7 @@
                   <a:schemeClr val="bg1"/>
                 </a:solidFill>
               </a:rPr>
-              <a:t>There may be pain in the night</a:t>
+              <a:t>Every praise every praise is to our God</a:t>
             </a:r>
           </a:p>
           <a:p>
@@ -3262,7 +3270,7 @@
                   <a:schemeClr val="bg1"/>
                 </a:solidFill>
               </a:rPr>
-              <a:t>But joy comes in the morning</a:t>
+              <a:t>Sing hallelujah to our God</a:t>
             </a:r>
           </a:p>
           <a:p>
@@ -3272,7 +3280,7 @@
                   <a:schemeClr val="bg1"/>
                 </a:solidFill>
               </a:rPr>
-              <a:t>And when the oceans rage</a:t>
+              <a:t>Glory hallelujah is due our God</a:t>
             </a:r>
           </a:p>
           <a:p>
@@ -3282,27 +3290,7 @@
                   <a:schemeClr val="bg1"/>
                 </a:solidFill>
               </a:rPr>
-              <a:t>I don't have to be afraid</a:t>
-            </a:r>
-          </a:p>
-          <a:p>
-            <a:r>
-              <a:rPr lang="en-GB" sz="4400" dirty="0">
-                <a:solidFill>
-                  <a:schemeClr val="bg1"/>
-                </a:solidFill>
-              </a:rPr>
-              <a:t>Because I know that You love me</a:t>
-            </a:r>
-          </a:p>
-          <a:p>
-            <a:r>
-              <a:rPr lang="en-GB" sz="4400" dirty="0">
-                <a:solidFill>
-                  <a:schemeClr val="bg1"/>
-                </a:solidFill>
-              </a:rPr>
-              <a:t>(Your love never fails)</a:t>
+              <a:t>Every praise every praise is to our God</a:t>
             </a:r>
           </a:p>
         </p:txBody>
@@ -3335,7 +3323,7 @@
                   <a:schemeClr val="bg1"/>
                 </a:solidFill>
               </a:rPr>
-              <a:t>2/4</a:t>
+              <a:t>1/2</a:t>
             </a:r>
           </a:p>
         </p:txBody>
@@ -3343,7 +3331,7 @@
     </p:spTree>
     <p:extLst>
       <p:ext uri="{BB962C8B-B14F-4D97-AF65-F5344CB8AC3E}">
-        <p14:creationId xmlns:p14="http://schemas.microsoft.com/office/powerpoint/2010/main" val="384510526"/>
+        <p14:creationId xmlns:p14="http://schemas.microsoft.com/office/powerpoint/2010/main" val="1920454028"/>
       </p:ext>
     </p:extLst>
   </p:cSld>
@@ -3382,8 +3370,8 @@
         </p:nvSpPr>
         <p:spPr>
           <a:xfrm>
-            <a:off x="323528" y="116632"/>
-            <a:ext cx="8640960" cy="6552728"/>
+            <a:off x="179512" y="116632"/>
+            <a:ext cx="8784976" cy="6552728"/>
           </a:xfrm>
         </p:spPr>
         <p:txBody>
@@ -3398,7 +3386,7 @@
                   <a:schemeClr val="bg1"/>
                 </a:solidFill>
               </a:rPr>
-              <a:t>The wind is strong and the water's deep</a:t>
+              <a:t>God my Saviour</a:t>
             </a:r>
           </a:p>
           <a:p>
@@ -3408,7 +3396,7 @@
                   <a:schemeClr val="bg1"/>
                 </a:solidFill>
               </a:rPr>
-              <a:t>But I'm not alone here in these open seas</a:t>
+              <a:t>God my Healer</a:t>
             </a:r>
           </a:p>
           <a:p>
@@ -3418,7 +3406,7 @@
                   <a:schemeClr val="bg1"/>
                 </a:solidFill>
               </a:rPr>
-              <a:t>Your love never fails</a:t>
+              <a:t>God my Deliverer</a:t>
             </a:r>
           </a:p>
           <a:p>
@@ -3428,7 +3416,7 @@
                   <a:schemeClr val="bg1"/>
                 </a:solidFill>
               </a:rPr>
-              <a:t>The chasm is far too wide</a:t>
+              <a:t>Yes He is yes He is</a:t>
             </a:r>
           </a:p>
           <a:p>
@@ -3438,17 +3426,7 @@
                   <a:schemeClr val="bg1"/>
                 </a:solidFill>
               </a:rPr>
-              <a:t>I never thought I'd reach the other side</a:t>
-            </a:r>
-          </a:p>
-          <a:p>
-            <a:r>
-              <a:rPr lang="en-GB" sz="4400" dirty="0">
-                <a:solidFill>
-                  <a:schemeClr val="bg1"/>
-                </a:solidFill>
-              </a:rPr>
-              <a:t>Your love never fails</a:t>
+              <a:t>(Yes He is yes He is)</a:t>
             </a:r>
           </a:p>
         </p:txBody>
@@ -3481,7 +3459,7 @@
                   <a:schemeClr val="bg1"/>
                 </a:solidFill>
               </a:rPr>
-              <a:t>3/4</a:t>
+              <a:t>2/2</a:t>
             </a:r>
           </a:p>
         </p:txBody>
@@ -3489,7 +3467,7 @@
     </p:spTree>
     <p:extLst>
       <p:ext uri="{BB962C8B-B14F-4D97-AF65-F5344CB8AC3E}">
-        <p14:creationId xmlns:p14="http://schemas.microsoft.com/office/powerpoint/2010/main" val="2153540039"/>
+        <p14:creationId xmlns:p14="http://schemas.microsoft.com/office/powerpoint/2010/main" val="2945985813"/>
       </p:ext>
     </p:extLst>
   </p:cSld>
@@ -3528,8 +3506,8 @@
         </p:nvSpPr>
         <p:spPr>
           <a:xfrm>
-            <a:off x="323528" y="116632"/>
-            <a:ext cx="8640960" cy="6552728"/>
+            <a:off x="323528" y="188640"/>
+            <a:ext cx="8640960" cy="6480720"/>
           </a:xfrm>
         </p:spPr>
         <p:txBody>
@@ -3538,76 +3516,80 @@
           </a:bodyPr>
           <a:lstStyle/>
           <a:p>
-            <a:r>
-              <a:rPr lang="en-GB" sz="4400" dirty="0">
-                <a:solidFill>
-                  <a:schemeClr val="bg1"/>
-                </a:solidFill>
-              </a:rPr>
-              <a:t>You make all things</a:t>
-            </a:r>
-          </a:p>
-          <a:p>
-            <a:r>
-              <a:rPr lang="en-GB" sz="4400" dirty="0">
-                <a:solidFill>
-                  <a:schemeClr val="bg1"/>
-                </a:solidFill>
-              </a:rPr>
-              <a:t>Work together for my good</a:t>
-            </a:r>
-          </a:p>
-          <a:p>
-            <a:r>
-              <a:rPr lang="en-GB" sz="4400" dirty="0">
-                <a:solidFill>
-                  <a:schemeClr val="bg1"/>
-                </a:solidFill>
-              </a:rPr>
-              <a:t>You make all things</a:t>
-            </a:r>
-          </a:p>
-          <a:p>
-            <a:r>
-              <a:rPr lang="en-GB" sz="4400" dirty="0">
-                <a:solidFill>
-                  <a:schemeClr val="bg1"/>
-                </a:solidFill>
-              </a:rPr>
-              <a:t>Work together for my good</a:t>
-            </a:r>
-          </a:p>
-        </p:txBody>
-      </p:sp>
-      <p:sp>
-        <p:nvSpPr>
-          <p:cNvPr id="4" name="TextBox 3"/>
-          <p:cNvSpPr txBox="1"/>
-          <p:nvPr/>
-        </p:nvSpPr>
-        <p:spPr>
-          <a:xfrm>
-            <a:off x="8529729" y="0"/>
-            <a:ext cx="628698" cy="461665"/>
-          </a:xfrm>
-          <a:prstGeom prst="rect">
-            <a:avLst/>
-          </a:prstGeom>
-          <a:noFill/>
-        </p:spPr>
-        <p:txBody>
-          <a:bodyPr wrap="none" rtlCol="0">
-            <a:spAutoFit/>
-          </a:bodyPr>
-          <a:lstStyle/>
-          <a:p>
-            <a:r>
-              <a:rPr lang="en-GB" sz="2400" b="1" dirty="0">
-                <a:solidFill>
-                  <a:schemeClr val="bg1"/>
-                </a:solidFill>
-              </a:rPr>
-              <a:t>4/4</a:t>
+            <a:endParaRPr lang="en-GB" sz="9600" dirty="0"/>
+          </a:p>
+          <a:p>
+            <a:r>
+              <a:rPr lang="en-GB" sz="9600" dirty="0">
+                <a:solidFill>
+                  <a:schemeClr val="bg1"/>
+                </a:solidFill>
+              </a:rPr>
+              <a:t>Your Love Never Fails</a:t>
+            </a:r>
+          </a:p>
+          <a:p>
+            <a:r>
+              <a:rPr lang="en-GB" sz="1200" dirty="0"/>
+              <a:t>CCLI Song # 5337172</a:t>
+            </a:r>
+          </a:p>
+          <a:p>
+            <a:endParaRPr lang="en-GB" sz="1200" dirty="0"/>
+          </a:p>
+          <a:p>
+            <a:r>
+              <a:rPr lang="en-GB" sz="1200" dirty="0"/>
+              <a:t>Anthony Skinner | Chris </a:t>
+            </a:r>
+            <a:r>
+              <a:rPr lang="en-GB" sz="1200" dirty="0" err="1"/>
+              <a:t>McClarney</a:t>
+            </a:r>
+            <a:endParaRPr lang="en-GB" sz="1200" dirty="0"/>
+          </a:p>
+          <a:p>
+            <a:endParaRPr lang="en-GB" sz="1200" dirty="0"/>
+          </a:p>
+          <a:p>
+            <a:r>
+              <a:rPr lang="en-GB" sz="1200" dirty="0"/>
+              <a:t>© 2008 Integrity's Alleluia! Music (Admin. by Integrity Music Ltd)</a:t>
+            </a:r>
+          </a:p>
+          <a:p>
+            <a:r>
+              <a:rPr lang="en-GB" sz="1200" dirty="0"/>
+              <a:t>Out Of The Cave Music (Admin. by Integrity Music Ltd)</a:t>
+            </a:r>
+          </a:p>
+          <a:p>
+            <a:r>
+              <a:rPr lang="en-GB" sz="1200" dirty="0"/>
+              <a:t>Thankyou Music (Admin. by Integrity Music Ltd)</a:t>
+            </a:r>
+          </a:p>
+          <a:p>
+            <a:r>
+              <a:rPr lang="en-GB" sz="1200" dirty="0"/>
+              <a:t>For use solely with the </a:t>
+            </a:r>
+            <a:r>
+              <a:rPr lang="en-GB" sz="1200" dirty="0" err="1"/>
+              <a:t>SongSelect</a:t>
+            </a:r>
+            <a:r>
+              <a:rPr lang="en-GB" sz="1200" dirty="0"/>
+              <a:t>® Terms of Use. All rights reserved. www.ccli.com</a:t>
+            </a:r>
+          </a:p>
+          <a:p>
+            <a:endParaRPr lang="en-GB" sz="1200" dirty="0"/>
+          </a:p>
+          <a:p>
+            <a:r>
+              <a:rPr lang="en-GB" sz="1200" dirty="0"/>
+              <a:t>CCLI Licence No. 33265</a:t>
             </a:r>
           </a:p>
         </p:txBody>
@@ -3615,7 +3597,7 @@
     </p:spTree>
     <p:extLst>
       <p:ext uri="{BB962C8B-B14F-4D97-AF65-F5344CB8AC3E}">
-        <p14:creationId xmlns:p14="http://schemas.microsoft.com/office/powerpoint/2010/main" val="3165966296"/>
+        <p14:creationId xmlns:p14="http://schemas.microsoft.com/office/powerpoint/2010/main" val="2533024977"/>
       </p:ext>
     </p:extLst>
   </p:cSld>
@@ -3664,7 +3646,63 @@
           </a:bodyPr>
           <a:lstStyle/>
           <a:p>
-            <a:endParaRPr lang="en-GB" sz="5400" dirty="0">
+            <a:r>
+              <a:rPr lang="en-GB" sz="4900" dirty="0">
+                <a:solidFill>
+                  <a:schemeClr val="bg1"/>
+                </a:solidFill>
+              </a:rPr>
+              <a:t>Nothing can separate</a:t>
+            </a:r>
+          </a:p>
+          <a:p>
+            <a:r>
+              <a:rPr lang="en-GB" sz="4900" dirty="0">
+                <a:solidFill>
+                  <a:schemeClr val="bg1"/>
+                </a:solidFill>
+              </a:rPr>
+              <a:t>Even if I ran away</a:t>
+            </a:r>
+          </a:p>
+          <a:p>
+            <a:r>
+              <a:rPr lang="en-GB" sz="4900" dirty="0">
+                <a:solidFill>
+                  <a:schemeClr val="bg1"/>
+                </a:solidFill>
+              </a:rPr>
+              <a:t>Your love never fails</a:t>
+            </a:r>
+          </a:p>
+          <a:p>
+            <a:r>
+              <a:rPr lang="en-GB" sz="4900" dirty="0">
+                <a:solidFill>
+                  <a:schemeClr val="bg1"/>
+                </a:solidFill>
+              </a:rPr>
+              <a:t>I know I still make mistakes but</a:t>
+            </a:r>
+          </a:p>
+          <a:p>
+            <a:r>
+              <a:rPr lang="en-GB" sz="4900" dirty="0">
+                <a:solidFill>
+                  <a:schemeClr val="bg1"/>
+                </a:solidFill>
+              </a:rPr>
+              <a:t>You have new mercies for me </a:t>
+            </a:r>
+            <a:r>
+              <a:rPr lang="en-GB" sz="4900" dirty="0" err="1">
+                <a:solidFill>
+                  <a:schemeClr val="bg1"/>
+                </a:solidFill>
+              </a:rPr>
+              <a:t>ev'ryday</a:t>
+            </a:r>
+            <a:endParaRPr lang="en-GB" sz="4900" dirty="0">
               <a:solidFill>
                 <a:schemeClr val="bg1"/>
               </a:solidFill>
@@ -3672,107 +3710,45 @@
           </a:p>
           <a:p>
             <a:r>
-              <a:rPr lang="en-GB" sz="6600" dirty="0">
-                <a:solidFill>
-                  <a:srgbClr val="00A3E0"/>
-                </a:solidFill>
-                <a:latin typeface="akagi_probook"/>
-              </a:rPr>
-              <a:t>Blessed Be Your Name</a:t>
-            </a:r>
-            <a:endParaRPr lang="en-GB" sz="6600" b="0" i="0" dirty="0">
-              <a:solidFill>
-                <a:srgbClr val="00A3E0"/>
-              </a:solidFill>
-              <a:effectLst/>
-              <a:latin typeface="akagi_probook"/>
-            </a:endParaRPr>
-          </a:p>
-          <a:p>
-            <a:r>
-              <a:rPr lang="en-GB" sz="1200" dirty="0">
-                <a:solidFill>
-                  <a:schemeClr val="bg1"/>
-                </a:solidFill>
-              </a:rPr>
-              <a:t>CCLI Song # 3798438</a:t>
-            </a:r>
-          </a:p>
-          <a:p>
-            <a:endParaRPr lang="en-GB" sz="1200" dirty="0">
-              <a:solidFill>
-                <a:schemeClr val="bg1"/>
-              </a:solidFill>
-            </a:endParaRPr>
-          </a:p>
-          <a:p>
-            <a:r>
-              <a:rPr lang="en-GB" sz="1200" dirty="0">
-                <a:solidFill>
-                  <a:schemeClr val="bg1"/>
-                </a:solidFill>
-              </a:rPr>
-              <a:t>Beth Redman | Matt Redman</a:t>
-            </a:r>
-          </a:p>
-          <a:p>
-            <a:endParaRPr lang="en-GB" sz="1200" dirty="0">
-              <a:solidFill>
-                <a:schemeClr val="bg1"/>
-              </a:solidFill>
-            </a:endParaRPr>
-          </a:p>
-          <a:p>
-            <a:r>
-              <a:rPr lang="en-GB" sz="1200" dirty="0">
-                <a:solidFill>
-                  <a:schemeClr val="bg1"/>
-                </a:solidFill>
-              </a:rPr>
-              <a:t>© 2002 Thankyou Music (Admin. by Integrity Music Ltd)</a:t>
-            </a:r>
-          </a:p>
-          <a:p>
-            <a:r>
-              <a:rPr lang="en-GB" sz="1200" dirty="0">
-                <a:solidFill>
-                  <a:schemeClr val="bg1"/>
-                </a:solidFill>
-              </a:rPr>
-              <a:t>For use solely with the </a:t>
-            </a:r>
-            <a:r>
-              <a:rPr lang="en-GB" sz="1200" dirty="0" err="1">
-                <a:solidFill>
-                  <a:schemeClr val="bg1"/>
-                </a:solidFill>
-              </a:rPr>
-              <a:t>SongSelect</a:t>
-            </a:r>
-            <a:r>
-              <a:rPr lang="en-GB" sz="1200" dirty="0">
-                <a:solidFill>
-                  <a:schemeClr val="bg1"/>
-                </a:solidFill>
-              </a:rPr>
-              <a:t>® Terms of Use. All rights reserved. www.ccli.com</a:t>
-            </a:r>
-          </a:p>
-          <a:p>
-            <a:endParaRPr lang="en-GB" sz="1200" dirty="0">
-              <a:solidFill>
-                <a:schemeClr val="bg1"/>
-              </a:solidFill>
-            </a:endParaRPr>
-          </a:p>
-          <a:p>
-            <a:r>
-              <a:rPr lang="en-GB" sz="1200" dirty="0">
-                <a:solidFill>
-                  <a:schemeClr val="bg1"/>
-                </a:solidFill>
-              </a:rPr>
-              <a:t>CCLI Licence No. 33265</a:t>
+              <a:rPr lang="en-GB" sz="4900" dirty="0">
+                <a:solidFill>
+                  <a:schemeClr val="bg1"/>
+                </a:solidFill>
+              </a:rPr>
+              <a:t>Your love never fails</a:t>
+            </a:r>
+          </a:p>
+        </p:txBody>
+      </p:sp>
+      <p:sp>
+        <p:nvSpPr>
+          <p:cNvPr id="4" name="TextBox 3"/>
+          <p:cNvSpPr txBox="1"/>
+          <p:nvPr/>
+        </p:nvSpPr>
+        <p:spPr>
+          <a:xfrm>
+            <a:off x="8529729" y="0"/>
+            <a:ext cx="628698" cy="461665"/>
+          </a:xfrm>
+          <a:prstGeom prst="rect">
+            <a:avLst/>
+          </a:prstGeom>
+          <a:noFill/>
+        </p:spPr>
+        <p:txBody>
+          <a:bodyPr wrap="none" rtlCol="0">
+            <a:spAutoFit/>
+          </a:bodyPr>
+          <a:lstStyle/>
+          <a:p>
+            <a:r>
+              <a:rPr lang="en-GB" sz="2400" b="1" dirty="0">
+                <a:solidFill>
+                  <a:schemeClr val="bg1"/>
+                </a:solidFill>
+              </a:rPr>
+              <a:t>1/4</a:t>
             </a:r>
           </a:p>
         </p:txBody>
@@ -3780,7 +3756,7 @@
     </p:spTree>
     <p:extLst>
       <p:ext uri="{BB962C8B-B14F-4D97-AF65-F5344CB8AC3E}">
-        <p14:creationId xmlns:p14="http://schemas.microsoft.com/office/powerpoint/2010/main" val="1361630718"/>
+        <p14:creationId xmlns:p14="http://schemas.microsoft.com/office/powerpoint/2010/main" val="1913697752"/>
       </p:ext>
     </p:extLst>
   </p:cSld>
@@ -3830,42 +3806,82 @@
           <a:lstStyle/>
           <a:p>
             <a:r>
-              <a:rPr lang="en-GB" sz="6000" dirty="0">
-                <a:solidFill>
-                  <a:schemeClr val="bg1"/>
-                </a:solidFill>
-              </a:rPr>
-              <a:t>Blessed be Your name</a:t>
-            </a:r>
-          </a:p>
-          <a:p>
-            <a:r>
-              <a:rPr lang="en-GB" sz="6000" dirty="0">
-                <a:solidFill>
-                  <a:schemeClr val="bg1"/>
-                </a:solidFill>
-              </a:rPr>
-              <a:t>In the land that is plentiful</a:t>
-            </a:r>
-          </a:p>
-          <a:p>
-            <a:r>
-              <a:rPr lang="en-GB" sz="6000" dirty="0">
-                <a:solidFill>
-                  <a:schemeClr val="bg1"/>
-                </a:solidFill>
-              </a:rPr>
-              <a:t>Where Your streams of abundance flow</a:t>
-            </a:r>
-          </a:p>
-          <a:p>
-            <a:r>
-              <a:rPr lang="en-GB" sz="6000" dirty="0">
-                <a:solidFill>
-                  <a:schemeClr val="bg1"/>
-                </a:solidFill>
-              </a:rPr>
-              <a:t>Blessed be Your name</a:t>
+              <a:rPr lang="en-GB" sz="4400" dirty="0">
+                <a:solidFill>
+                  <a:schemeClr val="bg1"/>
+                </a:solidFill>
+              </a:rPr>
+              <a:t>You stay the same through the ages</a:t>
+            </a:r>
+          </a:p>
+          <a:p>
+            <a:r>
+              <a:rPr lang="en-GB" sz="4400" dirty="0">
+                <a:solidFill>
+                  <a:schemeClr val="bg1"/>
+                </a:solidFill>
+              </a:rPr>
+              <a:t>Your love never changes</a:t>
+            </a:r>
+          </a:p>
+          <a:p>
+            <a:r>
+              <a:rPr lang="en-GB" sz="4400" dirty="0">
+                <a:solidFill>
+                  <a:schemeClr val="bg1"/>
+                </a:solidFill>
+              </a:rPr>
+              <a:t>There may be pain in the night</a:t>
+            </a:r>
+          </a:p>
+          <a:p>
+            <a:r>
+              <a:rPr lang="en-GB" sz="4400" dirty="0">
+                <a:solidFill>
+                  <a:schemeClr val="bg1"/>
+                </a:solidFill>
+              </a:rPr>
+              <a:t>But joy comes in the morning</a:t>
+            </a:r>
+          </a:p>
+          <a:p>
+            <a:r>
+              <a:rPr lang="en-GB" sz="4400" dirty="0">
+                <a:solidFill>
+                  <a:schemeClr val="bg1"/>
+                </a:solidFill>
+              </a:rPr>
+              <a:t>And when the oceans rage</a:t>
+            </a:r>
+          </a:p>
+          <a:p>
+            <a:r>
+              <a:rPr lang="en-GB" sz="4400" dirty="0">
+                <a:solidFill>
+                  <a:schemeClr val="bg1"/>
+                </a:solidFill>
+              </a:rPr>
+              <a:t>I don't have to be afraid</a:t>
+            </a:r>
+          </a:p>
+          <a:p>
+            <a:r>
+              <a:rPr lang="en-GB" sz="4400" dirty="0">
+                <a:solidFill>
+                  <a:schemeClr val="bg1"/>
+                </a:solidFill>
+              </a:rPr>
+              <a:t>Because I know that You love me</a:t>
+            </a:r>
+          </a:p>
+          <a:p>
+            <a:r>
+              <a:rPr lang="en-GB" sz="4400" dirty="0">
+                <a:solidFill>
+                  <a:schemeClr val="bg1"/>
+                </a:solidFill>
+              </a:rPr>
+              <a:t>(Your love never fails)</a:t>
             </a:r>
           </a:p>
         </p:txBody>
@@ -3898,7 +3914,7 @@
                   <a:schemeClr val="bg1"/>
                 </a:solidFill>
               </a:rPr>
-              <a:t>1/7</a:t>
+              <a:t>2/4</a:t>
             </a:r>
           </a:p>
         </p:txBody>
@@ -3906,7 +3922,7 @@
     </p:spTree>
     <p:extLst>
       <p:ext uri="{BB962C8B-B14F-4D97-AF65-F5344CB8AC3E}">
-        <p14:creationId xmlns:p14="http://schemas.microsoft.com/office/powerpoint/2010/main" val="4190608817"/>
+        <p14:creationId xmlns:p14="http://schemas.microsoft.com/office/powerpoint/2010/main" val="384510526"/>
       </p:ext>
     </p:extLst>
   </p:cSld>
@@ -3945,8 +3961,8 @@
         </p:nvSpPr>
         <p:spPr>
           <a:xfrm>
-            <a:off x="323528" y="188640"/>
-            <a:ext cx="8640960" cy="6480720"/>
+            <a:off x="323528" y="116632"/>
+            <a:ext cx="8640960" cy="6552728"/>
           </a:xfrm>
         </p:spPr>
         <p:txBody>
@@ -3956,42 +3972,62 @@
           <a:lstStyle/>
           <a:p>
             <a:r>
-              <a:rPr lang="en-GB" sz="6000" dirty="0">
-                <a:solidFill>
-                  <a:schemeClr val="bg1"/>
-                </a:solidFill>
-              </a:rPr>
-              <a:t>Blessed be Your name</a:t>
-            </a:r>
-          </a:p>
-          <a:p>
-            <a:r>
-              <a:rPr lang="en-GB" sz="6000" dirty="0">
-                <a:solidFill>
-                  <a:schemeClr val="bg1"/>
-                </a:solidFill>
-              </a:rPr>
-              <a:t>When I'm found in the desert place</a:t>
-            </a:r>
-          </a:p>
-          <a:p>
-            <a:r>
-              <a:rPr lang="en-GB" sz="6000" dirty="0">
-                <a:solidFill>
-                  <a:schemeClr val="bg1"/>
-                </a:solidFill>
-              </a:rPr>
-              <a:t>Though I walk through the wilderness</a:t>
-            </a:r>
-          </a:p>
-          <a:p>
-            <a:r>
-              <a:rPr lang="en-GB" sz="6000" dirty="0">
-                <a:solidFill>
-                  <a:schemeClr val="bg1"/>
-                </a:solidFill>
-              </a:rPr>
-              <a:t>Blessed be Your name</a:t>
+              <a:rPr lang="en-GB" sz="4400" dirty="0">
+                <a:solidFill>
+                  <a:schemeClr val="bg1"/>
+                </a:solidFill>
+              </a:rPr>
+              <a:t>The wind is strong and the water's deep</a:t>
+            </a:r>
+          </a:p>
+          <a:p>
+            <a:r>
+              <a:rPr lang="en-GB" sz="4400" dirty="0">
+                <a:solidFill>
+                  <a:schemeClr val="bg1"/>
+                </a:solidFill>
+              </a:rPr>
+              <a:t>But I'm not alone here in these open seas</a:t>
+            </a:r>
+          </a:p>
+          <a:p>
+            <a:r>
+              <a:rPr lang="en-GB" sz="4400" dirty="0">
+                <a:solidFill>
+                  <a:schemeClr val="bg1"/>
+                </a:solidFill>
+              </a:rPr>
+              <a:t>Your love never fails</a:t>
+            </a:r>
+          </a:p>
+          <a:p>
+            <a:r>
+              <a:rPr lang="en-GB" sz="4400" dirty="0">
+                <a:solidFill>
+                  <a:schemeClr val="bg1"/>
+                </a:solidFill>
+              </a:rPr>
+              <a:t>The chasm is far too wide</a:t>
+            </a:r>
+          </a:p>
+          <a:p>
+            <a:r>
+              <a:rPr lang="en-GB" sz="4400" dirty="0">
+                <a:solidFill>
+                  <a:schemeClr val="bg1"/>
+                </a:solidFill>
+              </a:rPr>
+              <a:t>I never thought I'd reach the other side</a:t>
+            </a:r>
+          </a:p>
+          <a:p>
+            <a:r>
+              <a:rPr lang="en-GB" sz="4400" dirty="0">
+                <a:solidFill>
+                  <a:schemeClr val="bg1"/>
+                </a:solidFill>
+              </a:rPr>
+              <a:t>Your love never fails</a:t>
             </a:r>
           </a:p>
         </p:txBody>
@@ -4024,7 +4060,7 @@
                   <a:schemeClr val="bg1"/>
                 </a:solidFill>
               </a:rPr>
-              <a:t>2/7</a:t>
+              <a:t>3/4</a:t>
             </a:r>
           </a:p>
         </p:txBody>
@@ -4032,7 +4068,7 @@
     </p:spTree>
     <p:extLst>
       <p:ext uri="{BB962C8B-B14F-4D97-AF65-F5344CB8AC3E}">
-        <p14:creationId xmlns:p14="http://schemas.microsoft.com/office/powerpoint/2010/main" val="3099292676"/>
+        <p14:creationId xmlns:p14="http://schemas.microsoft.com/office/powerpoint/2010/main" val="2153540039"/>
       </p:ext>
     </p:extLst>
   </p:cSld>
@@ -4071,8 +4107,8 @@
         </p:nvSpPr>
         <p:spPr>
           <a:xfrm>
-            <a:off x="323528" y="188640"/>
-            <a:ext cx="8640960" cy="6480720"/>
+            <a:off x="323528" y="116632"/>
+            <a:ext cx="8640960" cy="6552728"/>
           </a:xfrm>
         </p:spPr>
         <p:txBody>
@@ -4082,50 +4118,42 @@
           <a:lstStyle/>
           <a:p>
             <a:r>
-              <a:rPr lang="en-GB" sz="6000" dirty="0" err="1">
-                <a:solidFill>
-                  <a:schemeClr val="bg1"/>
-                </a:solidFill>
-              </a:rPr>
-              <a:t>Ev’ry</a:t>
-            </a:r>
-            <a:r>
-              <a:rPr lang="en-GB" sz="6000" dirty="0">
-                <a:solidFill>
-                  <a:schemeClr val="bg1"/>
-                </a:solidFill>
-              </a:rPr>
-              <a:t> blessing You pour out I’ll</a:t>
-            </a:r>
-          </a:p>
-          <a:p>
-            <a:r>
-              <a:rPr lang="en-GB" sz="6000" dirty="0">
-                <a:solidFill>
-                  <a:schemeClr val="bg1"/>
-                </a:solidFill>
-              </a:rPr>
-              <a:t>Turn back to praise</a:t>
-            </a:r>
-          </a:p>
-          <a:p>
-            <a:r>
-              <a:rPr lang="en-GB" sz="6000" dirty="0">
-                <a:solidFill>
-                  <a:schemeClr val="bg1"/>
-                </a:solidFill>
-              </a:rPr>
-              <a:t>When the darkness closes in Lord</a:t>
-            </a:r>
-          </a:p>
-          <a:p>
-            <a:r>
-              <a:rPr lang="en-GB" sz="6000" dirty="0">
-                <a:solidFill>
-                  <a:schemeClr val="bg1"/>
-                </a:solidFill>
-              </a:rPr>
-              <a:t>Still I will say</a:t>
+              <a:rPr lang="en-GB" sz="4400" dirty="0">
+                <a:solidFill>
+                  <a:schemeClr val="bg1"/>
+                </a:solidFill>
+              </a:rPr>
+              <a:t>You make all things</a:t>
+            </a:r>
+          </a:p>
+          <a:p>
+            <a:r>
+              <a:rPr lang="en-GB" sz="4400" dirty="0">
+                <a:solidFill>
+                  <a:schemeClr val="bg1"/>
+                </a:solidFill>
+              </a:rPr>
+              <a:t>Work together for my good</a:t>
+            </a:r>
+          </a:p>
+          <a:p>
+            <a:r>
+              <a:rPr lang="en-GB" sz="4400" dirty="0">
+                <a:solidFill>
+                  <a:schemeClr val="bg1"/>
+                </a:solidFill>
+              </a:rPr>
+              <a:t>You make all things</a:t>
+            </a:r>
+          </a:p>
+          <a:p>
+            <a:r>
+              <a:rPr lang="en-GB" sz="4400" dirty="0">
+                <a:solidFill>
+                  <a:schemeClr val="bg1"/>
+                </a:solidFill>
+              </a:rPr>
+              <a:t>Work together for my good</a:t>
             </a:r>
           </a:p>
         </p:txBody>
@@ -4158,7 +4186,7 @@
                   <a:schemeClr val="bg1"/>
                 </a:solidFill>
               </a:rPr>
-              <a:t>3/7</a:t>
+              <a:t>4/4</a:t>
             </a:r>
           </a:p>
         </p:txBody>
@@ -4166,7 +4194,7 @@
     </p:spTree>
     <p:extLst>
       <p:ext uri="{BB962C8B-B14F-4D97-AF65-F5344CB8AC3E}">
-        <p14:creationId xmlns:p14="http://schemas.microsoft.com/office/powerpoint/2010/main" val="1622999890"/>
+        <p14:creationId xmlns:p14="http://schemas.microsoft.com/office/powerpoint/2010/main" val="3165966296"/>
       </p:ext>
     </p:extLst>
   </p:cSld>
@@ -4215,76 +4243,115 @@
           </a:bodyPr>
           <a:lstStyle/>
           <a:p>
-            <a:r>
-              <a:rPr lang="en-GB" sz="5600" dirty="0">
-                <a:solidFill>
-                  <a:schemeClr val="bg1"/>
-                </a:solidFill>
-              </a:rPr>
-              <a:t>Blessed be the name of the Lord</a:t>
-            </a:r>
-          </a:p>
-          <a:p>
-            <a:r>
-              <a:rPr lang="en-GB" sz="5600" dirty="0">
-                <a:solidFill>
-                  <a:schemeClr val="bg1"/>
-                </a:solidFill>
-              </a:rPr>
-              <a:t>Blessed be Your name</a:t>
-            </a:r>
-          </a:p>
-          <a:p>
-            <a:r>
-              <a:rPr lang="en-GB" sz="5600" dirty="0">
-                <a:solidFill>
-                  <a:schemeClr val="bg1"/>
-                </a:solidFill>
-              </a:rPr>
-              <a:t>Blessed be the name of the Lord</a:t>
-            </a:r>
-          </a:p>
-          <a:p>
-            <a:r>
-              <a:rPr lang="en-GB" sz="5600" dirty="0">
-                <a:solidFill>
-                  <a:schemeClr val="bg1"/>
-                </a:solidFill>
-              </a:rPr>
-              <a:t>Blessed be Your glorious name</a:t>
-            </a:r>
-          </a:p>
-        </p:txBody>
-      </p:sp>
-      <p:sp>
-        <p:nvSpPr>
-          <p:cNvPr id="4" name="TextBox 3"/>
-          <p:cNvSpPr txBox="1"/>
-          <p:nvPr/>
-        </p:nvSpPr>
-        <p:spPr>
-          <a:xfrm>
-            <a:off x="8529729" y="0"/>
-            <a:ext cx="628698" cy="461665"/>
-          </a:xfrm>
-          <a:prstGeom prst="rect">
-            <a:avLst/>
-          </a:prstGeom>
-          <a:noFill/>
-        </p:spPr>
-        <p:txBody>
-          <a:bodyPr wrap="none" rtlCol="0">
-            <a:spAutoFit/>
-          </a:bodyPr>
-          <a:lstStyle/>
-          <a:p>
-            <a:r>
-              <a:rPr lang="en-GB" sz="2400" b="1" dirty="0">
-                <a:solidFill>
-                  <a:schemeClr val="bg1"/>
-                </a:solidFill>
-              </a:rPr>
-              <a:t>4/7</a:t>
+            <a:endParaRPr lang="en-GB" sz="5400" dirty="0">
+              <a:solidFill>
+                <a:schemeClr val="bg1"/>
+              </a:solidFill>
+            </a:endParaRPr>
+          </a:p>
+          <a:p>
+            <a:r>
+              <a:rPr lang="en-GB" sz="6600" dirty="0">
+                <a:solidFill>
+                  <a:srgbClr val="00A3E0"/>
+                </a:solidFill>
+                <a:latin typeface="akagi_probook"/>
+              </a:rPr>
+              <a:t>Blessed Be Your Name</a:t>
+            </a:r>
+            <a:endParaRPr lang="en-GB" sz="6600" b="0" i="0" dirty="0">
+              <a:solidFill>
+                <a:srgbClr val="00A3E0"/>
+              </a:solidFill>
+              <a:effectLst/>
+              <a:latin typeface="akagi_probook"/>
+            </a:endParaRPr>
+          </a:p>
+          <a:p>
+            <a:r>
+              <a:rPr lang="en-GB" sz="1200" dirty="0">
+                <a:solidFill>
+                  <a:schemeClr val="bg1"/>
+                </a:solidFill>
+              </a:rPr>
+              <a:t>CCLI Song # 3798438</a:t>
+            </a:r>
+          </a:p>
+          <a:p>
+            <a:endParaRPr lang="en-GB" sz="1200" dirty="0">
+              <a:solidFill>
+                <a:schemeClr val="bg1"/>
+              </a:solidFill>
+            </a:endParaRPr>
+          </a:p>
+          <a:p>
+            <a:r>
+              <a:rPr lang="en-GB" sz="1200" dirty="0">
+                <a:solidFill>
+                  <a:schemeClr val="bg1"/>
+                </a:solidFill>
+              </a:rPr>
+              <a:t>Beth Redman | Matt Redman</a:t>
+            </a:r>
+          </a:p>
+          <a:p>
+            <a:endParaRPr lang="en-GB" sz="1200" dirty="0">
+              <a:solidFill>
+                <a:schemeClr val="bg1"/>
+              </a:solidFill>
+            </a:endParaRPr>
+          </a:p>
+          <a:p>
+            <a:r>
+              <a:rPr lang="en-GB" sz="1200" dirty="0">
+                <a:solidFill>
+                  <a:schemeClr val="bg1"/>
+                </a:solidFill>
+              </a:rPr>
+              <a:t>© 2002 Thankyou Music (Admin. by Integrity Music Ltd)</a:t>
+            </a:r>
+          </a:p>
+          <a:p>
+            <a:r>
+              <a:rPr lang="en-GB" sz="1200" dirty="0">
+                <a:solidFill>
+                  <a:schemeClr val="bg1"/>
+                </a:solidFill>
+              </a:rPr>
+              <a:t>For use solely with the </a:t>
+            </a:r>
+            <a:r>
+              <a:rPr lang="en-GB" sz="1200" dirty="0" err="1">
+                <a:solidFill>
+                  <a:schemeClr val="bg1"/>
+                </a:solidFill>
+              </a:rPr>
+              <a:t>SongSelect</a:t>
+            </a:r>
+            <a:r>
+              <a:rPr lang="en-GB" sz="1200" dirty="0">
+                <a:solidFill>
+                  <a:schemeClr val="bg1"/>
+                </a:solidFill>
+              </a:rPr>
+              <a:t>® Terms of Use. All rights reserved. www.ccli.com</a:t>
+            </a:r>
+          </a:p>
+          <a:p>
+            <a:endParaRPr lang="en-GB" sz="1200" dirty="0">
+              <a:solidFill>
+                <a:schemeClr val="bg1"/>
+              </a:solidFill>
+            </a:endParaRPr>
+          </a:p>
+          <a:p>
+            <a:r>
+              <a:rPr lang="en-GB" sz="1200" dirty="0">
+                <a:solidFill>
+                  <a:schemeClr val="bg1"/>
+                </a:solidFill>
+              </a:rPr>
+              <a:t>CCLI Licence No. 33265</a:t>
             </a:r>
           </a:p>
         </p:txBody>
@@ -4292,7 +4359,7 @@
     </p:spTree>
     <p:extLst>
       <p:ext uri="{BB962C8B-B14F-4D97-AF65-F5344CB8AC3E}">
-        <p14:creationId xmlns:p14="http://schemas.microsoft.com/office/powerpoint/2010/main" val="3419756315"/>
+        <p14:creationId xmlns:p14="http://schemas.microsoft.com/office/powerpoint/2010/main" val="1361630718"/>
       </p:ext>
     </p:extLst>
   </p:cSld>
@@ -4357,7 +4424,7 @@
                   <a:schemeClr val="bg1"/>
                 </a:solidFill>
               </a:rPr>
-              <a:t>When the sun's shining down on me</a:t>
+              <a:t>In the land that is plentiful</a:t>
             </a:r>
           </a:p>
           <a:p>
@@ -4367,7 +4434,7 @@
                   <a:schemeClr val="bg1"/>
                 </a:solidFill>
               </a:rPr>
-              <a:t>When the world's all as it should be</a:t>
+              <a:t>Where Your streams of abundance flow</a:t>
             </a:r>
           </a:p>
           <a:p>
@@ -4410,7 +4477,7 @@
                   <a:schemeClr val="bg1"/>
                 </a:solidFill>
               </a:rPr>
-              <a:t>5/7</a:t>
+              <a:t>1/7</a:t>
             </a:r>
           </a:p>
         </p:txBody>
@@ -4418,7 +4485,7 @@
     </p:spTree>
     <p:extLst>
       <p:ext uri="{BB962C8B-B14F-4D97-AF65-F5344CB8AC3E}">
-        <p14:creationId xmlns:p14="http://schemas.microsoft.com/office/powerpoint/2010/main" val="76937280"/>
+        <p14:creationId xmlns:p14="http://schemas.microsoft.com/office/powerpoint/2010/main" val="4190608817"/>
       </p:ext>
     </p:extLst>
   </p:cSld>
@@ -4483,7 +4550,7 @@
                   <a:schemeClr val="bg1"/>
                 </a:solidFill>
               </a:rPr>
-              <a:t>On the road marked with suffering</a:t>
+              <a:t>When I'm found in the desert place</a:t>
             </a:r>
           </a:p>
           <a:p>
@@ -4493,7 +4560,7 @@
                   <a:schemeClr val="bg1"/>
                 </a:solidFill>
               </a:rPr>
-              <a:t>Though there's pain in the offering</a:t>
+              <a:t>Though I walk through the wilderness</a:t>
             </a:r>
           </a:p>
           <a:p>
@@ -4536,7 +4603,7 @@
                   <a:schemeClr val="bg1"/>
                 </a:solidFill>
               </a:rPr>
-              <a:t>6/7</a:t>
+              <a:t>2/7</a:t>
             </a:r>
           </a:p>
         </p:txBody>
@@ -4544,7 +4611,7 @@
     </p:spTree>
     <p:extLst>
       <p:ext uri="{BB962C8B-B14F-4D97-AF65-F5344CB8AC3E}">
-        <p14:creationId xmlns:p14="http://schemas.microsoft.com/office/powerpoint/2010/main" val="2502731765"/>
+        <p14:creationId xmlns:p14="http://schemas.microsoft.com/office/powerpoint/2010/main" val="3099292676"/>
       </p:ext>
     </p:extLst>
   </p:cSld>
@@ -4753,12 +4820,20 @@
           <a:lstStyle/>
           <a:p>
             <a:r>
+              <a:rPr lang="en-GB" sz="6000" dirty="0" err="1">
+                <a:solidFill>
+                  <a:schemeClr val="bg1"/>
+                </a:solidFill>
+              </a:rPr>
+              <a:t>Ev’ry</a:t>
+            </a:r>
+            <a:r>
               <a:rPr lang="en-GB" sz="6000" dirty="0">
                 <a:solidFill>
                   <a:schemeClr val="bg1"/>
                 </a:solidFill>
               </a:rPr>
-              <a:t>You give and take away</a:t>
+              <a:t> blessing You pour out I’ll</a:t>
             </a:r>
           </a:p>
           <a:p>
@@ -4768,7 +4843,7 @@
                   <a:schemeClr val="bg1"/>
                 </a:solidFill>
               </a:rPr>
-              <a:t>You give and take away</a:t>
+              <a:t>Turn back to praise</a:t>
             </a:r>
           </a:p>
           <a:p>
@@ -4778,7 +4853,7 @@
                   <a:schemeClr val="bg1"/>
                 </a:solidFill>
               </a:rPr>
-              <a:t>My heart will choose to say</a:t>
+              <a:t>When the darkness closes in Lord</a:t>
             </a:r>
           </a:p>
           <a:p>
@@ -4788,7 +4863,7 @@
                   <a:schemeClr val="bg1"/>
                 </a:solidFill>
               </a:rPr>
-              <a:t>Lord blessed be Your name</a:t>
+              <a:t>Still I will say</a:t>
             </a:r>
           </a:p>
         </p:txBody>
@@ -4821,7 +4896,7 @@
                   <a:schemeClr val="bg1"/>
                 </a:solidFill>
               </a:rPr>
-              <a:t>7/7</a:t>
+              <a:t>3/7</a:t>
             </a:r>
           </a:p>
         </p:txBody>
@@ -4829,7 +4904,7 @@
     </p:spTree>
     <p:extLst>
       <p:ext uri="{BB962C8B-B14F-4D97-AF65-F5344CB8AC3E}">
-        <p14:creationId xmlns:p14="http://schemas.microsoft.com/office/powerpoint/2010/main" val="1594116931"/>
+        <p14:creationId xmlns:p14="http://schemas.microsoft.com/office/powerpoint/2010/main" val="1622999890"/>
       </p:ext>
     </p:extLst>
   </p:cSld>
@@ -4878,170 +4953,84 @@
           </a:bodyPr>
           <a:lstStyle/>
           <a:p>
-            <a:endParaRPr lang="en-GB" sz="5400" dirty="0">
-              <a:solidFill>
-                <a:schemeClr val="bg1"/>
-              </a:solidFill>
-            </a:endParaRPr>
-          </a:p>
-          <a:p>
-            <a:r>
-              <a:rPr lang="en-GB" sz="6600" b="0" i="0" dirty="0">
-                <a:solidFill>
-                  <a:srgbClr val="00A3E0"/>
-                </a:solidFill>
-                <a:effectLst/>
-                <a:latin typeface="akagi_probook"/>
-              </a:rPr>
-              <a:t>Shout To The Lord</a:t>
-            </a:r>
-          </a:p>
-          <a:p>
-            <a:br>
-              <a:rPr lang="en-GB" sz="900" b="0" i="0" dirty="0">
-                <a:solidFill>
-                  <a:srgbClr val="717171"/>
-                </a:solidFill>
-                <a:effectLst/>
-                <a:latin typeface="akagi_probook"/>
-              </a:rPr>
-            </a:br>
-            <a:r>
-              <a:rPr lang="en-GB" sz="900" b="0" i="0" dirty="0">
-                <a:solidFill>
-                  <a:srgbClr val="717171"/>
-                </a:solidFill>
-                <a:effectLst/>
-                <a:latin typeface="akagi_probook"/>
-              </a:rPr>
-              <a:t>CCLI Song # 1406918</a:t>
-            </a:r>
-          </a:p>
-          <a:p>
-            <a:endParaRPr lang="en-GB" sz="900" b="0" i="0" dirty="0">
-              <a:solidFill>
-                <a:srgbClr val="717171"/>
-              </a:solidFill>
-              <a:effectLst/>
-              <a:latin typeface="akagi_probook"/>
-            </a:endParaRPr>
-          </a:p>
-          <a:p>
-            <a:r>
-              <a:rPr lang="en-GB" sz="900" b="0" i="0" dirty="0">
-                <a:solidFill>
-                  <a:srgbClr val="717171"/>
-                </a:solidFill>
-                <a:effectLst/>
-                <a:latin typeface="akagi_probook"/>
-              </a:rPr>
-              <a:t>Darlene </a:t>
-            </a:r>
-            <a:r>
-              <a:rPr lang="en-GB" sz="900" b="0" i="0" dirty="0" err="1">
-                <a:solidFill>
-                  <a:srgbClr val="717171"/>
-                </a:solidFill>
-                <a:effectLst/>
-                <a:latin typeface="akagi_probook"/>
-              </a:rPr>
-              <a:t>Zschech</a:t>
-            </a:r>
-            <a:endParaRPr lang="en-GB" sz="900" b="0" i="0" dirty="0">
-              <a:solidFill>
-                <a:srgbClr val="717171"/>
-              </a:solidFill>
-              <a:effectLst/>
-              <a:latin typeface="akagi_probook"/>
-            </a:endParaRPr>
-          </a:p>
-          <a:p>
-            <a:endParaRPr lang="en-GB" sz="900" b="0" i="0" dirty="0">
-              <a:solidFill>
-                <a:srgbClr val="717171"/>
-              </a:solidFill>
-              <a:effectLst/>
-              <a:latin typeface="akagi_probook"/>
-            </a:endParaRPr>
-          </a:p>
-          <a:p>
-            <a:r>
-              <a:rPr lang="en-GB" sz="900" b="0" i="0" dirty="0">
-                <a:solidFill>
-                  <a:srgbClr val="717171"/>
-                </a:solidFill>
-                <a:effectLst/>
-                <a:latin typeface="akagi_probook"/>
-              </a:rPr>
-              <a:t>© 1993 Wondrous Worship (Admin. by Song Solutions www.songsolutions.org)</a:t>
-            </a:r>
-          </a:p>
-          <a:p>
-            <a:r>
-              <a:rPr lang="en-GB" sz="900" b="0" i="0" dirty="0">
-                <a:solidFill>
-                  <a:srgbClr val="717171"/>
-                </a:solidFill>
-                <a:effectLst/>
-                <a:latin typeface="akagi_probook"/>
-              </a:rPr>
-              <a:t>For use solely with the </a:t>
-            </a:r>
-            <a:r>
-              <a:rPr lang="en-GB" sz="900" b="0" i="0" dirty="0" err="1">
-                <a:solidFill>
-                  <a:srgbClr val="717171"/>
-                </a:solidFill>
-                <a:effectLst/>
-                <a:latin typeface="akagi_probook"/>
-              </a:rPr>
-              <a:t>SongSelect</a:t>
-            </a:r>
-            <a:r>
-              <a:rPr lang="en-GB" sz="900" b="0" i="0" dirty="0">
-                <a:solidFill>
-                  <a:srgbClr val="717171"/>
-                </a:solidFill>
-                <a:effectLst/>
-                <a:latin typeface="akagi_probook"/>
-              </a:rPr>
-              <a:t>® Terms of Use. All rights reserved. www.ccli.com</a:t>
-            </a:r>
-          </a:p>
-          <a:p>
-            <a:endParaRPr lang="en-GB" sz="900" b="0" i="0" dirty="0">
-              <a:solidFill>
-                <a:srgbClr val="717171"/>
-              </a:solidFill>
-              <a:effectLst/>
-              <a:latin typeface="akagi_probook"/>
-            </a:endParaRPr>
-          </a:p>
-          <a:p>
-            <a:r>
-              <a:rPr lang="en-GB" sz="900" b="0" i="0" dirty="0">
-                <a:solidFill>
-                  <a:srgbClr val="717171"/>
-                </a:solidFill>
-                <a:effectLst/>
-                <a:latin typeface="akagi_probook"/>
-              </a:rPr>
-              <a:t>CCLI Licence No. 33265</a:t>
-            </a:r>
-          </a:p>
-          <a:p>
-            <a:endParaRPr lang="en-GB" sz="1200" dirty="0">
-              <a:solidFill>
-                <a:schemeClr val="bg1"/>
-              </a:solidFill>
-            </a:endParaRPr>
+            <a:r>
+              <a:rPr lang="en-GB" sz="5600" dirty="0">
+                <a:solidFill>
+                  <a:schemeClr val="bg1"/>
+                </a:solidFill>
+              </a:rPr>
+              <a:t>Blessed be the name of the Lord</a:t>
+            </a:r>
+          </a:p>
+          <a:p>
+            <a:r>
+              <a:rPr lang="en-GB" sz="5600" dirty="0">
+                <a:solidFill>
+                  <a:schemeClr val="bg1"/>
+                </a:solidFill>
+              </a:rPr>
+              <a:t>Blessed be Your name</a:t>
+            </a:r>
+          </a:p>
+          <a:p>
+            <a:r>
+              <a:rPr lang="en-GB" sz="5600" dirty="0">
+                <a:solidFill>
+                  <a:schemeClr val="bg1"/>
+                </a:solidFill>
+              </a:rPr>
+              <a:t>Blessed be the name of the Lord</a:t>
+            </a:r>
+          </a:p>
+          <a:p>
+            <a:r>
+              <a:rPr lang="en-GB" sz="5600" dirty="0">
+                <a:solidFill>
+                  <a:schemeClr val="bg1"/>
+                </a:solidFill>
+              </a:rPr>
+              <a:t>Blessed be Your glorious name</a:t>
+            </a:r>
+          </a:p>
+        </p:txBody>
+      </p:sp>
+      <p:sp>
+        <p:nvSpPr>
+          <p:cNvPr id="4" name="TextBox 3"/>
+          <p:cNvSpPr txBox="1"/>
+          <p:nvPr/>
+        </p:nvSpPr>
+        <p:spPr>
+          <a:xfrm>
+            <a:off x="8529729" y="0"/>
+            <a:ext cx="628698" cy="461665"/>
+          </a:xfrm>
+          <a:prstGeom prst="rect">
+            <a:avLst/>
+          </a:prstGeom>
+          <a:noFill/>
+        </p:spPr>
+        <p:txBody>
+          <a:bodyPr wrap="none" rtlCol="0">
+            <a:spAutoFit/>
+          </a:bodyPr>
+          <a:lstStyle/>
+          <a:p>
+            <a:r>
+              <a:rPr lang="en-GB" sz="2400" b="1" dirty="0">
+                <a:solidFill>
+                  <a:schemeClr val="bg1"/>
+                </a:solidFill>
+              </a:rPr>
+              <a:t>4/7</a:t>
+            </a:r>
           </a:p>
         </p:txBody>
       </p:sp>
     </p:spTree>
     <p:extLst>
       <p:ext uri="{BB962C8B-B14F-4D97-AF65-F5344CB8AC3E}">
-        <p14:creationId xmlns:p14="http://schemas.microsoft.com/office/powerpoint/2010/main" val="3107317129"/>
+        <p14:creationId xmlns:p14="http://schemas.microsoft.com/office/powerpoint/2010/main" val="3419756315"/>
       </p:ext>
     </p:extLst>
   </p:cSld>
@@ -5091,82 +5080,42 @@
           <a:lstStyle/>
           <a:p>
             <a:r>
-              <a:rPr lang="en-GB" sz="4400" dirty="0">
-                <a:solidFill>
-                  <a:schemeClr val="bg1"/>
-                </a:solidFill>
-              </a:rPr>
-              <a:t>My Jesus my Saviour</a:t>
-            </a:r>
-          </a:p>
-          <a:p>
-            <a:r>
-              <a:rPr lang="en-GB" sz="4400" dirty="0">
-                <a:solidFill>
-                  <a:schemeClr val="bg1"/>
-                </a:solidFill>
-              </a:rPr>
-              <a:t>Lord there is none like You</a:t>
-            </a:r>
-          </a:p>
-          <a:p>
-            <a:r>
-              <a:rPr lang="en-GB" sz="4400" dirty="0">
-                <a:solidFill>
-                  <a:schemeClr val="bg1"/>
-                </a:solidFill>
-              </a:rPr>
-              <a:t>All of my days I want to praise</a:t>
-            </a:r>
-          </a:p>
-          <a:p>
-            <a:r>
-              <a:rPr lang="en-GB" sz="4400" dirty="0">
-                <a:solidFill>
-                  <a:schemeClr val="bg1"/>
-                </a:solidFill>
-              </a:rPr>
-              <a:t>The wonders of Your mighty love</a:t>
-            </a:r>
-          </a:p>
-          <a:p>
-            <a:r>
-              <a:rPr lang="en-GB" sz="4400" dirty="0">
-                <a:solidFill>
-                  <a:schemeClr val="bg1"/>
-                </a:solidFill>
-              </a:rPr>
-              <a:t>My comfort my shelter</a:t>
-            </a:r>
-          </a:p>
-          <a:p>
-            <a:r>
-              <a:rPr lang="en-GB" sz="4400" dirty="0">
-                <a:solidFill>
-                  <a:schemeClr val="bg1"/>
-                </a:solidFill>
-              </a:rPr>
-              <a:t>Tower of refuge and strength</a:t>
-            </a:r>
-          </a:p>
-          <a:p>
-            <a:r>
-              <a:rPr lang="en-GB" sz="4400" dirty="0">
-                <a:solidFill>
-                  <a:schemeClr val="bg1"/>
-                </a:solidFill>
-              </a:rPr>
-              <a:t>Let every breath all that I am</a:t>
-            </a:r>
-          </a:p>
-          <a:p>
-            <a:r>
-              <a:rPr lang="en-GB" sz="4400" dirty="0">
-                <a:solidFill>
-                  <a:schemeClr val="bg1"/>
-                </a:solidFill>
-              </a:rPr>
-              <a:t>Never cease to worship You</a:t>
+              <a:rPr lang="en-GB" sz="6000" dirty="0">
+                <a:solidFill>
+                  <a:schemeClr val="bg1"/>
+                </a:solidFill>
+              </a:rPr>
+              <a:t>Blessed be Your name</a:t>
+            </a:r>
+          </a:p>
+          <a:p>
+            <a:r>
+              <a:rPr lang="en-GB" sz="6000" dirty="0">
+                <a:solidFill>
+                  <a:schemeClr val="bg1"/>
+                </a:solidFill>
+              </a:rPr>
+              <a:t>When the sun's shining down on me</a:t>
+            </a:r>
+          </a:p>
+          <a:p>
+            <a:r>
+              <a:rPr lang="en-GB" sz="6000" dirty="0">
+                <a:solidFill>
+                  <a:schemeClr val="bg1"/>
+                </a:solidFill>
+              </a:rPr>
+              <a:t>When the world's all as it should be</a:t>
+            </a:r>
+          </a:p>
+          <a:p>
+            <a:r>
+              <a:rPr lang="en-GB" sz="6000" dirty="0">
+                <a:solidFill>
+                  <a:schemeClr val="bg1"/>
+                </a:solidFill>
+              </a:rPr>
+              <a:t>Blessed be Your name</a:t>
             </a:r>
           </a:p>
         </p:txBody>
@@ -5199,7 +5148,7 @@
                   <a:schemeClr val="bg1"/>
                 </a:solidFill>
               </a:rPr>
-              <a:t>1/3</a:t>
+              <a:t>5/7</a:t>
             </a:r>
           </a:p>
         </p:txBody>
@@ -5207,7 +5156,7 @@
     </p:spTree>
     <p:extLst>
       <p:ext uri="{BB962C8B-B14F-4D97-AF65-F5344CB8AC3E}">
-        <p14:creationId xmlns:p14="http://schemas.microsoft.com/office/powerpoint/2010/main" val="2203528704"/>
+        <p14:creationId xmlns:p14="http://schemas.microsoft.com/office/powerpoint/2010/main" val="76937280"/>
       </p:ext>
     </p:extLst>
   </p:cSld>
@@ -5257,72 +5206,42 @@
           <a:lstStyle/>
           <a:p>
             <a:r>
-              <a:rPr lang="en-GB" sz="5000" dirty="0">
-                <a:solidFill>
-                  <a:schemeClr val="bg1"/>
-                </a:solidFill>
-              </a:rPr>
-              <a:t>Shout to the Lord</a:t>
-            </a:r>
-          </a:p>
-          <a:p>
-            <a:r>
-              <a:rPr lang="en-GB" sz="5000" dirty="0">
-                <a:solidFill>
-                  <a:schemeClr val="bg1"/>
-                </a:solidFill>
-              </a:rPr>
-              <a:t>All the earth let us sing</a:t>
-            </a:r>
-          </a:p>
-          <a:p>
-            <a:r>
-              <a:rPr lang="en-GB" sz="5000" dirty="0">
-                <a:solidFill>
-                  <a:schemeClr val="bg1"/>
-                </a:solidFill>
-              </a:rPr>
-              <a:t>Power and majesty</a:t>
-            </a:r>
-          </a:p>
-          <a:p>
-            <a:r>
-              <a:rPr lang="en-GB" sz="5000" dirty="0">
-                <a:solidFill>
-                  <a:schemeClr val="bg1"/>
-                </a:solidFill>
-              </a:rPr>
-              <a:t>Praise to the King</a:t>
-            </a:r>
-          </a:p>
-          <a:p>
-            <a:r>
-              <a:rPr lang="en-GB" sz="5000" dirty="0">
-                <a:solidFill>
-                  <a:schemeClr val="bg1"/>
-                </a:solidFill>
-              </a:rPr>
-              <a:t>Mountains bow down</a:t>
-            </a:r>
-          </a:p>
-          <a:p>
-            <a:r>
-              <a:rPr lang="en-GB" sz="5000" dirty="0">
-                <a:solidFill>
-                  <a:schemeClr val="bg1"/>
-                </a:solidFill>
-              </a:rPr>
-              <a:t>And the seas will roar</a:t>
-            </a:r>
-          </a:p>
-          <a:p>
-            <a:r>
-              <a:rPr lang="en-GB" sz="5000" dirty="0">
-                <a:solidFill>
-                  <a:schemeClr val="bg1"/>
-                </a:solidFill>
-              </a:rPr>
-              <a:t>At the sound of Your name</a:t>
+              <a:rPr lang="en-GB" sz="6000" dirty="0">
+                <a:solidFill>
+                  <a:schemeClr val="bg1"/>
+                </a:solidFill>
+              </a:rPr>
+              <a:t>Blessed be Your name</a:t>
+            </a:r>
+          </a:p>
+          <a:p>
+            <a:r>
+              <a:rPr lang="en-GB" sz="6000" dirty="0">
+                <a:solidFill>
+                  <a:schemeClr val="bg1"/>
+                </a:solidFill>
+              </a:rPr>
+              <a:t>On the road marked with suffering</a:t>
+            </a:r>
+          </a:p>
+          <a:p>
+            <a:r>
+              <a:rPr lang="en-GB" sz="6000" dirty="0">
+                <a:solidFill>
+                  <a:schemeClr val="bg1"/>
+                </a:solidFill>
+              </a:rPr>
+              <a:t>Though there's pain in the offering</a:t>
+            </a:r>
+          </a:p>
+          <a:p>
+            <a:r>
+              <a:rPr lang="en-GB" sz="6000" dirty="0">
+                <a:solidFill>
+                  <a:schemeClr val="bg1"/>
+                </a:solidFill>
+              </a:rPr>
+              <a:t>Blessed be Your name</a:t>
             </a:r>
           </a:p>
         </p:txBody>
@@ -5355,7 +5274,7 @@
                   <a:schemeClr val="bg1"/>
                 </a:solidFill>
               </a:rPr>
-              <a:t>2/3</a:t>
+              <a:t>6/7</a:t>
             </a:r>
           </a:p>
         </p:txBody>
@@ -5363,7 +5282,7 @@
     </p:spTree>
     <p:extLst>
       <p:ext uri="{BB962C8B-B14F-4D97-AF65-F5344CB8AC3E}">
-        <p14:creationId xmlns:p14="http://schemas.microsoft.com/office/powerpoint/2010/main" val="288803818"/>
+        <p14:creationId xmlns:p14="http://schemas.microsoft.com/office/powerpoint/2010/main" val="2502731765"/>
       </p:ext>
     </p:extLst>
   </p:cSld>
@@ -5413,62 +5332,42 @@
           <a:lstStyle/>
           <a:p>
             <a:r>
-              <a:rPr lang="en-GB" sz="5000" dirty="0">
-                <a:solidFill>
-                  <a:schemeClr val="bg1"/>
-                </a:solidFill>
-              </a:rPr>
-              <a:t>I sing for joy</a:t>
-            </a:r>
-          </a:p>
-          <a:p>
-            <a:r>
-              <a:rPr lang="en-GB" sz="5000" dirty="0">
-                <a:solidFill>
-                  <a:schemeClr val="bg1"/>
-                </a:solidFill>
-              </a:rPr>
-              <a:t>At the work of Your hands</a:t>
-            </a:r>
-          </a:p>
-          <a:p>
-            <a:r>
-              <a:rPr lang="en-GB" sz="5000" dirty="0">
-                <a:solidFill>
-                  <a:schemeClr val="bg1"/>
-                </a:solidFill>
-              </a:rPr>
-              <a:t>Forever I'll love You</a:t>
-            </a:r>
-          </a:p>
-          <a:p>
-            <a:r>
-              <a:rPr lang="en-GB" sz="5000" dirty="0">
-                <a:solidFill>
-                  <a:schemeClr val="bg1"/>
-                </a:solidFill>
-              </a:rPr>
-              <a:t>Forever I'll stand</a:t>
-            </a:r>
-          </a:p>
-          <a:p>
-            <a:r>
-              <a:rPr lang="en-GB" sz="5000" dirty="0">
-                <a:solidFill>
-                  <a:schemeClr val="bg1"/>
-                </a:solidFill>
-              </a:rPr>
-              <a:t>Nothing compares to the promise</a:t>
-            </a:r>
-          </a:p>
-          <a:p>
-            <a:r>
-              <a:rPr lang="en-GB" sz="5000" dirty="0">
-                <a:solidFill>
-                  <a:schemeClr val="bg1"/>
-                </a:solidFill>
-              </a:rPr>
-              <a:t>I have in You</a:t>
+              <a:rPr lang="en-GB" sz="6000" dirty="0">
+                <a:solidFill>
+                  <a:schemeClr val="bg1"/>
+                </a:solidFill>
+              </a:rPr>
+              <a:t>You give and take away</a:t>
+            </a:r>
+          </a:p>
+          <a:p>
+            <a:r>
+              <a:rPr lang="en-GB" sz="6000" dirty="0">
+                <a:solidFill>
+                  <a:schemeClr val="bg1"/>
+                </a:solidFill>
+              </a:rPr>
+              <a:t>You give and take away</a:t>
+            </a:r>
+          </a:p>
+          <a:p>
+            <a:r>
+              <a:rPr lang="en-GB" sz="6000" dirty="0">
+                <a:solidFill>
+                  <a:schemeClr val="bg1"/>
+                </a:solidFill>
+              </a:rPr>
+              <a:t>My heart will choose to say</a:t>
+            </a:r>
+          </a:p>
+          <a:p>
+            <a:r>
+              <a:rPr lang="en-GB" sz="6000" dirty="0">
+                <a:solidFill>
+                  <a:schemeClr val="bg1"/>
+                </a:solidFill>
+              </a:rPr>
+              <a:t>Lord blessed be Your name</a:t>
             </a:r>
           </a:p>
         </p:txBody>
@@ -5501,7 +5400,7 @@
                   <a:schemeClr val="bg1"/>
                 </a:solidFill>
               </a:rPr>
-              <a:t>3/3</a:t>
+              <a:t>7/7</a:t>
             </a:r>
           </a:p>
         </p:txBody>
@@ -5509,7 +5408,7 @@
     </p:spTree>
     <p:extLst>
       <p:ext uri="{BB962C8B-B14F-4D97-AF65-F5344CB8AC3E}">
-        <p14:creationId xmlns:p14="http://schemas.microsoft.com/office/powerpoint/2010/main" val="2310473556"/>
+        <p14:creationId xmlns:p14="http://schemas.microsoft.com/office/powerpoint/2010/main" val="1594116931"/>
       </p:ext>
     </p:extLst>
   </p:cSld>
@@ -5558,22 +5457,155 @@
           </a:bodyPr>
           <a:lstStyle/>
           <a:p>
-            <a:endParaRPr lang="en-GB" sz="6600" dirty="0">
+            <a:endParaRPr lang="en-GB" sz="5400" dirty="0">
               <a:solidFill>
-                <a:srgbClr val="00A3E0"/>
+                <a:schemeClr val="bg1"/>
               </a:solidFill>
+            </a:endParaRPr>
+          </a:p>
+          <a:p>
+            <a:r>
+              <a:rPr lang="en-GB" sz="6600" b="0" i="0" dirty="0">
+                <a:solidFill>
+                  <a:srgbClr val="00A3E0"/>
+                </a:solidFill>
+                <a:effectLst/>
+                <a:latin typeface="akagi_probook"/>
+              </a:rPr>
+              <a:t>Shout To The Lord</a:t>
+            </a:r>
+          </a:p>
+          <a:p>
+            <a:br>
+              <a:rPr lang="en-GB" sz="900" b="0" i="0" dirty="0">
+                <a:solidFill>
+                  <a:srgbClr val="717171"/>
+                </a:solidFill>
+                <a:effectLst/>
+                <a:latin typeface="akagi_probook"/>
+              </a:rPr>
+            </a:br>
+            <a:r>
+              <a:rPr lang="en-GB" sz="900" b="0" i="0" dirty="0">
+                <a:solidFill>
+                  <a:srgbClr val="717171"/>
+                </a:solidFill>
+                <a:effectLst/>
+                <a:latin typeface="akagi_probook"/>
+              </a:rPr>
+              <a:t>CCLI Song # 1406918</a:t>
+            </a:r>
+          </a:p>
+          <a:p>
+            <a:endParaRPr lang="en-GB" sz="900" b="0" i="0" dirty="0">
+              <a:solidFill>
+                <a:srgbClr val="717171"/>
+              </a:solidFill>
+              <a:effectLst/>
               <a:latin typeface="akagi_probook"/>
             </a:endParaRPr>
           </a:p>
           <a:p>
             <a:r>
-              <a:rPr lang="en-GB" sz="6600" dirty="0">
-                <a:solidFill>
-                  <a:srgbClr val="00A3E0"/>
-                </a:solidFill>
+              <a:rPr lang="en-GB" sz="900" b="0" i="0" dirty="0">
+                <a:solidFill>
+                  <a:srgbClr val="717171"/>
+                </a:solidFill>
+                <a:effectLst/>
                 <a:latin typeface="akagi_probook"/>
               </a:rPr>
-              <a:t>Goodness Of God</a:t>
+              <a:t>Darlene </a:t>
+            </a:r>
+            <a:r>
+              <a:rPr lang="en-GB" sz="900" b="0" i="0" dirty="0" err="1">
+                <a:solidFill>
+                  <a:srgbClr val="717171"/>
+                </a:solidFill>
+                <a:effectLst/>
+                <a:latin typeface="akagi_probook"/>
+              </a:rPr>
+              <a:t>Zschech</a:t>
+            </a:r>
+            <a:endParaRPr lang="en-GB" sz="900" b="0" i="0" dirty="0">
+              <a:solidFill>
+                <a:srgbClr val="717171"/>
+              </a:solidFill>
+              <a:effectLst/>
+              <a:latin typeface="akagi_probook"/>
+            </a:endParaRPr>
+          </a:p>
+          <a:p>
+            <a:endParaRPr lang="en-GB" sz="900" b="0" i="0" dirty="0">
+              <a:solidFill>
+                <a:srgbClr val="717171"/>
+              </a:solidFill>
+              <a:effectLst/>
+              <a:latin typeface="akagi_probook"/>
+            </a:endParaRPr>
+          </a:p>
+          <a:p>
+            <a:r>
+              <a:rPr lang="en-GB" sz="900" b="0" i="0" dirty="0">
+                <a:solidFill>
+                  <a:srgbClr val="717171"/>
+                </a:solidFill>
+                <a:effectLst/>
+                <a:latin typeface="akagi_probook"/>
+              </a:rPr>
+              <a:t>© 1993 Wondrous Worship (Admin. by Song Solutions www.songsolutions.org)</a:t>
+            </a:r>
+          </a:p>
+          <a:p>
+            <a:r>
+              <a:rPr lang="en-GB" sz="900" b="0" i="0" dirty="0">
+                <a:solidFill>
+                  <a:srgbClr val="717171"/>
+                </a:solidFill>
+                <a:effectLst/>
+                <a:latin typeface="akagi_probook"/>
+              </a:rPr>
+              <a:t>For use solely with the </a:t>
+            </a:r>
+            <a:r>
+              <a:rPr lang="en-GB" sz="900" b="0" i="0" dirty="0" err="1">
+                <a:solidFill>
+                  <a:srgbClr val="717171"/>
+                </a:solidFill>
+                <a:effectLst/>
+                <a:latin typeface="akagi_probook"/>
+              </a:rPr>
+              <a:t>SongSelect</a:t>
+            </a:r>
+            <a:r>
+              <a:rPr lang="en-GB" sz="900" b="0" i="0" dirty="0">
+                <a:solidFill>
+                  <a:srgbClr val="717171"/>
+                </a:solidFill>
+                <a:effectLst/>
+                <a:latin typeface="akagi_probook"/>
+              </a:rPr>
+              <a:t>® Terms of Use. All rights reserved. www.ccli.com</a:t>
+            </a:r>
+          </a:p>
+          <a:p>
+            <a:endParaRPr lang="en-GB" sz="900" b="0" i="0" dirty="0">
+              <a:solidFill>
+                <a:srgbClr val="717171"/>
+              </a:solidFill>
+              <a:effectLst/>
+              <a:latin typeface="akagi_probook"/>
+            </a:endParaRPr>
+          </a:p>
+          <a:p>
+            <a:r>
+              <a:rPr lang="en-GB" sz="900" b="0" i="0" dirty="0">
+                <a:solidFill>
+                  <a:srgbClr val="717171"/>
+                </a:solidFill>
+                <a:effectLst/>
+                <a:latin typeface="akagi_probook"/>
+              </a:rPr>
+              <a:t>CCLI Licence No. 33265</a:t>
             </a:r>
           </a:p>
           <a:p>
@@ -5583,139 +5615,12 @@
               </a:solidFill>
             </a:endParaRPr>
           </a:p>
-          <a:p>
-            <a:r>
-              <a:rPr lang="en-GB" sz="1200" dirty="0">
-                <a:solidFill>
-                  <a:schemeClr val="bg1"/>
-                </a:solidFill>
-              </a:rPr>
-              <a:t>CCLI Song # 7117726</a:t>
-            </a:r>
-          </a:p>
-          <a:p>
-            <a:endParaRPr lang="en-GB" sz="1200" dirty="0">
-              <a:solidFill>
-                <a:schemeClr val="bg1"/>
-              </a:solidFill>
-            </a:endParaRPr>
-          </a:p>
-          <a:p>
-            <a:r>
-              <a:rPr lang="en-GB" sz="1200" dirty="0">
-                <a:solidFill>
-                  <a:schemeClr val="bg1"/>
-                </a:solidFill>
-              </a:rPr>
-              <a:t>Ben Fielding | Brian Johnson | Ed Cash | Jason Ingram | Jenn Johnson</a:t>
-            </a:r>
-          </a:p>
-          <a:p>
-            <a:endParaRPr lang="en-GB" sz="1200" dirty="0">
-              <a:solidFill>
-                <a:schemeClr val="bg1"/>
-              </a:solidFill>
-            </a:endParaRPr>
-          </a:p>
-          <a:p>
-            <a:r>
-              <a:rPr lang="en-GB" sz="1200" dirty="0">
-                <a:solidFill>
-                  <a:schemeClr val="bg1"/>
-                </a:solidFill>
-              </a:rPr>
-              <a:t>© 2018 Capitol CMG Paragon (Admin. by Capitol CMG Publishing)</a:t>
-            </a:r>
-          </a:p>
-          <a:p>
-            <a:r>
-              <a:rPr lang="en-GB" sz="1200" dirty="0">
-                <a:solidFill>
-                  <a:schemeClr val="bg1"/>
-                </a:solidFill>
-              </a:rPr>
-              <a:t>Fellow Ships Music (Admin. by Essential Music Publishing LLC)</a:t>
-            </a:r>
-          </a:p>
-          <a:p>
-            <a:r>
-              <a:rPr lang="en-GB" sz="1200" dirty="0">
-                <a:solidFill>
-                  <a:schemeClr val="bg1"/>
-                </a:solidFill>
-              </a:rPr>
-              <a:t>So Essential Tunes (Admin. by Essential Music Publishing LLC)</a:t>
-            </a:r>
-          </a:p>
-          <a:p>
-            <a:r>
-              <a:rPr lang="en-GB" sz="1200" dirty="0">
-                <a:solidFill>
-                  <a:schemeClr val="bg1"/>
-                </a:solidFill>
-              </a:rPr>
-              <a:t>SHOUT! Music Publishing Australia (Admin. by SHOUT! Music Publishing UK)</a:t>
-            </a:r>
-          </a:p>
-          <a:p>
-            <a:r>
-              <a:rPr lang="en-GB" sz="1200" dirty="0">
-                <a:solidFill>
-                  <a:schemeClr val="bg1"/>
-                </a:solidFill>
-              </a:rPr>
-              <a:t>Bethel Music Publishing (Admin. by Song Solutions)</a:t>
-            </a:r>
-          </a:p>
-          <a:p>
-            <a:r>
-              <a:rPr lang="en-GB" sz="1200" dirty="0">
-                <a:solidFill>
-                  <a:schemeClr val="bg1"/>
-                </a:solidFill>
-              </a:rPr>
-              <a:t>For use solely with the </a:t>
-            </a:r>
-            <a:r>
-              <a:rPr lang="en-GB" sz="1200" dirty="0" err="1">
-                <a:solidFill>
-                  <a:schemeClr val="bg1"/>
-                </a:solidFill>
-              </a:rPr>
-              <a:t>SongSelect</a:t>
-            </a:r>
-            <a:r>
-              <a:rPr lang="en-GB" sz="1200" dirty="0">
-                <a:solidFill>
-                  <a:schemeClr val="bg1"/>
-                </a:solidFill>
-              </a:rPr>
-              <a:t>® Terms of Use. All rights reserved. www.ccli.com</a:t>
-            </a:r>
-          </a:p>
-          <a:p>
-            <a:endParaRPr lang="en-GB" sz="1200" dirty="0">
-              <a:solidFill>
-                <a:schemeClr val="bg1"/>
-              </a:solidFill>
-            </a:endParaRPr>
-          </a:p>
-          <a:p>
-            <a:r>
-              <a:rPr lang="en-GB" sz="1200" dirty="0">
-                <a:solidFill>
-                  <a:schemeClr val="bg1"/>
-                </a:solidFill>
-              </a:rPr>
-              <a:t>CCLI Licence No. 33265</a:t>
-            </a:r>
-          </a:p>
         </p:txBody>
       </p:sp>
     </p:spTree>
     <p:extLst>
       <p:ext uri="{BB962C8B-B14F-4D97-AF65-F5344CB8AC3E}">
-        <p14:creationId xmlns:p14="http://schemas.microsoft.com/office/powerpoint/2010/main" val="2477780304"/>
+        <p14:creationId xmlns:p14="http://schemas.microsoft.com/office/powerpoint/2010/main" val="3107317129"/>
       </p:ext>
     </p:extLst>
   </p:cSld>
@@ -5770,7 +5675,7 @@
                   <a:schemeClr val="bg1"/>
                 </a:solidFill>
               </a:rPr>
-              <a:t>I love You Lord</a:t>
+              <a:t>My Jesus my Saviour</a:t>
             </a:r>
           </a:p>
           <a:p>
@@ -5780,7 +5685,7 @@
                   <a:schemeClr val="bg1"/>
                 </a:solidFill>
               </a:rPr>
-              <a:t>Oh Your mercy never fails me</a:t>
+              <a:t>Lord there is none like You</a:t>
             </a:r>
           </a:p>
           <a:p>
@@ -5790,7 +5695,7 @@
                   <a:schemeClr val="bg1"/>
                 </a:solidFill>
               </a:rPr>
-              <a:t>All my days</a:t>
+              <a:t>All of my days I want to praise</a:t>
             </a:r>
           </a:p>
           <a:p>
@@ -5800,7 +5705,7 @@
                   <a:schemeClr val="bg1"/>
                 </a:solidFill>
               </a:rPr>
-              <a:t>I've been held in Your hands</a:t>
+              <a:t>The wonders of Your mighty love</a:t>
             </a:r>
           </a:p>
           <a:p>
@@ -5810,7 +5715,7 @@
                   <a:schemeClr val="bg1"/>
                 </a:solidFill>
               </a:rPr>
-              <a:t>From the moment that I wake up</a:t>
+              <a:t>My comfort my shelter</a:t>
             </a:r>
           </a:p>
           <a:p>
@@ -5820,7 +5725,7 @@
                   <a:schemeClr val="bg1"/>
                 </a:solidFill>
               </a:rPr>
-              <a:t>Until I lay my head</a:t>
+              <a:t>Tower of refuge and strength</a:t>
             </a:r>
           </a:p>
           <a:p>
@@ -5830,7 +5735,17 @@
                   <a:schemeClr val="bg1"/>
                 </a:solidFill>
               </a:rPr>
-              <a:t>I will sing of the goodness of God</a:t>
+              <a:t>Let every breath all that I am</a:t>
+            </a:r>
+          </a:p>
+          <a:p>
+            <a:r>
+              <a:rPr lang="en-GB" sz="4400" dirty="0">
+                <a:solidFill>
+                  <a:schemeClr val="bg1"/>
+                </a:solidFill>
+              </a:rPr>
+              <a:t>Never cease to worship You</a:t>
             </a:r>
           </a:p>
         </p:txBody>
@@ -5863,7 +5778,7 @@
                   <a:schemeClr val="bg1"/>
                 </a:solidFill>
               </a:rPr>
-              <a:t>1/5</a:t>
+              <a:t>1/3</a:t>
             </a:r>
           </a:p>
         </p:txBody>
@@ -5871,7 +5786,7 @@
     </p:spTree>
     <p:extLst>
       <p:ext uri="{BB962C8B-B14F-4D97-AF65-F5344CB8AC3E}">
-        <p14:creationId xmlns:p14="http://schemas.microsoft.com/office/powerpoint/2010/main" val="3348290221"/>
+        <p14:creationId xmlns:p14="http://schemas.microsoft.com/office/powerpoint/2010/main" val="2203528704"/>
       </p:ext>
     </p:extLst>
   </p:cSld>
@@ -5926,7 +5841,7 @@
                   <a:schemeClr val="bg1"/>
                 </a:solidFill>
               </a:rPr>
-              <a:t>All my life You have been faithful</a:t>
+              <a:t>Shout to the Lord</a:t>
             </a:r>
           </a:p>
           <a:p>
@@ -5936,23 +5851,17 @@
                   <a:schemeClr val="bg1"/>
                 </a:solidFill>
               </a:rPr>
-              <a:t>All my life You have been so </a:t>
-            </a:r>
-            <a:r>
-              <a:rPr lang="en-GB" sz="5000" dirty="0" err="1">
-                <a:solidFill>
-                  <a:schemeClr val="bg1"/>
-                </a:solidFill>
-              </a:rPr>
-              <a:t>so</a:t>
-            </a:r>
+              <a:t>All the earth let us sing</a:t>
+            </a:r>
+          </a:p>
+          <a:p>
             <a:r>
               <a:rPr lang="en-GB" sz="5000" dirty="0">
                 <a:solidFill>
                   <a:schemeClr val="bg1"/>
                 </a:solidFill>
               </a:rPr>
-              <a:t> good</a:t>
+              <a:t>Power and majesty</a:t>
             </a:r>
           </a:p>
           <a:p>
@@ -5962,7 +5871,7 @@
                   <a:schemeClr val="bg1"/>
                 </a:solidFill>
               </a:rPr>
-              <a:t>With every breath that I am able</a:t>
+              <a:t>Praise to the King</a:t>
             </a:r>
           </a:p>
           <a:p>
@@ -5972,7 +5881,27 @@
                   <a:schemeClr val="bg1"/>
                 </a:solidFill>
               </a:rPr>
-              <a:t>I will sing of the goodness of God</a:t>
+              <a:t>Mountains bow down</a:t>
+            </a:r>
+          </a:p>
+          <a:p>
+            <a:r>
+              <a:rPr lang="en-GB" sz="5000" dirty="0">
+                <a:solidFill>
+                  <a:schemeClr val="bg1"/>
+                </a:solidFill>
+              </a:rPr>
+              <a:t>And the seas will roar</a:t>
+            </a:r>
+          </a:p>
+          <a:p>
+            <a:r>
+              <a:rPr lang="en-GB" sz="5000" dirty="0">
+                <a:solidFill>
+                  <a:schemeClr val="bg1"/>
+                </a:solidFill>
+              </a:rPr>
+              <a:t>At the sound of Your name</a:t>
             </a:r>
           </a:p>
         </p:txBody>
@@ -6005,7 +5934,7 @@
                   <a:schemeClr val="bg1"/>
                 </a:solidFill>
               </a:rPr>
-              <a:t>2/5</a:t>
+              <a:t>2/3</a:t>
             </a:r>
           </a:p>
         </p:txBody>
@@ -6013,7 +5942,7 @@
     </p:spTree>
     <p:extLst>
       <p:ext uri="{BB962C8B-B14F-4D97-AF65-F5344CB8AC3E}">
-        <p14:creationId xmlns:p14="http://schemas.microsoft.com/office/powerpoint/2010/main" val="2544967348"/>
+        <p14:creationId xmlns:p14="http://schemas.microsoft.com/office/powerpoint/2010/main" val="288803818"/>
       </p:ext>
     </p:extLst>
   </p:cSld>
@@ -6063,72 +5992,62 @@
           <a:lstStyle/>
           <a:p>
             <a:r>
-              <a:rPr lang="en-GB" sz="4800" dirty="0">
-                <a:solidFill>
-                  <a:schemeClr val="bg1"/>
-                </a:solidFill>
-              </a:rPr>
-              <a:t>I love Your voice</a:t>
-            </a:r>
-          </a:p>
-          <a:p>
-            <a:r>
-              <a:rPr lang="en-GB" sz="4800" dirty="0">
-                <a:solidFill>
-                  <a:schemeClr val="bg1"/>
-                </a:solidFill>
-              </a:rPr>
-              <a:t>You have led me through the fire</a:t>
-            </a:r>
-          </a:p>
-          <a:p>
-            <a:r>
-              <a:rPr lang="en-GB" sz="4800" dirty="0">
-                <a:solidFill>
-                  <a:schemeClr val="bg1"/>
-                </a:solidFill>
-              </a:rPr>
-              <a:t>In darkest night</a:t>
-            </a:r>
-          </a:p>
-          <a:p>
-            <a:r>
-              <a:rPr lang="en-GB" sz="4800" dirty="0">
-                <a:solidFill>
-                  <a:schemeClr val="bg1"/>
-                </a:solidFill>
-              </a:rPr>
-              <a:t>You are close like no other</a:t>
-            </a:r>
-          </a:p>
-          <a:p>
-            <a:r>
-              <a:rPr lang="en-GB" sz="4800" dirty="0">
-                <a:solidFill>
-                  <a:schemeClr val="bg1"/>
-                </a:solidFill>
-              </a:rPr>
-              <a:t>I've known You as a father</a:t>
-            </a:r>
-          </a:p>
-          <a:p>
-            <a:r>
-              <a:rPr lang="en-GB" sz="4800" dirty="0">
-                <a:solidFill>
-                  <a:schemeClr val="bg1"/>
-                </a:solidFill>
-              </a:rPr>
-              <a:t>I've known You as a friend</a:t>
-            </a:r>
-          </a:p>
-          <a:p>
-            <a:r>
-              <a:rPr lang="en-GB" sz="4800" dirty="0">
-                <a:solidFill>
-                  <a:schemeClr val="bg1"/>
-                </a:solidFill>
-              </a:rPr>
-              <a:t>I have lived in the goodness of God</a:t>
+              <a:rPr lang="en-GB" sz="5000" dirty="0">
+                <a:solidFill>
+                  <a:schemeClr val="bg1"/>
+                </a:solidFill>
+              </a:rPr>
+              <a:t>I sing for joy</a:t>
+            </a:r>
+          </a:p>
+          <a:p>
+            <a:r>
+              <a:rPr lang="en-GB" sz="5000" dirty="0">
+                <a:solidFill>
+                  <a:schemeClr val="bg1"/>
+                </a:solidFill>
+              </a:rPr>
+              <a:t>At the work of Your hands</a:t>
+            </a:r>
+          </a:p>
+          <a:p>
+            <a:r>
+              <a:rPr lang="en-GB" sz="5000" dirty="0">
+                <a:solidFill>
+                  <a:schemeClr val="bg1"/>
+                </a:solidFill>
+              </a:rPr>
+              <a:t>Forever I'll love You</a:t>
+            </a:r>
+          </a:p>
+          <a:p>
+            <a:r>
+              <a:rPr lang="en-GB" sz="5000" dirty="0">
+                <a:solidFill>
+                  <a:schemeClr val="bg1"/>
+                </a:solidFill>
+              </a:rPr>
+              <a:t>Forever I'll stand</a:t>
+            </a:r>
+          </a:p>
+          <a:p>
+            <a:r>
+              <a:rPr lang="en-GB" sz="5000" dirty="0">
+                <a:solidFill>
+                  <a:schemeClr val="bg1"/>
+                </a:solidFill>
+              </a:rPr>
+              <a:t>Nothing compares to the promise</a:t>
+            </a:r>
+          </a:p>
+          <a:p>
+            <a:r>
+              <a:rPr lang="en-GB" sz="5000" dirty="0">
+                <a:solidFill>
+                  <a:schemeClr val="bg1"/>
+                </a:solidFill>
+              </a:rPr>
+              <a:t>I have in You</a:t>
             </a:r>
           </a:p>
         </p:txBody>
@@ -6161,7 +6080,7 @@
                   <a:schemeClr val="bg1"/>
                 </a:solidFill>
               </a:rPr>
-              <a:t>3/5</a:t>
+              <a:t>3/3</a:t>
             </a:r>
           </a:p>
         </p:txBody>
@@ -6169,7 +6088,7 @@
     </p:spTree>
     <p:extLst>
       <p:ext uri="{BB962C8B-B14F-4D97-AF65-F5344CB8AC3E}">
-        <p14:creationId xmlns:p14="http://schemas.microsoft.com/office/powerpoint/2010/main" val="4115935787"/>
+        <p14:creationId xmlns:p14="http://schemas.microsoft.com/office/powerpoint/2010/main" val="2310473556"/>
       </p:ext>
     </p:extLst>
   </p:cSld>
@@ -6218,126 +6137,156 @@
           </a:bodyPr>
           <a:lstStyle/>
           <a:p>
-            <a:r>
-              <a:rPr lang="en-GB" sz="4000" dirty="0">
-                <a:solidFill>
-                  <a:schemeClr val="bg1"/>
-                </a:solidFill>
-              </a:rPr>
-              <a:t>Your goodness is running after</a:t>
-            </a:r>
-          </a:p>
-          <a:p>
-            <a:r>
-              <a:rPr lang="en-GB" sz="4000" dirty="0">
-                <a:solidFill>
-                  <a:schemeClr val="bg1"/>
-                </a:solidFill>
-              </a:rPr>
-              <a:t>It’s running after me</a:t>
-            </a:r>
-          </a:p>
-          <a:p>
-            <a:r>
-              <a:rPr lang="en-GB" sz="4000" dirty="0">
-                <a:solidFill>
-                  <a:schemeClr val="bg1"/>
-                </a:solidFill>
-              </a:rPr>
-              <a:t>Your goodness is running after</a:t>
-            </a:r>
-          </a:p>
-          <a:p>
-            <a:r>
-              <a:rPr lang="en-GB" sz="4000" dirty="0">
-                <a:solidFill>
-                  <a:schemeClr val="bg1"/>
-                </a:solidFill>
-              </a:rPr>
-              <a:t>It’s running after me</a:t>
-            </a:r>
-          </a:p>
-          <a:p>
-            <a:r>
-              <a:rPr lang="en-GB" sz="4000" dirty="0">
-                <a:solidFill>
-                  <a:schemeClr val="bg1"/>
-                </a:solidFill>
-              </a:rPr>
-              <a:t>With my life laid down</a:t>
-            </a:r>
-          </a:p>
-          <a:p>
-            <a:r>
-              <a:rPr lang="en-GB" sz="4000" dirty="0">
-                <a:solidFill>
-                  <a:schemeClr val="bg1"/>
-                </a:solidFill>
-              </a:rPr>
-              <a:t>I’m surrendered now</a:t>
-            </a:r>
-          </a:p>
-          <a:p>
-            <a:r>
-              <a:rPr lang="en-GB" sz="4000" dirty="0">
-                <a:solidFill>
-                  <a:schemeClr val="bg1"/>
-                </a:solidFill>
-              </a:rPr>
-              <a:t>I give You everything</a:t>
-            </a:r>
-          </a:p>
-          <a:p>
-            <a:r>
-              <a:rPr lang="en-GB" sz="4000" dirty="0">
-                <a:solidFill>
-                  <a:schemeClr val="bg1"/>
-                </a:solidFill>
-              </a:rPr>
-              <a:t>Your goodness is running after</a:t>
-            </a:r>
-          </a:p>
-          <a:p>
-            <a:r>
-              <a:rPr lang="en-GB" sz="4000" dirty="0">
-                <a:solidFill>
-                  <a:schemeClr val="bg1"/>
-                </a:solidFill>
-              </a:rPr>
-              <a:t>It's running after me</a:t>
-            </a:r>
-          </a:p>
-        </p:txBody>
-      </p:sp>
-      <p:sp>
-        <p:nvSpPr>
-          <p:cNvPr id="4" name="TextBox 3"/>
-          <p:cNvSpPr txBox="1"/>
-          <p:nvPr/>
-        </p:nvSpPr>
-        <p:spPr>
-          <a:xfrm>
-            <a:off x="8529729" y="0"/>
-            <a:ext cx="628698" cy="461665"/>
-          </a:xfrm>
-          <a:prstGeom prst="rect">
-            <a:avLst/>
-          </a:prstGeom>
-          <a:noFill/>
-        </p:spPr>
-        <p:txBody>
-          <a:bodyPr wrap="none" rtlCol="0">
-            <a:spAutoFit/>
-          </a:bodyPr>
-          <a:lstStyle/>
-          <a:p>
-            <a:r>
-              <a:rPr lang="en-GB" sz="2400" b="1" dirty="0">
-                <a:solidFill>
-                  <a:schemeClr val="bg1"/>
-                </a:solidFill>
-              </a:rPr>
-              <a:t>4/5</a:t>
+            <a:endParaRPr lang="en-GB" sz="6600" dirty="0">
+              <a:solidFill>
+                <a:srgbClr val="00A3E0"/>
+              </a:solidFill>
+              <a:latin typeface="akagi_probook"/>
+            </a:endParaRPr>
+          </a:p>
+          <a:p>
+            <a:r>
+              <a:rPr lang="en-GB" sz="6600" dirty="0">
+                <a:solidFill>
+                  <a:srgbClr val="00A3E0"/>
+                </a:solidFill>
+                <a:latin typeface="akagi_probook"/>
+              </a:rPr>
+              <a:t>Goodness Of God</a:t>
+            </a:r>
+          </a:p>
+          <a:p>
+            <a:endParaRPr lang="en-GB" sz="1200" dirty="0">
+              <a:solidFill>
+                <a:schemeClr val="bg1"/>
+              </a:solidFill>
+            </a:endParaRPr>
+          </a:p>
+          <a:p>
+            <a:r>
+              <a:rPr lang="en-GB" sz="1200" dirty="0">
+                <a:solidFill>
+                  <a:schemeClr val="bg1"/>
+                </a:solidFill>
+              </a:rPr>
+              <a:t>CCLI Song # 7117726</a:t>
+            </a:r>
+          </a:p>
+          <a:p>
+            <a:endParaRPr lang="en-GB" sz="1200" dirty="0">
+              <a:solidFill>
+                <a:schemeClr val="bg1"/>
+              </a:solidFill>
+            </a:endParaRPr>
+          </a:p>
+          <a:p>
+            <a:r>
+              <a:rPr lang="en-GB" sz="1200" dirty="0">
+                <a:solidFill>
+                  <a:schemeClr val="bg1"/>
+                </a:solidFill>
+              </a:rPr>
+              <a:t>Ben Fielding | Brian Johnson | Ed Cash | Jason Ingram | Jenn Johnson</a:t>
+            </a:r>
+          </a:p>
+          <a:p>
+            <a:endParaRPr lang="en-GB" sz="1200" dirty="0">
+              <a:solidFill>
+                <a:schemeClr val="bg1"/>
+              </a:solidFill>
+            </a:endParaRPr>
+          </a:p>
+          <a:p>
+            <a:r>
+              <a:rPr lang="en-GB" sz="1200" dirty="0">
+                <a:solidFill>
+                  <a:schemeClr val="bg1"/>
+                </a:solidFill>
+              </a:rPr>
+              <a:t>© 2018 Capitol CMG Paragon (Admin. by Capitol CMG Publishing)</a:t>
+            </a:r>
+          </a:p>
+          <a:p>
+            <a:r>
+              <a:rPr lang="en-GB" sz="1200" dirty="0">
+                <a:solidFill>
+                  <a:schemeClr val="bg1"/>
+                </a:solidFill>
+              </a:rPr>
+              <a:t>Fellow Ships Music (Admin. by Essential Music Publishing LLC)</a:t>
+            </a:r>
+          </a:p>
+          <a:p>
+            <a:r>
+              <a:rPr lang="en-GB" sz="1200" dirty="0">
+                <a:solidFill>
+                  <a:schemeClr val="bg1"/>
+                </a:solidFill>
+              </a:rPr>
+              <a:t>So Essential Tunes (Admin. by Essential Music Publishing LLC)</a:t>
+            </a:r>
+          </a:p>
+          <a:p>
+            <a:r>
+              <a:rPr lang="en-GB" sz="1200" dirty="0">
+                <a:solidFill>
+                  <a:schemeClr val="bg1"/>
+                </a:solidFill>
+              </a:rPr>
+              <a:t>SHOUT! Music Publishing Australia (Admin. by SHOUT! Music Publishing UK)</a:t>
+            </a:r>
+          </a:p>
+          <a:p>
+            <a:r>
+              <a:rPr lang="en-GB" sz="1200" dirty="0">
+                <a:solidFill>
+                  <a:schemeClr val="bg1"/>
+                </a:solidFill>
+              </a:rPr>
+              <a:t>Bethel Music Publishing (Admin. by Song Solutions)</a:t>
+            </a:r>
+          </a:p>
+          <a:p>
+            <a:r>
+              <a:rPr lang="en-GB" sz="1200" dirty="0">
+                <a:solidFill>
+                  <a:schemeClr val="bg1"/>
+                </a:solidFill>
+              </a:rPr>
+              <a:t>For use solely with the </a:t>
+            </a:r>
+            <a:r>
+              <a:rPr lang="en-GB" sz="1200" dirty="0" err="1">
+                <a:solidFill>
+                  <a:schemeClr val="bg1"/>
+                </a:solidFill>
+              </a:rPr>
+              <a:t>SongSelect</a:t>
+            </a:r>
+            <a:r>
+              <a:rPr lang="en-GB" sz="1200" dirty="0">
+                <a:solidFill>
+                  <a:schemeClr val="bg1"/>
+                </a:solidFill>
+              </a:rPr>
+              <a:t>® Terms of Use. All rights reserved. www.ccli.com</a:t>
+            </a:r>
+          </a:p>
+          <a:p>
+            <a:endParaRPr lang="en-GB" sz="1200" dirty="0">
+              <a:solidFill>
+                <a:schemeClr val="bg1"/>
+              </a:solidFill>
+            </a:endParaRPr>
+          </a:p>
+          <a:p>
+            <a:r>
+              <a:rPr lang="en-GB" sz="1200" dirty="0">
+                <a:solidFill>
+                  <a:schemeClr val="bg1"/>
+                </a:solidFill>
+              </a:rPr>
+              <a:t>CCLI Licence No. 33265</a:t>
             </a:r>
           </a:p>
         </p:txBody>
@@ -6345,7 +6294,7 @@
     </p:spTree>
     <p:extLst>
       <p:ext uri="{BB962C8B-B14F-4D97-AF65-F5344CB8AC3E}">
-        <p14:creationId xmlns:p14="http://schemas.microsoft.com/office/powerpoint/2010/main" val="857765679"/>
+        <p14:creationId xmlns:p14="http://schemas.microsoft.com/office/powerpoint/2010/main" val="2477780304"/>
       </p:ext>
     </p:extLst>
   </p:cSld>
@@ -6484,6 +6433,1302 @@
         <p14:creationId xmlns:p14="http://schemas.microsoft.com/office/powerpoint/2010/main" val="1774347457"/>
       </p:ext>
     </p:extLst>
+  </p:cSld>
+  <p:clrMapOvr>
+    <a:masterClrMapping/>
+  </p:clrMapOvr>
+</p:sld>
+</file>
+
+<file path=ppt/slides/slide30.xml><?xml version="1.0" encoding="utf-8"?>
+<p:sld xmlns:a="http://schemas.openxmlformats.org/drawingml/2006/main" xmlns:r="http://schemas.openxmlformats.org/officeDocument/2006/relationships" xmlns:p="http://schemas.openxmlformats.org/presentationml/2006/main">
+  <p:cSld>
+    <p:spTree>
+      <p:nvGrpSpPr>
+        <p:cNvPr id="1" name=""/>
+        <p:cNvGrpSpPr/>
+        <p:nvPr/>
+      </p:nvGrpSpPr>
+      <p:grpSpPr>
+        <a:xfrm>
+          <a:off x="0" y="0"/>
+          <a:ext cx="0" cy="0"/>
+          <a:chOff x="0" y="0"/>
+          <a:chExt cx="0" cy="0"/>
+        </a:xfrm>
+      </p:grpSpPr>
+      <p:sp>
+        <p:nvSpPr>
+          <p:cNvPr id="3" name="Subtitle 2"/>
+          <p:cNvSpPr>
+            <a:spLocks noGrp="1"/>
+          </p:cNvSpPr>
+          <p:nvPr>
+            <p:ph type="subTitle" idx="1"/>
+          </p:nvPr>
+        </p:nvSpPr>
+        <p:spPr>
+          <a:xfrm>
+            <a:off x="323528" y="188640"/>
+            <a:ext cx="8640960" cy="6480720"/>
+          </a:xfrm>
+        </p:spPr>
+        <p:txBody>
+          <a:bodyPr>
+            <a:noAutofit/>
+          </a:bodyPr>
+          <a:lstStyle/>
+          <a:p>
+            <a:r>
+              <a:rPr lang="en-GB" sz="4400" dirty="0">
+                <a:solidFill>
+                  <a:schemeClr val="bg1"/>
+                </a:solidFill>
+              </a:rPr>
+              <a:t>I love You Lord</a:t>
+            </a:r>
+          </a:p>
+          <a:p>
+            <a:r>
+              <a:rPr lang="en-GB" sz="4400" dirty="0">
+                <a:solidFill>
+                  <a:schemeClr val="bg1"/>
+                </a:solidFill>
+              </a:rPr>
+              <a:t>Oh Your mercy never fails me</a:t>
+            </a:r>
+          </a:p>
+          <a:p>
+            <a:r>
+              <a:rPr lang="en-GB" sz="4400" dirty="0">
+                <a:solidFill>
+                  <a:schemeClr val="bg1"/>
+                </a:solidFill>
+              </a:rPr>
+              <a:t>All my days</a:t>
+            </a:r>
+          </a:p>
+          <a:p>
+            <a:r>
+              <a:rPr lang="en-GB" sz="4400" dirty="0">
+                <a:solidFill>
+                  <a:schemeClr val="bg1"/>
+                </a:solidFill>
+              </a:rPr>
+              <a:t>I've been held in Your hands</a:t>
+            </a:r>
+          </a:p>
+          <a:p>
+            <a:r>
+              <a:rPr lang="en-GB" sz="4400" dirty="0">
+                <a:solidFill>
+                  <a:schemeClr val="bg1"/>
+                </a:solidFill>
+              </a:rPr>
+              <a:t>From the moment that I wake up</a:t>
+            </a:r>
+          </a:p>
+          <a:p>
+            <a:r>
+              <a:rPr lang="en-GB" sz="4400" dirty="0">
+                <a:solidFill>
+                  <a:schemeClr val="bg1"/>
+                </a:solidFill>
+              </a:rPr>
+              <a:t>Until I lay my head</a:t>
+            </a:r>
+          </a:p>
+          <a:p>
+            <a:r>
+              <a:rPr lang="en-GB" sz="4400" dirty="0">
+                <a:solidFill>
+                  <a:schemeClr val="bg1"/>
+                </a:solidFill>
+              </a:rPr>
+              <a:t>I will sing of the goodness of God</a:t>
+            </a:r>
+          </a:p>
+        </p:txBody>
+      </p:sp>
+      <p:sp>
+        <p:nvSpPr>
+          <p:cNvPr id="4" name="TextBox 3"/>
+          <p:cNvSpPr txBox="1"/>
+          <p:nvPr/>
+        </p:nvSpPr>
+        <p:spPr>
+          <a:xfrm>
+            <a:off x="8529729" y="0"/>
+            <a:ext cx="628698" cy="461665"/>
+          </a:xfrm>
+          <a:prstGeom prst="rect">
+            <a:avLst/>
+          </a:prstGeom>
+          <a:noFill/>
+        </p:spPr>
+        <p:txBody>
+          <a:bodyPr wrap="none" rtlCol="0">
+            <a:spAutoFit/>
+          </a:bodyPr>
+          <a:lstStyle/>
+          <a:p>
+            <a:r>
+              <a:rPr lang="en-GB" sz="2400" b="1" dirty="0">
+                <a:solidFill>
+                  <a:schemeClr val="bg1"/>
+                </a:solidFill>
+              </a:rPr>
+              <a:t>1/5</a:t>
+            </a:r>
+          </a:p>
+        </p:txBody>
+      </p:sp>
+    </p:spTree>
+    <p:extLst>
+      <p:ext uri="{BB962C8B-B14F-4D97-AF65-F5344CB8AC3E}">
+        <p14:creationId xmlns:p14="http://schemas.microsoft.com/office/powerpoint/2010/main" val="3348290221"/>
+      </p:ext>
+    </p:extLst>
+  </p:cSld>
+  <p:clrMapOvr>
+    <a:masterClrMapping/>
+  </p:clrMapOvr>
+</p:sld>
+</file>
+
+<file path=ppt/slides/slide31.xml><?xml version="1.0" encoding="utf-8"?>
+<p:sld xmlns:a="http://schemas.openxmlformats.org/drawingml/2006/main" xmlns:r="http://schemas.openxmlformats.org/officeDocument/2006/relationships" xmlns:p="http://schemas.openxmlformats.org/presentationml/2006/main">
+  <p:cSld>
+    <p:spTree>
+      <p:nvGrpSpPr>
+        <p:cNvPr id="1" name=""/>
+        <p:cNvGrpSpPr/>
+        <p:nvPr/>
+      </p:nvGrpSpPr>
+      <p:grpSpPr>
+        <a:xfrm>
+          <a:off x="0" y="0"/>
+          <a:ext cx="0" cy="0"/>
+          <a:chOff x="0" y="0"/>
+          <a:chExt cx="0" cy="0"/>
+        </a:xfrm>
+      </p:grpSpPr>
+      <p:sp>
+        <p:nvSpPr>
+          <p:cNvPr id="3" name="Subtitle 2"/>
+          <p:cNvSpPr>
+            <a:spLocks noGrp="1"/>
+          </p:cNvSpPr>
+          <p:nvPr>
+            <p:ph type="subTitle" idx="1"/>
+          </p:nvPr>
+        </p:nvSpPr>
+        <p:spPr>
+          <a:xfrm>
+            <a:off x="323528" y="188640"/>
+            <a:ext cx="8640960" cy="6480720"/>
+          </a:xfrm>
+        </p:spPr>
+        <p:txBody>
+          <a:bodyPr>
+            <a:noAutofit/>
+          </a:bodyPr>
+          <a:lstStyle/>
+          <a:p>
+            <a:r>
+              <a:rPr lang="en-GB" sz="5000" dirty="0">
+                <a:solidFill>
+                  <a:schemeClr val="bg1"/>
+                </a:solidFill>
+              </a:rPr>
+              <a:t>All my life You have been faithful</a:t>
+            </a:r>
+          </a:p>
+          <a:p>
+            <a:r>
+              <a:rPr lang="en-GB" sz="5000" dirty="0">
+                <a:solidFill>
+                  <a:schemeClr val="bg1"/>
+                </a:solidFill>
+              </a:rPr>
+              <a:t>All my life You have been so </a:t>
+            </a:r>
+            <a:r>
+              <a:rPr lang="en-GB" sz="5000" dirty="0" err="1">
+                <a:solidFill>
+                  <a:schemeClr val="bg1"/>
+                </a:solidFill>
+              </a:rPr>
+              <a:t>so</a:t>
+            </a:r>
+            <a:r>
+              <a:rPr lang="en-GB" sz="5000" dirty="0">
+                <a:solidFill>
+                  <a:schemeClr val="bg1"/>
+                </a:solidFill>
+              </a:rPr>
+              <a:t> good</a:t>
+            </a:r>
+          </a:p>
+          <a:p>
+            <a:r>
+              <a:rPr lang="en-GB" sz="5000" dirty="0">
+                <a:solidFill>
+                  <a:schemeClr val="bg1"/>
+                </a:solidFill>
+              </a:rPr>
+              <a:t>With every breath that I am able</a:t>
+            </a:r>
+          </a:p>
+          <a:p>
+            <a:r>
+              <a:rPr lang="en-GB" sz="5000" dirty="0">
+                <a:solidFill>
+                  <a:schemeClr val="bg1"/>
+                </a:solidFill>
+              </a:rPr>
+              <a:t>I will sing of the goodness of God</a:t>
+            </a:r>
+          </a:p>
+        </p:txBody>
+      </p:sp>
+      <p:sp>
+        <p:nvSpPr>
+          <p:cNvPr id="4" name="TextBox 3"/>
+          <p:cNvSpPr txBox="1"/>
+          <p:nvPr/>
+        </p:nvSpPr>
+        <p:spPr>
+          <a:xfrm>
+            <a:off x="8529729" y="0"/>
+            <a:ext cx="628698" cy="461665"/>
+          </a:xfrm>
+          <a:prstGeom prst="rect">
+            <a:avLst/>
+          </a:prstGeom>
+          <a:noFill/>
+        </p:spPr>
+        <p:txBody>
+          <a:bodyPr wrap="none" rtlCol="0">
+            <a:spAutoFit/>
+          </a:bodyPr>
+          <a:lstStyle/>
+          <a:p>
+            <a:r>
+              <a:rPr lang="en-GB" sz="2400" b="1" dirty="0">
+                <a:solidFill>
+                  <a:schemeClr val="bg1"/>
+                </a:solidFill>
+              </a:rPr>
+              <a:t>2/5</a:t>
+            </a:r>
+          </a:p>
+        </p:txBody>
+      </p:sp>
+    </p:spTree>
+    <p:extLst>
+      <p:ext uri="{BB962C8B-B14F-4D97-AF65-F5344CB8AC3E}">
+        <p14:creationId xmlns:p14="http://schemas.microsoft.com/office/powerpoint/2010/main" val="2544967348"/>
+      </p:ext>
+    </p:extLst>
+  </p:cSld>
+  <p:clrMapOvr>
+    <a:masterClrMapping/>
+  </p:clrMapOvr>
+</p:sld>
+</file>
+
+<file path=ppt/slides/slide32.xml><?xml version="1.0" encoding="utf-8"?>
+<p:sld xmlns:a="http://schemas.openxmlformats.org/drawingml/2006/main" xmlns:r="http://schemas.openxmlformats.org/officeDocument/2006/relationships" xmlns:p="http://schemas.openxmlformats.org/presentationml/2006/main">
+  <p:cSld>
+    <p:spTree>
+      <p:nvGrpSpPr>
+        <p:cNvPr id="1" name=""/>
+        <p:cNvGrpSpPr/>
+        <p:nvPr/>
+      </p:nvGrpSpPr>
+      <p:grpSpPr>
+        <a:xfrm>
+          <a:off x="0" y="0"/>
+          <a:ext cx="0" cy="0"/>
+          <a:chOff x="0" y="0"/>
+          <a:chExt cx="0" cy="0"/>
+        </a:xfrm>
+      </p:grpSpPr>
+      <p:sp>
+        <p:nvSpPr>
+          <p:cNvPr id="3" name="Subtitle 2"/>
+          <p:cNvSpPr>
+            <a:spLocks noGrp="1"/>
+          </p:cNvSpPr>
+          <p:nvPr>
+            <p:ph type="subTitle" idx="1"/>
+          </p:nvPr>
+        </p:nvSpPr>
+        <p:spPr>
+          <a:xfrm>
+            <a:off x="323528" y="188640"/>
+            <a:ext cx="8640960" cy="6480720"/>
+          </a:xfrm>
+        </p:spPr>
+        <p:txBody>
+          <a:bodyPr>
+            <a:noAutofit/>
+          </a:bodyPr>
+          <a:lstStyle/>
+          <a:p>
+            <a:r>
+              <a:rPr lang="en-GB" sz="4800" dirty="0">
+                <a:solidFill>
+                  <a:schemeClr val="bg1"/>
+                </a:solidFill>
+              </a:rPr>
+              <a:t>I love Your voice</a:t>
+            </a:r>
+          </a:p>
+          <a:p>
+            <a:r>
+              <a:rPr lang="en-GB" sz="4800" dirty="0">
+                <a:solidFill>
+                  <a:schemeClr val="bg1"/>
+                </a:solidFill>
+              </a:rPr>
+              <a:t>You have led me through the fire</a:t>
+            </a:r>
+          </a:p>
+          <a:p>
+            <a:r>
+              <a:rPr lang="en-GB" sz="4800" dirty="0">
+                <a:solidFill>
+                  <a:schemeClr val="bg1"/>
+                </a:solidFill>
+              </a:rPr>
+              <a:t>In darkest night</a:t>
+            </a:r>
+          </a:p>
+          <a:p>
+            <a:r>
+              <a:rPr lang="en-GB" sz="4800" dirty="0">
+                <a:solidFill>
+                  <a:schemeClr val="bg1"/>
+                </a:solidFill>
+              </a:rPr>
+              <a:t>You are close like no other</a:t>
+            </a:r>
+          </a:p>
+          <a:p>
+            <a:r>
+              <a:rPr lang="en-GB" sz="4800" dirty="0">
+                <a:solidFill>
+                  <a:schemeClr val="bg1"/>
+                </a:solidFill>
+              </a:rPr>
+              <a:t>I've known You as a father</a:t>
+            </a:r>
+          </a:p>
+          <a:p>
+            <a:r>
+              <a:rPr lang="en-GB" sz="4800" dirty="0">
+                <a:solidFill>
+                  <a:schemeClr val="bg1"/>
+                </a:solidFill>
+              </a:rPr>
+              <a:t>I've known You as a friend</a:t>
+            </a:r>
+          </a:p>
+          <a:p>
+            <a:r>
+              <a:rPr lang="en-GB" sz="4800" dirty="0">
+                <a:solidFill>
+                  <a:schemeClr val="bg1"/>
+                </a:solidFill>
+              </a:rPr>
+              <a:t>I have lived in the goodness of God</a:t>
+            </a:r>
+          </a:p>
+        </p:txBody>
+      </p:sp>
+      <p:sp>
+        <p:nvSpPr>
+          <p:cNvPr id="4" name="TextBox 3"/>
+          <p:cNvSpPr txBox="1"/>
+          <p:nvPr/>
+        </p:nvSpPr>
+        <p:spPr>
+          <a:xfrm>
+            <a:off x="8529729" y="0"/>
+            <a:ext cx="628698" cy="461665"/>
+          </a:xfrm>
+          <a:prstGeom prst="rect">
+            <a:avLst/>
+          </a:prstGeom>
+          <a:noFill/>
+        </p:spPr>
+        <p:txBody>
+          <a:bodyPr wrap="none" rtlCol="0">
+            <a:spAutoFit/>
+          </a:bodyPr>
+          <a:lstStyle/>
+          <a:p>
+            <a:r>
+              <a:rPr lang="en-GB" sz="2400" b="1" dirty="0">
+                <a:solidFill>
+                  <a:schemeClr val="bg1"/>
+                </a:solidFill>
+              </a:rPr>
+              <a:t>3/5</a:t>
+            </a:r>
+          </a:p>
+        </p:txBody>
+      </p:sp>
+    </p:spTree>
+    <p:extLst>
+      <p:ext uri="{BB962C8B-B14F-4D97-AF65-F5344CB8AC3E}">
+        <p14:creationId xmlns:p14="http://schemas.microsoft.com/office/powerpoint/2010/main" val="4115935787"/>
+      </p:ext>
+    </p:extLst>
+  </p:cSld>
+  <p:clrMapOvr>
+    <a:masterClrMapping/>
+  </p:clrMapOvr>
+</p:sld>
+</file>
+
+<file path=ppt/slides/slide33.xml><?xml version="1.0" encoding="utf-8"?>
+<p:sld xmlns:a="http://schemas.openxmlformats.org/drawingml/2006/main" xmlns:r="http://schemas.openxmlformats.org/officeDocument/2006/relationships" xmlns:p="http://schemas.openxmlformats.org/presentationml/2006/main">
+  <p:cSld>
+    <p:spTree>
+      <p:nvGrpSpPr>
+        <p:cNvPr id="1" name=""/>
+        <p:cNvGrpSpPr/>
+        <p:nvPr/>
+      </p:nvGrpSpPr>
+      <p:grpSpPr>
+        <a:xfrm>
+          <a:off x="0" y="0"/>
+          <a:ext cx="0" cy="0"/>
+          <a:chOff x="0" y="0"/>
+          <a:chExt cx="0" cy="0"/>
+        </a:xfrm>
+      </p:grpSpPr>
+      <p:sp>
+        <p:nvSpPr>
+          <p:cNvPr id="3" name="Subtitle 2"/>
+          <p:cNvSpPr>
+            <a:spLocks noGrp="1"/>
+          </p:cNvSpPr>
+          <p:nvPr>
+            <p:ph type="subTitle" idx="1"/>
+          </p:nvPr>
+        </p:nvSpPr>
+        <p:spPr>
+          <a:xfrm>
+            <a:off x="323528" y="188640"/>
+            <a:ext cx="8640960" cy="6480720"/>
+          </a:xfrm>
+        </p:spPr>
+        <p:txBody>
+          <a:bodyPr>
+            <a:noAutofit/>
+          </a:bodyPr>
+          <a:lstStyle/>
+          <a:p>
+            <a:r>
+              <a:rPr lang="en-GB" sz="4000" dirty="0">
+                <a:solidFill>
+                  <a:schemeClr val="bg1"/>
+                </a:solidFill>
+              </a:rPr>
+              <a:t>Your goodness is running after</a:t>
+            </a:r>
+          </a:p>
+          <a:p>
+            <a:r>
+              <a:rPr lang="en-GB" sz="4000" dirty="0">
+                <a:solidFill>
+                  <a:schemeClr val="bg1"/>
+                </a:solidFill>
+              </a:rPr>
+              <a:t>It’s running after me</a:t>
+            </a:r>
+          </a:p>
+          <a:p>
+            <a:r>
+              <a:rPr lang="en-GB" sz="4000" dirty="0">
+                <a:solidFill>
+                  <a:schemeClr val="bg1"/>
+                </a:solidFill>
+              </a:rPr>
+              <a:t>Your goodness is running after</a:t>
+            </a:r>
+          </a:p>
+          <a:p>
+            <a:r>
+              <a:rPr lang="en-GB" sz="4000" dirty="0">
+                <a:solidFill>
+                  <a:schemeClr val="bg1"/>
+                </a:solidFill>
+              </a:rPr>
+              <a:t>It’s running after me</a:t>
+            </a:r>
+          </a:p>
+          <a:p>
+            <a:r>
+              <a:rPr lang="en-GB" sz="4000" dirty="0">
+                <a:solidFill>
+                  <a:schemeClr val="bg1"/>
+                </a:solidFill>
+              </a:rPr>
+              <a:t>With my life laid down</a:t>
+            </a:r>
+          </a:p>
+          <a:p>
+            <a:r>
+              <a:rPr lang="en-GB" sz="4000" dirty="0">
+                <a:solidFill>
+                  <a:schemeClr val="bg1"/>
+                </a:solidFill>
+              </a:rPr>
+              <a:t>I’m surrendered now</a:t>
+            </a:r>
+          </a:p>
+          <a:p>
+            <a:r>
+              <a:rPr lang="en-GB" sz="4000" dirty="0">
+                <a:solidFill>
+                  <a:schemeClr val="bg1"/>
+                </a:solidFill>
+              </a:rPr>
+              <a:t>I give You everything</a:t>
+            </a:r>
+          </a:p>
+          <a:p>
+            <a:r>
+              <a:rPr lang="en-GB" sz="4000" dirty="0">
+                <a:solidFill>
+                  <a:schemeClr val="bg1"/>
+                </a:solidFill>
+              </a:rPr>
+              <a:t>Your goodness is running after</a:t>
+            </a:r>
+          </a:p>
+          <a:p>
+            <a:r>
+              <a:rPr lang="en-GB" sz="4000" dirty="0">
+                <a:solidFill>
+                  <a:schemeClr val="bg1"/>
+                </a:solidFill>
+              </a:rPr>
+              <a:t>It's running after me</a:t>
+            </a:r>
+          </a:p>
+        </p:txBody>
+      </p:sp>
+      <p:sp>
+        <p:nvSpPr>
+          <p:cNvPr id="4" name="TextBox 3"/>
+          <p:cNvSpPr txBox="1"/>
+          <p:nvPr/>
+        </p:nvSpPr>
+        <p:spPr>
+          <a:xfrm>
+            <a:off x="8529729" y="0"/>
+            <a:ext cx="628698" cy="461665"/>
+          </a:xfrm>
+          <a:prstGeom prst="rect">
+            <a:avLst/>
+          </a:prstGeom>
+          <a:noFill/>
+        </p:spPr>
+        <p:txBody>
+          <a:bodyPr wrap="none" rtlCol="0">
+            <a:spAutoFit/>
+          </a:bodyPr>
+          <a:lstStyle/>
+          <a:p>
+            <a:r>
+              <a:rPr lang="en-GB" sz="2400" b="1" dirty="0">
+                <a:solidFill>
+                  <a:schemeClr val="bg1"/>
+                </a:solidFill>
+              </a:rPr>
+              <a:t>4/5</a:t>
+            </a:r>
+          </a:p>
+        </p:txBody>
+      </p:sp>
+    </p:spTree>
+    <p:extLst>
+      <p:ext uri="{BB962C8B-B14F-4D97-AF65-F5344CB8AC3E}">
+        <p14:creationId xmlns:p14="http://schemas.microsoft.com/office/powerpoint/2010/main" val="857765679"/>
+      </p:ext>
+    </p:extLst>
+  </p:cSld>
+  <p:clrMapOvr>
+    <a:masterClrMapping/>
+  </p:clrMapOvr>
+</p:sld>
+</file>
+
+<file path=ppt/slides/slide34.xml><?xml version="1.0" encoding="utf-8"?>
+<p:sld xmlns:a="http://schemas.openxmlformats.org/drawingml/2006/main" xmlns:r="http://schemas.openxmlformats.org/officeDocument/2006/relationships" xmlns:p="http://schemas.openxmlformats.org/presentationml/2006/main">
+  <p:cSld>
+    <p:spTree>
+      <p:nvGrpSpPr>
+        <p:cNvPr id="1" name=""/>
+        <p:cNvGrpSpPr/>
+        <p:nvPr/>
+      </p:nvGrpSpPr>
+      <p:grpSpPr>
+        <a:xfrm>
+          <a:off x="0" y="0"/>
+          <a:ext cx="0" cy="0"/>
+          <a:chOff x="0" y="0"/>
+          <a:chExt cx="0" cy="0"/>
+        </a:xfrm>
+      </p:grpSpPr>
+      <p:sp>
+        <p:nvSpPr>
+          <p:cNvPr id="3" name="Subtitle 2"/>
+          <p:cNvSpPr>
+            <a:spLocks noGrp="1"/>
+          </p:cNvSpPr>
+          <p:nvPr>
+            <p:ph type="subTitle" idx="1"/>
+          </p:nvPr>
+        </p:nvSpPr>
+        <p:spPr>
+          <a:xfrm>
+            <a:off x="323528" y="188640"/>
+            <a:ext cx="8640960" cy="6480720"/>
+          </a:xfrm>
+        </p:spPr>
+        <p:txBody>
+          <a:bodyPr>
+            <a:noAutofit/>
+          </a:bodyPr>
+          <a:lstStyle/>
+          <a:p>
+            <a:endParaRPr lang="en-GB" sz="9600" dirty="0"/>
+          </a:p>
+          <a:p>
+            <a:r>
+              <a:rPr lang="en-GB" sz="9600" dirty="0">
+                <a:solidFill>
+                  <a:schemeClr val="bg1"/>
+                </a:solidFill>
+              </a:rPr>
+              <a:t>You Are Good</a:t>
+            </a:r>
+          </a:p>
+          <a:p>
+            <a:br>
+              <a:rPr lang="en-GB" sz="9600" dirty="0">
+                <a:solidFill>
+                  <a:schemeClr val="bg1"/>
+                </a:solidFill>
+              </a:rPr>
+            </a:br>
+            <a:r>
+              <a:rPr lang="en-GB" sz="1200" dirty="0"/>
+              <a:t> CCLI Song # 3383788</a:t>
+            </a:r>
+          </a:p>
+          <a:p>
+            <a:r>
+              <a:rPr lang="en-GB" sz="1200" dirty="0"/>
+              <a:t>Israel Houghton</a:t>
+            </a:r>
+          </a:p>
+          <a:p>
+            <a:r>
+              <a:rPr lang="en-GB" sz="1200" dirty="0"/>
+              <a:t>© 2001 Integrity's Praise! Music (Admin. by Integrity Music)</a:t>
+            </a:r>
+          </a:p>
+          <a:p>
+            <a:r>
+              <a:rPr lang="en-GB" sz="1200" dirty="0"/>
+              <a:t>Sound Of The New Breed (Admin. by Integrity Music)</a:t>
+            </a:r>
+          </a:p>
+          <a:p>
+            <a:r>
+              <a:rPr lang="en-GB" sz="1200" i="1" dirty="0"/>
+              <a:t>For use solely with the </a:t>
+            </a:r>
+            <a:r>
+              <a:rPr lang="en-GB" sz="1200" i="1" dirty="0" err="1"/>
+              <a:t>SongSelect</a:t>
+            </a:r>
+            <a:r>
+              <a:rPr lang="en-GB" sz="1200" i="1" dirty="0"/>
+              <a:t>® </a:t>
+            </a:r>
+            <a:r>
+              <a:rPr lang="en-GB" sz="1200" i="1" dirty="0">
+                <a:hlinkClick r:id="rId2"/>
+              </a:rPr>
+              <a:t>Terms of Use</a:t>
+            </a:r>
+            <a:r>
+              <a:rPr lang="en-GB" sz="1200" i="1" dirty="0"/>
+              <a:t>. All rights reserved. </a:t>
+            </a:r>
+            <a:r>
+              <a:rPr lang="en-GB" sz="1200" i="1" dirty="0">
+                <a:hlinkClick r:id="rId3"/>
+              </a:rPr>
+              <a:t>www.ccli.com</a:t>
+            </a:r>
+            <a:endParaRPr lang="en-GB" sz="1200" i="1" dirty="0"/>
+          </a:p>
+          <a:p>
+            <a:r>
+              <a:rPr lang="en-GB" sz="1200" dirty="0"/>
+              <a:t>CCLI Licence No. 33265</a:t>
+            </a:r>
+          </a:p>
+        </p:txBody>
+      </p:sp>
+    </p:spTree>
+  </p:cSld>
+  <p:clrMapOvr>
+    <a:masterClrMapping/>
+  </p:clrMapOvr>
+</p:sld>
+</file>
+
+<file path=ppt/slides/slide35.xml><?xml version="1.0" encoding="utf-8"?>
+<p:sld xmlns:a="http://schemas.openxmlformats.org/drawingml/2006/main" xmlns:r="http://schemas.openxmlformats.org/officeDocument/2006/relationships" xmlns:p="http://schemas.openxmlformats.org/presentationml/2006/main">
+  <p:cSld>
+    <p:spTree>
+      <p:nvGrpSpPr>
+        <p:cNvPr id="1" name=""/>
+        <p:cNvGrpSpPr/>
+        <p:nvPr/>
+      </p:nvGrpSpPr>
+      <p:grpSpPr>
+        <a:xfrm>
+          <a:off x="0" y="0"/>
+          <a:ext cx="0" cy="0"/>
+          <a:chOff x="0" y="0"/>
+          <a:chExt cx="0" cy="0"/>
+        </a:xfrm>
+      </p:grpSpPr>
+      <p:sp>
+        <p:nvSpPr>
+          <p:cNvPr id="3" name="Subtitle 2"/>
+          <p:cNvSpPr>
+            <a:spLocks noGrp="1"/>
+          </p:cNvSpPr>
+          <p:nvPr>
+            <p:ph type="subTitle" idx="1"/>
+          </p:nvPr>
+        </p:nvSpPr>
+        <p:spPr>
+          <a:xfrm>
+            <a:off x="323528" y="188640"/>
+            <a:ext cx="8640960" cy="6480720"/>
+          </a:xfrm>
+        </p:spPr>
+        <p:txBody>
+          <a:bodyPr>
+            <a:noAutofit/>
+          </a:bodyPr>
+          <a:lstStyle/>
+          <a:p>
+            <a:r>
+              <a:rPr lang="en-GB" sz="4900" dirty="0">
+                <a:solidFill>
+                  <a:schemeClr val="bg1"/>
+                </a:solidFill>
+              </a:rPr>
+              <a:t>Lord You are good</a:t>
+            </a:r>
+            <a:br>
+              <a:rPr lang="en-GB" sz="4900" dirty="0">
+                <a:solidFill>
+                  <a:schemeClr val="bg1"/>
+                </a:solidFill>
+              </a:rPr>
+            </a:br>
+            <a:r>
+              <a:rPr lang="en-GB" sz="4900" dirty="0">
+                <a:solidFill>
+                  <a:schemeClr val="bg1"/>
+                </a:solidFill>
+              </a:rPr>
+              <a:t>And Your mercy </a:t>
+            </a:r>
+            <a:r>
+              <a:rPr lang="en-GB" sz="4900" dirty="0" err="1">
+                <a:solidFill>
+                  <a:schemeClr val="bg1"/>
+                </a:solidFill>
+              </a:rPr>
+              <a:t>endureth</a:t>
+            </a:r>
+            <a:r>
+              <a:rPr lang="en-GB" sz="4900" dirty="0">
+                <a:solidFill>
+                  <a:schemeClr val="bg1"/>
+                </a:solidFill>
+              </a:rPr>
+              <a:t> forever</a:t>
+            </a:r>
+            <a:br>
+              <a:rPr lang="en-GB" sz="4900" dirty="0">
+                <a:solidFill>
+                  <a:schemeClr val="bg1"/>
+                </a:solidFill>
+              </a:rPr>
+            </a:br>
+            <a:r>
+              <a:rPr lang="en-GB" sz="4900" dirty="0">
+                <a:solidFill>
+                  <a:schemeClr val="bg1"/>
+                </a:solidFill>
+              </a:rPr>
+              <a:t>Lord You are good</a:t>
+            </a:r>
+            <a:br>
+              <a:rPr lang="en-GB" sz="4900" dirty="0">
+                <a:solidFill>
+                  <a:schemeClr val="bg1"/>
+                </a:solidFill>
+              </a:rPr>
+            </a:br>
+            <a:r>
+              <a:rPr lang="en-GB" sz="4900" dirty="0">
+                <a:solidFill>
+                  <a:schemeClr val="bg1"/>
+                </a:solidFill>
+              </a:rPr>
+              <a:t>And Your mercy </a:t>
+            </a:r>
+            <a:r>
+              <a:rPr lang="en-GB" sz="4900" dirty="0" err="1">
+                <a:solidFill>
+                  <a:schemeClr val="bg1"/>
+                </a:solidFill>
+              </a:rPr>
+              <a:t>endureth</a:t>
+            </a:r>
+            <a:r>
+              <a:rPr lang="en-GB" sz="4900" dirty="0">
+                <a:solidFill>
+                  <a:schemeClr val="bg1"/>
+                </a:solidFill>
+              </a:rPr>
+              <a:t> forever</a:t>
+            </a:r>
+            <a:br>
+              <a:rPr lang="en-GB" sz="4900" dirty="0">
+                <a:solidFill>
+                  <a:schemeClr val="bg1"/>
+                </a:solidFill>
+              </a:rPr>
+            </a:br>
+            <a:r>
+              <a:rPr lang="en-GB" sz="4900" dirty="0">
+                <a:solidFill>
+                  <a:schemeClr val="bg1"/>
+                </a:solidFill>
+              </a:rPr>
+              <a:t>People from every nation and tongue</a:t>
+            </a:r>
+            <a:br>
+              <a:rPr lang="en-GB" sz="4900" dirty="0">
+                <a:solidFill>
+                  <a:schemeClr val="bg1"/>
+                </a:solidFill>
+              </a:rPr>
+            </a:br>
+            <a:r>
+              <a:rPr lang="en-GB" sz="4900" dirty="0">
+                <a:solidFill>
+                  <a:schemeClr val="bg1"/>
+                </a:solidFill>
+              </a:rPr>
+              <a:t>From generation to generation</a:t>
+            </a:r>
+          </a:p>
+        </p:txBody>
+      </p:sp>
+      <p:sp>
+        <p:nvSpPr>
+          <p:cNvPr id="4" name="TextBox 3"/>
+          <p:cNvSpPr txBox="1"/>
+          <p:nvPr/>
+        </p:nvSpPr>
+        <p:spPr>
+          <a:xfrm>
+            <a:off x="8529729" y="0"/>
+            <a:ext cx="628698" cy="461665"/>
+          </a:xfrm>
+          <a:prstGeom prst="rect">
+            <a:avLst/>
+          </a:prstGeom>
+          <a:noFill/>
+        </p:spPr>
+        <p:txBody>
+          <a:bodyPr wrap="none" rtlCol="0">
+            <a:spAutoFit/>
+          </a:bodyPr>
+          <a:lstStyle/>
+          <a:p>
+            <a:r>
+              <a:rPr lang="en-GB" sz="2400" b="1" dirty="0">
+                <a:solidFill>
+                  <a:schemeClr val="bg1"/>
+                </a:solidFill>
+              </a:rPr>
+              <a:t>1/3</a:t>
+            </a:r>
+          </a:p>
+        </p:txBody>
+      </p:sp>
+    </p:spTree>
+  </p:cSld>
+  <p:clrMapOvr>
+    <a:masterClrMapping/>
+  </p:clrMapOvr>
+</p:sld>
+</file>
+
+<file path=ppt/slides/slide36.xml><?xml version="1.0" encoding="utf-8"?>
+<p:sld xmlns:a="http://schemas.openxmlformats.org/drawingml/2006/main" xmlns:r="http://schemas.openxmlformats.org/officeDocument/2006/relationships" xmlns:p="http://schemas.openxmlformats.org/presentationml/2006/main">
+  <p:cSld>
+    <p:spTree>
+      <p:nvGrpSpPr>
+        <p:cNvPr id="1" name=""/>
+        <p:cNvGrpSpPr/>
+        <p:nvPr/>
+      </p:nvGrpSpPr>
+      <p:grpSpPr>
+        <a:xfrm>
+          <a:off x="0" y="0"/>
+          <a:ext cx="0" cy="0"/>
+          <a:chOff x="0" y="0"/>
+          <a:chExt cx="0" cy="0"/>
+        </a:xfrm>
+      </p:grpSpPr>
+      <p:sp>
+        <p:nvSpPr>
+          <p:cNvPr id="3" name="Subtitle 2"/>
+          <p:cNvSpPr>
+            <a:spLocks noGrp="1"/>
+          </p:cNvSpPr>
+          <p:nvPr>
+            <p:ph type="subTitle" idx="1"/>
+          </p:nvPr>
+        </p:nvSpPr>
+        <p:spPr>
+          <a:xfrm>
+            <a:off x="323528" y="188640"/>
+            <a:ext cx="8640960" cy="6480720"/>
+          </a:xfrm>
+        </p:spPr>
+        <p:txBody>
+          <a:bodyPr>
+            <a:noAutofit/>
+          </a:bodyPr>
+          <a:lstStyle/>
+          <a:p>
+            <a:r>
+              <a:rPr lang="en-GB" sz="5000" dirty="0">
+                <a:solidFill>
+                  <a:schemeClr val="bg1"/>
+                </a:solidFill>
+              </a:rPr>
+              <a:t>We worship You</a:t>
+            </a:r>
+            <a:br>
+              <a:rPr lang="en-GB" sz="5000" dirty="0">
+                <a:solidFill>
+                  <a:schemeClr val="bg1"/>
+                </a:solidFill>
+              </a:rPr>
+            </a:br>
+            <a:r>
+              <a:rPr lang="en-GB" sz="5000" dirty="0">
+                <a:solidFill>
+                  <a:schemeClr val="bg1"/>
+                </a:solidFill>
+              </a:rPr>
+              <a:t>Hallelujah </a:t>
+            </a:r>
+            <a:r>
+              <a:rPr lang="en-GB" sz="5000" dirty="0" err="1">
+                <a:solidFill>
+                  <a:schemeClr val="bg1"/>
+                </a:solidFill>
+              </a:rPr>
+              <a:t>hallelujah</a:t>
+            </a:r>
+            <a:br>
+              <a:rPr lang="en-GB" sz="5000" dirty="0">
+                <a:solidFill>
+                  <a:schemeClr val="bg1"/>
+                </a:solidFill>
+              </a:rPr>
+            </a:br>
+            <a:r>
+              <a:rPr lang="en-GB" sz="5000" dirty="0">
+                <a:solidFill>
+                  <a:schemeClr val="bg1"/>
+                </a:solidFill>
+              </a:rPr>
+              <a:t>We worship You for who You are</a:t>
+            </a:r>
+            <a:br>
+              <a:rPr lang="en-GB" sz="5000" dirty="0">
+                <a:solidFill>
+                  <a:schemeClr val="bg1"/>
+                </a:solidFill>
+              </a:rPr>
+            </a:br>
+            <a:r>
+              <a:rPr lang="en-GB" sz="5000" dirty="0">
+                <a:solidFill>
+                  <a:schemeClr val="bg1"/>
+                </a:solidFill>
+              </a:rPr>
+              <a:t>We worship You</a:t>
+            </a:r>
+            <a:br>
+              <a:rPr lang="en-GB" sz="5000" dirty="0">
+                <a:solidFill>
+                  <a:schemeClr val="bg1"/>
+                </a:solidFill>
+              </a:rPr>
+            </a:br>
+            <a:r>
+              <a:rPr lang="en-GB" sz="5000" dirty="0">
+                <a:solidFill>
+                  <a:schemeClr val="bg1"/>
+                </a:solidFill>
+              </a:rPr>
+              <a:t>Hallelujah </a:t>
+            </a:r>
+            <a:r>
+              <a:rPr lang="en-GB" sz="5000" dirty="0" err="1">
+                <a:solidFill>
+                  <a:schemeClr val="bg1"/>
+                </a:solidFill>
+              </a:rPr>
+              <a:t>hallelujah</a:t>
+            </a:r>
+            <a:br>
+              <a:rPr lang="en-GB" sz="5000" dirty="0">
+                <a:solidFill>
+                  <a:schemeClr val="bg1"/>
+                </a:solidFill>
+              </a:rPr>
+            </a:br>
+            <a:r>
+              <a:rPr lang="en-GB" sz="5000" dirty="0">
+                <a:solidFill>
+                  <a:schemeClr val="bg1"/>
+                </a:solidFill>
+              </a:rPr>
+              <a:t>We worship You for who You are</a:t>
+            </a:r>
+            <a:br>
+              <a:rPr lang="en-GB" sz="5000" dirty="0">
+                <a:solidFill>
+                  <a:schemeClr val="bg1"/>
+                </a:solidFill>
+              </a:rPr>
+            </a:br>
+            <a:r>
+              <a:rPr lang="en-GB" sz="5000" dirty="0">
+                <a:solidFill>
+                  <a:schemeClr val="bg1"/>
+                </a:solidFill>
+              </a:rPr>
+              <a:t>For You are good</a:t>
+            </a:r>
+          </a:p>
+        </p:txBody>
+      </p:sp>
+      <p:sp>
+        <p:nvSpPr>
+          <p:cNvPr id="4" name="TextBox 3"/>
+          <p:cNvSpPr txBox="1"/>
+          <p:nvPr/>
+        </p:nvSpPr>
+        <p:spPr>
+          <a:xfrm>
+            <a:off x="8529729" y="0"/>
+            <a:ext cx="628698" cy="461665"/>
+          </a:xfrm>
+          <a:prstGeom prst="rect">
+            <a:avLst/>
+          </a:prstGeom>
+          <a:noFill/>
+        </p:spPr>
+        <p:txBody>
+          <a:bodyPr wrap="none" rtlCol="0">
+            <a:spAutoFit/>
+          </a:bodyPr>
+          <a:lstStyle/>
+          <a:p>
+            <a:r>
+              <a:rPr lang="en-GB" sz="2400" b="1" dirty="0">
+                <a:solidFill>
+                  <a:schemeClr val="bg1"/>
+                </a:solidFill>
+              </a:rPr>
+              <a:t>2/3</a:t>
+            </a:r>
+          </a:p>
+        </p:txBody>
+      </p:sp>
+    </p:spTree>
+  </p:cSld>
+  <p:clrMapOvr>
+    <a:masterClrMapping/>
+  </p:clrMapOvr>
+</p:sld>
+</file>
+
+<file path=ppt/slides/slide37.xml><?xml version="1.0" encoding="utf-8"?>
+<p:sld xmlns:a="http://schemas.openxmlformats.org/drawingml/2006/main" xmlns:r="http://schemas.openxmlformats.org/officeDocument/2006/relationships" xmlns:p="http://schemas.openxmlformats.org/presentationml/2006/main">
+  <p:cSld>
+    <p:spTree>
+      <p:nvGrpSpPr>
+        <p:cNvPr id="1" name=""/>
+        <p:cNvGrpSpPr/>
+        <p:nvPr/>
+      </p:nvGrpSpPr>
+      <p:grpSpPr>
+        <a:xfrm>
+          <a:off x="0" y="0"/>
+          <a:ext cx="0" cy="0"/>
+          <a:chOff x="0" y="0"/>
+          <a:chExt cx="0" cy="0"/>
+        </a:xfrm>
+      </p:grpSpPr>
+      <p:sp>
+        <p:nvSpPr>
+          <p:cNvPr id="3" name="Subtitle 2"/>
+          <p:cNvSpPr>
+            <a:spLocks noGrp="1"/>
+          </p:cNvSpPr>
+          <p:nvPr>
+            <p:ph type="subTitle" idx="1"/>
+          </p:nvPr>
+        </p:nvSpPr>
+        <p:spPr>
+          <a:xfrm>
+            <a:off x="323528" y="188640"/>
+            <a:ext cx="8640960" cy="6480720"/>
+          </a:xfrm>
+        </p:spPr>
+        <p:txBody>
+          <a:bodyPr>
+            <a:noAutofit/>
+          </a:bodyPr>
+          <a:lstStyle/>
+          <a:p>
+            <a:endParaRPr lang="en-GB" sz="4800" dirty="0"/>
+          </a:p>
+          <a:p>
+            <a:endParaRPr lang="en-GB" sz="4800" dirty="0"/>
+          </a:p>
+          <a:p>
+            <a:r>
+              <a:rPr lang="en-GB" sz="4800" dirty="0">
+                <a:solidFill>
+                  <a:schemeClr val="bg1"/>
+                </a:solidFill>
+              </a:rPr>
+              <a:t>You are good all the time</a:t>
+            </a:r>
+            <a:br>
+              <a:rPr lang="en-GB" sz="4800" dirty="0">
+                <a:solidFill>
+                  <a:schemeClr val="bg1"/>
+                </a:solidFill>
+              </a:rPr>
+            </a:br>
+            <a:r>
+              <a:rPr lang="en-GB" sz="4800" dirty="0">
+                <a:solidFill>
+                  <a:schemeClr val="bg1"/>
+                </a:solidFill>
+              </a:rPr>
+              <a:t>All the time You are good</a:t>
+            </a:r>
+            <a:br>
+              <a:rPr lang="en-GB" sz="4800" dirty="0">
+                <a:solidFill>
+                  <a:schemeClr val="bg1"/>
+                </a:solidFill>
+              </a:rPr>
+            </a:br>
+            <a:r>
+              <a:rPr lang="en-GB" sz="4800" dirty="0">
+                <a:solidFill>
+                  <a:schemeClr val="bg1"/>
+                </a:solidFill>
+              </a:rPr>
+              <a:t>You are good all the time</a:t>
+            </a:r>
+            <a:br>
+              <a:rPr lang="en-GB" sz="4800" dirty="0">
+                <a:solidFill>
+                  <a:schemeClr val="bg1"/>
+                </a:solidFill>
+              </a:rPr>
+            </a:br>
+            <a:r>
+              <a:rPr lang="en-GB" sz="4800" dirty="0">
+                <a:solidFill>
+                  <a:schemeClr val="bg1"/>
+                </a:solidFill>
+              </a:rPr>
+              <a:t>All the time You are good</a:t>
+            </a:r>
+          </a:p>
+        </p:txBody>
+      </p:sp>
+      <p:sp>
+        <p:nvSpPr>
+          <p:cNvPr id="4" name="TextBox 3"/>
+          <p:cNvSpPr txBox="1"/>
+          <p:nvPr/>
+        </p:nvSpPr>
+        <p:spPr>
+          <a:xfrm>
+            <a:off x="8529729" y="0"/>
+            <a:ext cx="628698" cy="461665"/>
+          </a:xfrm>
+          <a:prstGeom prst="rect">
+            <a:avLst/>
+          </a:prstGeom>
+          <a:noFill/>
+        </p:spPr>
+        <p:txBody>
+          <a:bodyPr wrap="none" rtlCol="0">
+            <a:spAutoFit/>
+          </a:bodyPr>
+          <a:lstStyle/>
+          <a:p>
+            <a:r>
+              <a:rPr lang="en-GB" sz="2400" b="1" dirty="0">
+                <a:solidFill>
+                  <a:schemeClr val="bg1"/>
+                </a:solidFill>
+              </a:rPr>
+              <a:t>3/3</a:t>
+            </a:r>
+          </a:p>
+        </p:txBody>
+      </p:sp>
+    </p:spTree>
   </p:cSld>
   <p:clrMapOvr>
     <a:masterClrMapping/>
@@ -6674,31 +7919,13 @@
           </a:p>
           <a:p>
             <a:r>
-              <a:rPr lang="en-GB" sz="6600" b="0" i="0" dirty="0">
+              <a:rPr lang="en-GB" sz="6600" dirty="0">
                 <a:solidFill>
                   <a:srgbClr val="00A3E0"/>
                 </a:solidFill>
-                <a:effectLst/>
                 <a:latin typeface="akagi_probook"/>
               </a:rPr>
-              <a:t>Every Praise</a:t>
-            </a:r>
-          </a:p>
-          <a:p>
-            <a:br>
-              <a:rPr lang="en-GB" sz="1200" dirty="0">
-                <a:solidFill>
-                  <a:schemeClr val="bg1"/>
-                </a:solidFill>
-              </a:rPr>
-            </a:br>
-            <a:r>
-              <a:rPr lang="en-GB" sz="1200" dirty="0">
-                <a:solidFill>
-                  <a:schemeClr val="bg1"/>
-                </a:solidFill>
-              </a:rPr>
-              <a:t>CCLI Song # 6623483</a:t>
+              <a:t>I reach Up High</a:t>
             </a:r>
           </a:p>
           <a:p>
@@ -6715,7 +7942,7 @@
                   <a:schemeClr val="bg1"/>
                 </a:solidFill>
               </a:rPr>
-              <a:t>Hezekiah Walker | John David Bratton</a:t>
+              <a:t>CCLI Song # 1075387</a:t>
             </a:r>
           </a:p>
           <a:p>
@@ -6732,93 +7959,7 @@
                   <a:schemeClr val="bg1"/>
                 </a:solidFill>
               </a:rPr>
-              <a:t>© 2013 </a:t>
-            </a:r>
-            <a:r>
-              <a:rPr lang="en-GB" sz="1200" dirty="0" err="1">
-                <a:solidFill>
-                  <a:schemeClr val="bg1"/>
-                </a:solidFill>
-              </a:rPr>
-              <a:t>Davo</a:t>
-            </a:r>
-            <a:r>
-              <a:rPr lang="en-GB" sz="1200" dirty="0">
-                <a:solidFill>
-                  <a:schemeClr val="bg1"/>
-                </a:solidFill>
-              </a:rPr>
-              <a:t> </a:t>
-            </a:r>
-            <a:r>
-              <a:rPr lang="en-GB" sz="1200" dirty="0" err="1">
-                <a:solidFill>
-                  <a:schemeClr val="bg1"/>
-                </a:solidFill>
-              </a:rPr>
-              <a:t>Pavo</a:t>
-            </a:r>
-            <a:r>
-              <a:rPr lang="en-GB" sz="1200" dirty="0">
-                <a:solidFill>
-                  <a:schemeClr val="bg1"/>
-                </a:solidFill>
-              </a:rPr>
-              <a:t> Music (Admin. by BMG Rights Management GmbH)</a:t>
-            </a:r>
-          </a:p>
-          <a:p>
-            <a:r>
-              <a:rPr lang="en-GB" sz="1200" dirty="0" err="1">
-                <a:solidFill>
-                  <a:schemeClr val="bg1"/>
-                </a:solidFill>
-              </a:rPr>
-              <a:t>Li'l</a:t>
-            </a:r>
-            <a:r>
-              <a:rPr lang="en-GB" sz="1200" dirty="0">
-                <a:solidFill>
-                  <a:schemeClr val="bg1"/>
-                </a:solidFill>
-              </a:rPr>
-              <a:t> Eva Music (Admin. by Capitol CMG Publishing)</a:t>
-            </a:r>
-          </a:p>
-          <a:p>
-            <a:r>
-              <a:rPr lang="en-GB" sz="1200" dirty="0">
-                <a:solidFill>
-                  <a:schemeClr val="bg1"/>
-                </a:solidFill>
-              </a:rPr>
-              <a:t>Luv Ki Publishing (Admin. by Capitol CMG Publishing)</a:t>
-            </a:r>
-          </a:p>
-          <a:p>
-            <a:r>
-              <a:rPr lang="en-GB" sz="1200" dirty="0">
-                <a:solidFill>
-                  <a:schemeClr val="bg1"/>
-                </a:solidFill>
-              </a:rPr>
-              <a:t>For use solely with the </a:t>
-            </a:r>
-            <a:r>
-              <a:rPr lang="en-GB" sz="1200" dirty="0" err="1">
-                <a:solidFill>
-                  <a:schemeClr val="bg1"/>
-                </a:solidFill>
-              </a:rPr>
-              <a:t>SongSelect</a:t>
-            </a:r>
-            <a:r>
-              <a:rPr lang="en-GB" sz="1200" dirty="0">
-                <a:solidFill>
-                  <a:schemeClr val="bg1"/>
-                </a:solidFill>
-              </a:rPr>
-              <a:t>® Terms of Use. All rights reserved. www.ccli.com</a:t>
+              <a:t>Judy Bailey</a:t>
             </a:r>
           </a:p>
           <a:p>
@@ -6835,15 +7976,72 @@
                   <a:schemeClr val="bg1"/>
                 </a:solidFill>
               </a:rPr>
+              <a:t>© 1993 Song Solutions Daybreak (Admin. by Song Solutions www.songsolutions.org)</a:t>
+            </a:r>
+          </a:p>
+          <a:p>
+            <a:r>
+              <a:rPr lang="en-GB" sz="1200" dirty="0">
+                <a:solidFill>
+                  <a:schemeClr val="bg1"/>
+                </a:solidFill>
+              </a:rPr>
+              <a:t>For use solely with the </a:t>
+            </a:r>
+            <a:r>
+              <a:rPr lang="en-GB" sz="1200" dirty="0" err="1">
+                <a:solidFill>
+                  <a:schemeClr val="bg1"/>
+                </a:solidFill>
+              </a:rPr>
+              <a:t>SongSelect</a:t>
+            </a:r>
+            <a:r>
+              <a:rPr lang="en-GB" sz="1200" dirty="0">
+                <a:solidFill>
+                  <a:schemeClr val="bg1"/>
+                </a:solidFill>
+              </a:rPr>
+              <a:t>® Terms of Use. All rights reserved. www.ccli.com</a:t>
+            </a:r>
+          </a:p>
+          <a:p>
+            <a:endParaRPr lang="en-GB" sz="1200" dirty="0">
+              <a:solidFill>
+                <a:schemeClr val="bg1"/>
+              </a:solidFill>
+            </a:endParaRPr>
+          </a:p>
+          <a:p>
+            <a:r>
+              <a:rPr lang="en-GB" sz="1200" dirty="0">
+                <a:solidFill>
+                  <a:schemeClr val="bg1"/>
+                </a:solidFill>
+              </a:rPr>
               <a:t>CCLI Licence No. 33265</a:t>
             </a:r>
+          </a:p>
+          <a:p>
+            <a:endParaRPr lang="en-GB" sz="1200" dirty="0">
+              <a:solidFill>
+                <a:schemeClr val="bg1"/>
+              </a:solidFill>
+            </a:endParaRPr>
+          </a:p>
+          <a:p>
+            <a:endParaRPr lang="en-GB" sz="1200" dirty="0">
+              <a:solidFill>
+                <a:schemeClr val="bg1"/>
+              </a:solidFill>
+            </a:endParaRPr>
           </a:p>
         </p:txBody>
       </p:sp>
     </p:spTree>
     <p:extLst>
       <p:ext uri="{BB962C8B-B14F-4D97-AF65-F5344CB8AC3E}">
-        <p14:creationId xmlns:p14="http://schemas.microsoft.com/office/powerpoint/2010/main" val="2633692750"/>
+        <p14:creationId xmlns:p14="http://schemas.microsoft.com/office/powerpoint/2010/main" val="3101639086"/>
       </p:ext>
     </p:extLst>
   </p:cSld>
@@ -6882,8 +8080,8 @@
         </p:nvSpPr>
         <p:spPr>
           <a:xfrm>
-            <a:off x="179512" y="116632"/>
-            <a:ext cx="8784976" cy="6552728"/>
+            <a:off x="323528" y="188640"/>
+            <a:ext cx="8640960" cy="6480720"/>
           </a:xfrm>
         </p:spPr>
         <p:txBody>
@@ -6893,62 +8091,87 @@
           <a:lstStyle/>
           <a:p>
             <a:r>
-              <a:rPr lang="en-GB" sz="4400" dirty="0">
-                <a:solidFill>
-                  <a:schemeClr val="bg1"/>
-                </a:solidFill>
-              </a:rPr>
-              <a:t>Every praise is to our God</a:t>
-            </a:r>
-          </a:p>
-          <a:p>
-            <a:r>
-              <a:rPr lang="en-GB" sz="4400" dirty="0">
-                <a:solidFill>
-                  <a:schemeClr val="bg1"/>
-                </a:solidFill>
-              </a:rPr>
-              <a:t>Every word of worship with one accord</a:t>
-            </a:r>
-          </a:p>
-          <a:p>
-            <a:r>
-              <a:rPr lang="en-GB" sz="4400" dirty="0">
-                <a:solidFill>
-                  <a:schemeClr val="bg1"/>
-                </a:solidFill>
-              </a:rPr>
-              <a:t>Every praise every praise is to our God</a:t>
-            </a:r>
-          </a:p>
-          <a:p>
-            <a:r>
-              <a:rPr lang="en-GB" sz="4400" dirty="0">
-                <a:solidFill>
-                  <a:schemeClr val="bg1"/>
-                </a:solidFill>
-              </a:rPr>
-              <a:t>Sing hallelujah to our God</a:t>
-            </a:r>
-          </a:p>
-          <a:p>
-            <a:r>
-              <a:rPr lang="en-GB" sz="4400" dirty="0">
-                <a:solidFill>
-                  <a:schemeClr val="bg1"/>
-                </a:solidFill>
-              </a:rPr>
-              <a:t>Glory hallelujah is due our God</a:t>
-            </a:r>
-          </a:p>
-          <a:p>
-            <a:r>
-              <a:rPr lang="en-GB" sz="4400" dirty="0">
-                <a:solidFill>
-                  <a:schemeClr val="bg1"/>
-                </a:solidFill>
-              </a:rPr>
-              <a:t>Every praise every praise is to our God</a:t>
+              <a:rPr lang="en-GB" sz="4600" dirty="0">
+                <a:solidFill>
+                  <a:schemeClr val="bg1"/>
+                </a:solidFill>
+              </a:rPr>
+              <a:t>I reach up high I touch the ground</a:t>
+            </a:r>
+          </a:p>
+          <a:p>
+            <a:r>
+              <a:rPr lang="en-GB" sz="4600" dirty="0">
+                <a:solidFill>
+                  <a:schemeClr val="bg1"/>
+                </a:solidFill>
+              </a:rPr>
+              <a:t>I stomp my feet and turn around</a:t>
+            </a:r>
+          </a:p>
+          <a:p>
+            <a:r>
+              <a:rPr lang="en-GB" sz="4600" dirty="0">
+                <a:solidFill>
+                  <a:schemeClr val="bg1"/>
+                </a:solidFill>
+              </a:rPr>
+              <a:t>I've got to (woo woo) </a:t>
+            </a:r>
+            <a:br>
+              <a:rPr lang="en-GB" sz="4600" dirty="0">
+                <a:solidFill>
+                  <a:schemeClr val="bg1"/>
+                </a:solidFill>
+              </a:rPr>
+            </a:br>
+            <a:r>
+              <a:rPr lang="en-GB" sz="4600" dirty="0">
+                <a:solidFill>
+                  <a:schemeClr val="bg1"/>
+                </a:solidFill>
+              </a:rPr>
+              <a:t>Praise the Lord</a:t>
+            </a:r>
+          </a:p>
+          <a:p>
+            <a:r>
+              <a:rPr lang="en-GB" sz="4600" dirty="0">
+                <a:solidFill>
+                  <a:schemeClr val="bg1"/>
+                </a:solidFill>
+              </a:rPr>
+              <a:t>I jump and dance with all my might</a:t>
+            </a:r>
+          </a:p>
+          <a:p>
+            <a:r>
+              <a:rPr lang="en-GB" sz="4600" dirty="0">
+                <a:solidFill>
+                  <a:schemeClr val="bg1"/>
+                </a:solidFill>
+              </a:rPr>
+              <a:t>I might look funny but that's alright</a:t>
+            </a:r>
+          </a:p>
+          <a:p>
+            <a:r>
+              <a:rPr lang="en-GB" sz="4600" dirty="0">
+                <a:solidFill>
+                  <a:schemeClr val="bg1"/>
+                </a:solidFill>
+              </a:rPr>
+              <a:t>I've got to (woo woo) </a:t>
+            </a:r>
+          </a:p>
+          <a:p>
+            <a:r>
+              <a:rPr lang="en-GB" sz="4600" dirty="0">
+                <a:solidFill>
+                  <a:schemeClr val="bg1"/>
+                </a:solidFill>
+              </a:rPr>
+              <a:t>Praise my Lord</a:t>
             </a:r>
           </a:p>
         </p:txBody>
@@ -6981,7 +8204,7 @@
                   <a:schemeClr val="bg1"/>
                 </a:solidFill>
               </a:rPr>
-              <a:t>1/2</a:t>
+              <a:t>1/3</a:t>
             </a:r>
           </a:p>
         </p:txBody>
@@ -6989,7 +8212,7 @@
     </p:spTree>
     <p:extLst>
       <p:ext uri="{BB962C8B-B14F-4D97-AF65-F5344CB8AC3E}">
-        <p14:creationId xmlns:p14="http://schemas.microsoft.com/office/powerpoint/2010/main" val="1920454028"/>
+        <p14:creationId xmlns:p14="http://schemas.microsoft.com/office/powerpoint/2010/main" val="348632634"/>
       </p:ext>
     </p:extLst>
   </p:cSld>
@@ -7028,8 +8251,8 @@
         </p:nvSpPr>
         <p:spPr>
           <a:xfrm>
-            <a:off x="179512" y="116632"/>
-            <a:ext cx="8784976" cy="6552728"/>
+            <a:off x="323528" y="188640"/>
+            <a:ext cx="8640960" cy="6480720"/>
           </a:xfrm>
         </p:spPr>
         <p:txBody>
@@ -7039,52 +8262,66 @@
           <a:lstStyle/>
           <a:p>
             <a:r>
-              <a:rPr lang="en-GB" sz="4400" dirty="0">
-                <a:solidFill>
-                  <a:schemeClr val="bg1"/>
-                </a:solidFill>
-              </a:rPr>
-              <a:t>God my Saviour</a:t>
-            </a:r>
-          </a:p>
-          <a:p>
-            <a:r>
-              <a:rPr lang="en-GB" sz="4400" dirty="0">
-                <a:solidFill>
-                  <a:schemeClr val="bg1"/>
-                </a:solidFill>
-              </a:rPr>
-              <a:t>God my Healer</a:t>
-            </a:r>
-          </a:p>
-          <a:p>
-            <a:r>
-              <a:rPr lang="en-GB" sz="4400" dirty="0">
-                <a:solidFill>
-                  <a:schemeClr val="bg1"/>
-                </a:solidFill>
-              </a:rPr>
-              <a:t>God my Deliverer</a:t>
-            </a:r>
-          </a:p>
-          <a:p>
-            <a:r>
-              <a:rPr lang="en-GB" sz="4400" dirty="0">
-                <a:solidFill>
-                  <a:schemeClr val="bg1"/>
-                </a:solidFill>
-              </a:rPr>
-              <a:t>Yes He is yes He is</a:t>
-            </a:r>
-          </a:p>
-          <a:p>
-            <a:r>
-              <a:rPr lang="en-GB" sz="4400" dirty="0">
-                <a:solidFill>
-                  <a:schemeClr val="bg1"/>
-                </a:solidFill>
-              </a:rPr>
-              <a:t>(Yes He is yes He is)</a:t>
+              <a:rPr lang="en-GB" sz="4800" dirty="0">
+                <a:solidFill>
+                  <a:schemeClr val="bg1"/>
+                </a:solidFill>
+              </a:rPr>
+              <a:t>I'll do anything just for my God</a:t>
+            </a:r>
+          </a:p>
+          <a:p>
+            <a:r>
+              <a:rPr lang="en-GB" sz="4800" dirty="0" err="1">
+                <a:solidFill>
+                  <a:schemeClr val="bg1"/>
+                </a:solidFill>
+              </a:rPr>
+              <a:t>'Cause</a:t>
+            </a:r>
+            <a:r>
+              <a:rPr lang="en-GB" sz="4800" dirty="0">
+                <a:solidFill>
+                  <a:schemeClr val="bg1"/>
+                </a:solidFill>
+              </a:rPr>
+              <a:t> He's done </a:t>
+            </a:r>
+            <a:r>
+              <a:rPr lang="en-GB" sz="4800" dirty="0" err="1">
+                <a:solidFill>
+                  <a:schemeClr val="bg1"/>
+                </a:solidFill>
+              </a:rPr>
+              <a:t>ev'rything</a:t>
+            </a:r>
+            <a:r>
+              <a:rPr lang="en-GB" sz="4800" dirty="0">
+                <a:solidFill>
+                  <a:schemeClr val="bg1"/>
+                </a:solidFill>
+              </a:rPr>
+              <a:t> for me</a:t>
+            </a:r>
+          </a:p>
+          <a:p>
+            <a:r>
+              <a:rPr lang="en-GB" sz="4800" dirty="0">
+                <a:solidFill>
+                  <a:schemeClr val="bg1"/>
+                </a:solidFill>
+              </a:rPr>
+              <a:t>It doesn't matter who is looking on</a:t>
+            </a:r>
+          </a:p>
+          <a:p>
+            <a:r>
+              <a:rPr lang="en-GB" sz="4800" dirty="0">
+                <a:solidFill>
+                  <a:schemeClr val="bg1"/>
+                </a:solidFill>
+              </a:rPr>
+              <a:t>Jesus is the person that I want to please</a:t>
             </a:r>
           </a:p>
         </p:txBody>
@@ -7117,7 +8354,7 @@
                   <a:schemeClr val="bg1"/>
                 </a:solidFill>
               </a:rPr>
-              <a:t>2/2</a:t>
+              <a:t>2/3</a:t>
             </a:r>
           </a:p>
         </p:txBody>
@@ -7125,7 +8362,7 @@
     </p:spTree>
     <p:extLst>
       <p:ext uri="{BB962C8B-B14F-4D97-AF65-F5344CB8AC3E}">
-        <p14:creationId xmlns:p14="http://schemas.microsoft.com/office/powerpoint/2010/main" val="2945985813"/>
+        <p14:creationId xmlns:p14="http://schemas.microsoft.com/office/powerpoint/2010/main" val="424017956"/>
       </p:ext>
     </p:extLst>
   </p:cSld>
@@ -7174,80 +8411,108 @@
           </a:bodyPr>
           <a:lstStyle/>
           <a:p>
-            <a:endParaRPr lang="en-GB" sz="9600" dirty="0"/>
-          </a:p>
-          <a:p>
-            <a:r>
-              <a:rPr lang="en-GB" sz="9600" dirty="0">
-                <a:solidFill>
-                  <a:schemeClr val="bg1"/>
-                </a:solidFill>
-              </a:rPr>
-              <a:t>Your Love Never Fails</a:t>
-            </a:r>
-          </a:p>
-          <a:p>
-            <a:r>
-              <a:rPr lang="en-GB" sz="1200" dirty="0"/>
-              <a:t>CCLI Song # 5337172</a:t>
-            </a:r>
-          </a:p>
-          <a:p>
-            <a:endParaRPr lang="en-GB" sz="1200" dirty="0"/>
-          </a:p>
-          <a:p>
-            <a:r>
-              <a:rPr lang="en-GB" sz="1200" dirty="0"/>
-              <a:t>Anthony Skinner | Chris </a:t>
-            </a:r>
-            <a:r>
-              <a:rPr lang="en-GB" sz="1200" dirty="0" err="1"/>
-              <a:t>McClarney</a:t>
-            </a:r>
-            <a:endParaRPr lang="en-GB" sz="1200" dirty="0"/>
-          </a:p>
-          <a:p>
-            <a:endParaRPr lang="en-GB" sz="1200" dirty="0"/>
-          </a:p>
-          <a:p>
-            <a:r>
-              <a:rPr lang="en-GB" sz="1200" dirty="0"/>
-              <a:t>© 2008 Integrity's Alleluia! Music (Admin. by Integrity Music Ltd)</a:t>
-            </a:r>
-          </a:p>
-          <a:p>
-            <a:r>
-              <a:rPr lang="en-GB" sz="1200" dirty="0"/>
-              <a:t>Out Of The Cave Music (Admin. by Integrity Music Ltd)</a:t>
-            </a:r>
-          </a:p>
-          <a:p>
-            <a:r>
-              <a:rPr lang="en-GB" sz="1200" dirty="0"/>
-              <a:t>Thankyou Music (Admin. by Integrity Music Ltd)</a:t>
-            </a:r>
-          </a:p>
-          <a:p>
-            <a:r>
-              <a:rPr lang="en-GB" sz="1200" dirty="0"/>
-              <a:t>For use solely with the </a:t>
-            </a:r>
-            <a:r>
-              <a:rPr lang="en-GB" sz="1200" dirty="0" err="1"/>
-              <a:t>SongSelect</a:t>
-            </a:r>
-            <a:r>
-              <a:rPr lang="en-GB" sz="1200" dirty="0"/>
-              <a:t>® Terms of Use. All rights reserved. www.ccli.com</a:t>
-            </a:r>
-          </a:p>
-          <a:p>
-            <a:endParaRPr lang="en-GB" sz="1200" dirty="0"/>
-          </a:p>
-          <a:p>
-            <a:r>
-              <a:rPr lang="en-GB" sz="1200" dirty="0"/>
-              <a:t>CCLI Licence No. 33265</a:t>
+            <a:r>
+              <a:rPr lang="en-GB" sz="4800" dirty="0">
+                <a:solidFill>
+                  <a:schemeClr val="bg1"/>
+                </a:solidFill>
+              </a:rPr>
+              <a:t>May my whole life be a song of praise</a:t>
+            </a:r>
+          </a:p>
+          <a:p>
+            <a:r>
+              <a:rPr lang="en-GB" sz="4800" dirty="0">
+                <a:solidFill>
+                  <a:schemeClr val="bg1"/>
+                </a:solidFill>
+              </a:rPr>
+              <a:t>To worship God in </a:t>
+            </a:r>
+            <a:r>
+              <a:rPr lang="en-GB" sz="4800" dirty="0" err="1">
+                <a:solidFill>
+                  <a:schemeClr val="bg1"/>
+                </a:solidFill>
+              </a:rPr>
+              <a:t>ev'ry</a:t>
+            </a:r>
+            <a:r>
+              <a:rPr lang="en-GB" sz="4800" dirty="0">
+                <a:solidFill>
+                  <a:schemeClr val="bg1"/>
+                </a:solidFill>
+              </a:rPr>
+              <a:t> way</a:t>
+            </a:r>
+          </a:p>
+          <a:p>
+            <a:r>
+              <a:rPr lang="en-GB" sz="4800" dirty="0">
+                <a:solidFill>
+                  <a:schemeClr val="bg1"/>
+                </a:solidFill>
+              </a:rPr>
+              <a:t>In this song the actions praise His name</a:t>
+            </a:r>
+          </a:p>
+          <a:p>
+            <a:r>
+              <a:rPr lang="en-GB" sz="4800" dirty="0">
+                <a:solidFill>
+                  <a:schemeClr val="bg1"/>
+                </a:solidFill>
+              </a:rPr>
+              <a:t>I want my actions </a:t>
+            </a:r>
+            <a:r>
+              <a:rPr lang="en-GB" sz="4800" dirty="0" err="1">
+                <a:solidFill>
+                  <a:schemeClr val="bg1"/>
+                </a:solidFill>
+              </a:rPr>
+              <a:t>ev'ry</a:t>
+            </a:r>
+            <a:r>
+              <a:rPr lang="en-GB" sz="4800" dirty="0">
+                <a:solidFill>
+                  <a:schemeClr val="bg1"/>
+                </a:solidFill>
+              </a:rPr>
+              <a:t> day to do the same</a:t>
+            </a:r>
+          </a:p>
+        </p:txBody>
+      </p:sp>
+      <p:sp>
+        <p:nvSpPr>
+          <p:cNvPr id="4" name="TextBox 3"/>
+          <p:cNvSpPr txBox="1"/>
+          <p:nvPr/>
+        </p:nvSpPr>
+        <p:spPr>
+          <a:xfrm>
+            <a:off x="8529729" y="0"/>
+            <a:ext cx="628698" cy="461665"/>
+          </a:xfrm>
+          <a:prstGeom prst="rect">
+            <a:avLst/>
+          </a:prstGeom>
+          <a:noFill/>
+        </p:spPr>
+        <p:txBody>
+          <a:bodyPr wrap="none" rtlCol="0">
+            <a:spAutoFit/>
+          </a:bodyPr>
+          <a:lstStyle/>
+          <a:p>
+            <a:r>
+              <a:rPr lang="en-GB" sz="2400" b="1" dirty="0">
+                <a:solidFill>
+                  <a:schemeClr val="bg1"/>
+                </a:solidFill>
+              </a:rPr>
+              <a:t>3/3</a:t>
             </a:r>
           </a:p>
         </p:txBody>
@@ -7255,7 +8520,7 @@
     </p:spTree>
     <p:extLst>
       <p:ext uri="{BB962C8B-B14F-4D97-AF65-F5344CB8AC3E}">
-        <p14:creationId xmlns:p14="http://schemas.microsoft.com/office/powerpoint/2010/main" val="2533024977"/>
+        <p14:creationId xmlns:p14="http://schemas.microsoft.com/office/powerpoint/2010/main" val="1242897186"/>
       </p:ext>
     </p:extLst>
   </p:cSld>
@@ -7304,63 +8569,7 @@
           </a:bodyPr>
           <a:lstStyle/>
           <a:p>
-            <a:r>
-              <a:rPr lang="en-GB" sz="4900" dirty="0">
-                <a:solidFill>
-                  <a:schemeClr val="bg1"/>
-                </a:solidFill>
-              </a:rPr>
-              <a:t>Nothing can separate</a:t>
-            </a:r>
-          </a:p>
-          <a:p>
-            <a:r>
-              <a:rPr lang="en-GB" sz="4900" dirty="0">
-                <a:solidFill>
-                  <a:schemeClr val="bg1"/>
-                </a:solidFill>
-              </a:rPr>
-              <a:t>Even if I ran away</a:t>
-            </a:r>
-          </a:p>
-          <a:p>
-            <a:r>
-              <a:rPr lang="en-GB" sz="4900" dirty="0">
-                <a:solidFill>
-                  <a:schemeClr val="bg1"/>
-                </a:solidFill>
-              </a:rPr>
-              <a:t>Your love never fails</a:t>
-            </a:r>
-          </a:p>
-          <a:p>
-            <a:r>
-              <a:rPr lang="en-GB" sz="4900" dirty="0">
-                <a:solidFill>
-                  <a:schemeClr val="bg1"/>
-                </a:solidFill>
-              </a:rPr>
-              <a:t>I know I still make mistakes but</a:t>
-            </a:r>
-          </a:p>
-          <a:p>
-            <a:r>
-              <a:rPr lang="en-GB" sz="4900" dirty="0">
-                <a:solidFill>
-                  <a:schemeClr val="bg1"/>
-                </a:solidFill>
-              </a:rPr>
-              <a:t>You have new mercies for me </a:t>
-            </a:r>
-            <a:r>
-              <a:rPr lang="en-GB" sz="4900" dirty="0" err="1">
-                <a:solidFill>
-                  <a:schemeClr val="bg1"/>
-                </a:solidFill>
-              </a:rPr>
-              <a:t>ev'ryday</a:t>
-            </a:r>
-            <a:endParaRPr lang="en-GB" sz="4900" dirty="0">
+            <a:endParaRPr lang="en-GB" sz="5400" dirty="0">
               <a:solidFill>
                 <a:schemeClr val="bg1"/>
               </a:solidFill>
@@ -7368,45 +8577,168 @@
           </a:p>
           <a:p>
             <a:r>
-              <a:rPr lang="en-GB" sz="4900" dirty="0">
-                <a:solidFill>
-                  <a:schemeClr val="bg1"/>
-                </a:solidFill>
-              </a:rPr>
-              <a:t>Your love never fails</a:t>
-            </a:r>
-          </a:p>
-        </p:txBody>
-      </p:sp>
-      <p:sp>
-        <p:nvSpPr>
-          <p:cNvPr id="4" name="TextBox 3"/>
-          <p:cNvSpPr txBox="1"/>
-          <p:nvPr/>
-        </p:nvSpPr>
-        <p:spPr>
-          <a:xfrm>
-            <a:off x="8529729" y="0"/>
-            <a:ext cx="628698" cy="461665"/>
-          </a:xfrm>
-          <a:prstGeom prst="rect">
-            <a:avLst/>
-          </a:prstGeom>
-          <a:noFill/>
-        </p:spPr>
-        <p:txBody>
-          <a:bodyPr wrap="none" rtlCol="0">
-            <a:spAutoFit/>
-          </a:bodyPr>
-          <a:lstStyle/>
-          <a:p>
-            <a:r>
-              <a:rPr lang="en-GB" sz="2400" b="1" dirty="0">
-                <a:solidFill>
-                  <a:schemeClr val="bg1"/>
-                </a:solidFill>
-              </a:rPr>
-              <a:t>1/4</a:t>
+              <a:rPr lang="en-GB" sz="6600" b="0" i="0" dirty="0">
+                <a:solidFill>
+                  <a:srgbClr val="00A3E0"/>
+                </a:solidFill>
+                <a:effectLst/>
+                <a:latin typeface="akagi_probook"/>
+              </a:rPr>
+              <a:t>Every Praise</a:t>
+            </a:r>
+          </a:p>
+          <a:p>
+            <a:br>
+              <a:rPr lang="en-GB" sz="1200" dirty="0">
+                <a:solidFill>
+                  <a:schemeClr val="bg1"/>
+                </a:solidFill>
+              </a:rPr>
+            </a:br>
+            <a:r>
+              <a:rPr lang="en-GB" sz="1200" dirty="0">
+                <a:solidFill>
+                  <a:schemeClr val="bg1"/>
+                </a:solidFill>
+              </a:rPr>
+              <a:t>CCLI Song # 6623483</a:t>
+            </a:r>
+          </a:p>
+          <a:p>
+            <a:endParaRPr lang="en-GB" sz="1200" dirty="0">
+              <a:solidFill>
+                <a:schemeClr val="bg1"/>
+              </a:solidFill>
+            </a:endParaRPr>
+          </a:p>
+          <a:p>
+            <a:r>
+              <a:rPr lang="en-GB" sz="1200" dirty="0">
+                <a:solidFill>
+                  <a:schemeClr val="bg1"/>
+                </a:solidFill>
+              </a:rPr>
+              <a:t>Hezekiah Walker | John David Bratton</a:t>
+            </a:r>
+          </a:p>
+          <a:p>
+            <a:endParaRPr lang="en-GB" sz="1200" dirty="0">
+              <a:solidFill>
+                <a:schemeClr val="bg1"/>
+              </a:solidFill>
+            </a:endParaRPr>
+          </a:p>
+          <a:p>
+            <a:r>
+              <a:rPr lang="en-GB" sz="1200" dirty="0">
+                <a:solidFill>
+                  <a:schemeClr val="bg1"/>
+                </a:solidFill>
+              </a:rPr>
+              <a:t>© 2013 </a:t>
+            </a:r>
+            <a:r>
+              <a:rPr lang="en-GB" sz="1200" dirty="0" err="1">
+                <a:solidFill>
+                  <a:schemeClr val="bg1"/>
+                </a:solidFill>
+              </a:rPr>
+              <a:t>Davo</a:t>
+            </a:r>
+            <a:r>
+              <a:rPr lang="en-GB" sz="1200" dirty="0">
+                <a:solidFill>
+                  <a:schemeClr val="bg1"/>
+                </a:solidFill>
+              </a:rPr>
+              <a:t> </a:t>
+            </a:r>
+            <a:r>
+              <a:rPr lang="en-GB" sz="1200" dirty="0" err="1">
+                <a:solidFill>
+                  <a:schemeClr val="bg1"/>
+                </a:solidFill>
+              </a:rPr>
+              <a:t>Pavo</a:t>
+            </a:r>
+            <a:r>
+              <a:rPr lang="en-GB" sz="1200" dirty="0">
+                <a:solidFill>
+                  <a:schemeClr val="bg1"/>
+                </a:solidFill>
+              </a:rPr>
+              <a:t> Music (Admin. by BMG Rights Management GmbH)</a:t>
+            </a:r>
+          </a:p>
+          <a:p>
+            <a:r>
+              <a:rPr lang="en-GB" sz="1200" dirty="0" err="1">
+                <a:solidFill>
+                  <a:schemeClr val="bg1"/>
+                </a:solidFill>
+              </a:rPr>
+              <a:t>Li'l</a:t>
+            </a:r>
+            <a:r>
+              <a:rPr lang="en-GB" sz="1200" dirty="0">
+                <a:solidFill>
+                  <a:schemeClr val="bg1"/>
+                </a:solidFill>
+              </a:rPr>
+              <a:t> Eva Music (Admin. by Capitol CMG Publishing)</a:t>
+            </a:r>
+          </a:p>
+          <a:p>
+            <a:r>
+              <a:rPr lang="en-GB" sz="1200" dirty="0">
+                <a:solidFill>
+                  <a:schemeClr val="bg1"/>
+                </a:solidFill>
+              </a:rPr>
+              <a:t>Luv Ki Publishing (Admin. by Capitol CMG Publishing)</a:t>
+            </a:r>
+          </a:p>
+          <a:p>
+            <a:r>
+              <a:rPr lang="en-GB" sz="1200" dirty="0">
+                <a:solidFill>
+                  <a:schemeClr val="bg1"/>
+                </a:solidFill>
+              </a:rPr>
+              <a:t>For use solely with the </a:t>
+            </a:r>
+            <a:r>
+              <a:rPr lang="en-GB" sz="1200" dirty="0" err="1">
+                <a:solidFill>
+                  <a:schemeClr val="bg1"/>
+                </a:solidFill>
+              </a:rPr>
+              <a:t>SongSelect</a:t>
+            </a:r>
+            <a:r>
+              <a:rPr lang="en-GB" sz="1200" dirty="0">
+                <a:solidFill>
+                  <a:schemeClr val="bg1"/>
+                </a:solidFill>
+              </a:rPr>
+              <a:t>® Terms of Use. All rights reserved. www.ccli.com</a:t>
+            </a:r>
+          </a:p>
+          <a:p>
+            <a:endParaRPr lang="en-GB" sz="1200" dirty="0">
+              <a:solidFill>
+                <a:schemeClr val="bg1"/>
+              </a:solidFill>
+            </a:endParaRPr>
+          </a:p>
+          <a:p>
+            <a:r>
+              <a:rPr lang="en-GB" sz="1200" dirty="0">
+                <a:solidFill>
+                  <a:schemeClr val="bg1"/>
+                </a:solidFill>
+              </a:rPr>
+              <a:t>CCLI Licence No. 33265</a:t>
             </a:r>
           </a:p>
         </p:txBody>
@@ -7414,7 +8746,7 @@
     </p:spTree>
     <p:extLst>
       <p:ext uri="{BB962C8B-B14F-4D97-AF65-F5344CB8AC3E}">
-        <p14:creationId xmlns:p14="http://schemas.microsoft.com/office/powerpoint/2010/main" val="1913697752"/>
+        <p14:creationId xmlns:p14="http://schemas.microsoft.com/office/powerpoint/2010/main" val="2633692750"/>
       </p:ext>
     </p:extLst>
   </p:cSld>

--- a/docs/songs_5-12-2021.pptx
+++ b/docs/songs_5-12-2021.pptx
@@ -5,7 +5,7 @@
     <p:sldMasterId id="2147483648" r:id="rId1"/>
   </p:sldMasterIdLst>
   <p:notesMasterIdLst>
-    <p:notesMasterId r:id="rId44"/>
+    <p:notesMasterId r:id="rId49"/>
   </p:notesMasterIdLst>
   <p:sldIdLst>
     <p:sldId id="459" r:id="rId2"/>
@@ -46,10 +46,15 @@
     <p:sldId id="514" r:id="rId37"/>
     <p:sldId id="501" r:id="rId38"/>
     <p:sldId id="525" r:id="rId39"/>
-    <p:sldId id="518" r:id="rId40"/>
-    <p:sldId id="519" r:id="rId41"/>
-    <p:sldId id="520" r:id="rId42"/>
-    <p:sldId id="521" r:id="rId43"/>
+    <p:sldId id="476" r:id="rId40"/>
+    <p:sldId id="422" r:id="rId41"/>
+    <p:sldId id="388" r:id="rId42"/>
+    <p:sldId id="389" r:id="rId43"/>
+    <p:sldId id="390" r:id="rId44"/>
+    <p:sldId id="518" r:id="rId45"/>
+    <p:sldId id="519" r:id="rId46"/>
+    <p:sldId id="520" r:id="rId47"/>
+    <p:sldId id="521" r:id="rId48"/>
   </p:sldIdLst>
   <p:sldSz cx="9144000" cy="6858000" type="screen4x3"/>
   <p:notesSz cx="6858000" cy="9144000"/>
@@ -16929,10 +16934,8 @@
                   <a:schemeClr val="bg1"/>
                 </a:solidFill>
               </a:rPr>
-              <a:t>You Are Good</a:t>
-            </a:r>
-          </a:p>
-          <a:p>
+              <a:t>Way Maker</a:t>
+            </a:r>
             <a:br>
               <a:rPr lang="en-GB" sz="9600" dirty="0">
                 <a:solidFill>
@@ -16940,27 +16943,53 @@
                 </a:solidFill>
               </a:rPr>
             </a:br>
+            <a:br>
+              <a:rPr lang="en-GB" sz="9600" dirty="0">
+                <a:solidFill>
+                  <a:schemeClr val="bg1"/>
+                </a:solidFill>
+              </a:rPr>
+            </a:br>
             <a:r>
               <a:rPr lang="en-GB" sz="1200" dirty="0"/>
-              <a:t> CCLI Song # 3383788</a:t>
-            </a:r>
-          </a:p>
-          <a:p>
+              <a:t>CCLI Song # 7115744</a:t>
+            </a:r>
+          </a:p>
+          <a:p>
+            <a:r>
+              <a:rPr lang="en-GB" sz="1200" dirty="0" err="1"/>
+              <a:t>Osinachi</a:t>
+            </a:r>
             <a:r>
               <a:rPr lang="en-GB" sz="1200" dirty="0"/>
-              <a:t>Israel Houghton</a:t>
-            </a:r>
-          </a:p>
-          <a:p>
+              <a:t> </a:t>
+            </a:r>
+            <a:r>
+              <a:rPr lang="en-GB" sz="1200" dirty="0" err="1"/>
+              <a:t>Kalu</a:t>
+            </a:r>
             <a:r>
               <a:rPr lang="en-GB" sz="1200" dirty="0"/>
-              <a:t>© 2001 Integrity's Praise! Music (Admin. by Integrity Music)</a:t>
-            </a:r>
-          </a:p>
-          <a:p>
+              <a:t> </a:t>
+            </a:r>
+            <a:r>
+              <a:rPr lang="en-GB" sz="1200" dirty="0" err="1"/>
+              <a:t>Okoro</a:t>
+            </a:r>
             <a:r>
               <a:rPr lang="en-GB" sz="1200" dirty="0"/>
-              <a:t>Sound Of The New Breed (Admin. by Integrity Music)</a:t>
+              <a:t> </a:t>
+            </a:r>
+            <a:r>
+              <a:rPr lang="en-GB" sz="1200" dirty="0" err="1"/>
+              <a:t>Egbu</a:t>
+            </a:r>
+            <a:endParaRPr lang="en-GB" sz="1200" dirty="0"/>
+          </a:p>
+          <a:p>
+            <a:r>
+              <a:rPr lang="en-GB" sz="1200" dirty="0"/>
+              <a:t>© 2016 Integrity Music Europe (Admin. by Integrity Music)</a:t>
             </a:r>
           </a:p>
           <a:p>
@@ -16999,10 +17028,22 @@
               <a:rPr lang="en-GB" sz="1200" dirty="0"/>
               <a:t>CCLI Licence No. 33265</a:t>
             </a:r>
+          </a:p>
+          <a:p>
+            <a:endParaRPr lang="en-GB" sz="1200" dirty="0">
+              <a:solidFill>
+                <a:schemeClr val="bg1"/>
+              </a:solidFill>
+            </a:endParaRPr>
           </a:p>
         </p:txBody>
       </p:sp>
     </p:spTree>
+    <p:extLst>
+      <p:ext uri="{BB962C8B-B14F-4D97-AF65-F5344CB8AC3E}">
+        <p14:creationId xmlns:p14="http://schemas.microsoft.com/office/powerpoint/2010/main" val="3302993189"/>
+      </p:ext>
+    </p:extLst>
   </p:cSld>
   <p:clrMapOvr>
     <a:masterClrMapping/>
@@ -17186,119 +17227,82 @@
           <a:lstStyle/>
           <a:p>
             <a:r>
-              <a:rPr lang="en-GB" sz="4900" dirty="0">
-                <a:solidFill>
-                  <a:schemeClr val="bg1"/>
-                </a:solidFill>
-              </a:rPr>
-              <a:t>Lord You are good</a:t>
+              <a:rPr lang="en-GB" sz="4800" dirty="0">
+                <a:solidFill>
+                  <a:schemeClr val="bg1"/>
+                </a:solidFill>
+              </a:rPr>
+              <a:t>You are here moving in our midst</a:t>
             </a:r>
             <a:br>
-              <a:rPr lang="en-GB" sz="4900" dirty="0">
+              <a:rPr lang="en-GB" sz="4800" dirty="0">
                 <a:solidFill>
                   <a:schemeClr val="bg1"/>
                 </a:solidFill>
               </a:rPr>
             </a:br>
             <a:r>
-              <a:rPr lang="en-GB" sz="4900" dirty="0">
-                <a:solidFill>
-                  <a:schemeClr val="bg1"/>
-                </a:solidFill>
-              </a:rPr>
-              <a:t>And Your mercy </a:t>
-            </a:r>
-            <a:r>
-              <a:rPr lang="en-GB" sz="4900" dirty="0" err="1">
-                <a:solidFill>
-                  <a:schemeClr val="bg1"/>
-                </a:solidFill>
-              </a:rPr>
-              <a:t>endureth</a:t>
-            </a:r>
-            <a:r>
-              <a:rPr lang="en-GB" sz="4900" dirty="0">
-                <a:solidFill>
-                  <a:schemeClr val="bg1"/>
-                </a:solidFill>
-              </a:rPr>
-              <a:t> forever</a:t>
+              <a:rPr lang="en-GB" sz="4800" dirty="0">
+                <a:solidFill>
+                  <a:schemeClr val="bg1"/>
+                </a:solidFill>
+              </a:rPr>
+              <a:t>I worship You I worship You</a:t>
             </a:r>
             <a:br>
-              <a:rPr lang="en-GB" sz="4900" dirty="0">
+              <a:rPr lang="en-GB" sz="4800" dirty="0">
                 <a:solidFill>
                   <a:schemeClr val="bg1"/>
                 </a:solidFill>
               </a:rPr>
             </a:br>
             <a:r>
-              <a:rPr lang="en-GB" sz="4900" dirty="0">
-                <a:solidFill>
-                  <a:schemeClr val="bg1"/>
-                </a:solidFill>
-              </a:rPr>
-              <a:t>Lord You are good</a:t>
+              <a:rPr lang="en-GB" sz="4800" dirty="0">
+                <a:solidFill>
+                  <a:schemeClr val="bg1"/>
+                </a:solidFill>
+              </a:rPr>
+              <a:t>You are here working in this place</a:t>
             </a:r>
             <a:br>
-              <a:rPr lang="en-GB" sz="4900" dirty="0">
+              <a:rPr lang="en-GB" sz="4800" dirty="0">
                 <a:solidFill>
                   <a:schemeClr val="bg1"/>
                 </a:solidFill>
               </a:rPr>
             </a:br>
             <a:r>
-              <a:rPr lang="en-GB" sz="4900" dirty="0">
-                <a:solidFill>
-                  <a:schemeClr val="bg1"/>
-                </a:solidFill>
-              </a:rPr>
-              <a:t>And Your mercy </a:t>
-            </a:r>
-            <a:r>
-              <a:rPr lang="en-GB" sz="4900" dirty="0" err="1">
-                <a:solidFill>
-                  <a:schemeClr val="bg1"/>
-                </a:solidFill>
-              </a:rPr>
-              <a:t>endureth</a:t>
-            </a:r>
-            <a:r>
-              <a:rPr lang="en-GB" sz="4900" dirty="0">
-                <a:solidFill>
-                  <a:schemeClr val="bg1"/>
-                </a:solidFill>
-              </a:rPr>
-              <a:t> forever</a:t>
+              <a:rPr lang="en-GB" sz="4800" dirty="0">
+                <a:solidFill>
+                  <a:schemeClr val="bg1"/>
+                </a:solidFill>
+              </a:rPr>
+              <a:t>I worship You I worship You</a:t>
+            </a:r>
+          </a:p>
+          <a:p>
+            <a:r>
+              <a:rPr lang="en-GB" sz="4800" dirty="0">
+                <a:solidFill>
+                  <a:schemeClr val="bg1"/>
+                </a:solidFill>
+              </a:rPr>
+              <a:t>(You are) Way Maker Miracle Worker Promise Keeper</a:t>
             </a:r>
             <a:br>
-              <a:rPr lang="en-GB" sz="4900" dirty="0">
+              <a:rPr lang="en-GB" sz="4800" dirty="0">
                 <a:solidFill>
                   <a:schemeClr val="bg1"/>
                 </a:solidFill>
               </a:rPr>
             </a:br>
             <a:r>
-              <a:rPr lang="en-GB" sz="4900" dirty="0">
-                <a:solidFill>
-                  <a:schemeClr val="bg1"/>
-                </a:solidFill>
-              </a:rPr>
-              <a:t>People from every nation and tongue</a:t>
-            </a:r>
-            <a:br>
-              <a:rPr lang="en-GB" sz="4900" dirty="0">
-                <a:solidFill>
-                  <a:schemeClr val="bg1"/>
-                </a:solidFill>
-              </a:rPr>
-            </a:br>
-            <a:r>
-              <a:rPr lang="en-GB" sz="4900" dirty="0">
-                <a:solidFill>
-                  <a:schemeClr val="bg1"/>
-                </a:solidFill>
-              </a:rPr>
-              <a:t>From generation to generation</a:t>
+              <a:rPr lang="en-GB" sz="4800" dirty="0">
+                <a:solidFill>
+                  <a:schemeClr val="bg1"/>
+                </a:solidFill>
+              </a:rPr>
+              <a:t>Light in the darkness my God that is who You are</a:t>
             </a:r>
           </a:p>
         </p:txBody>
@@ -17331,7 +17335,7 @@
                   <a:schemeClr val="bg1"/>
                 </a:solidFill>
               </a:rPr>
-              <a:t>1/3</a:t>
+              <a:t>1/4</a:t>
             </a:r>
           </a:p>
         </p:txBody>
@@ -17384,118 +17388,114 @@
           <a:lstStyle/>
           <a:p>
             <a:r>
-              <a:rPr lang="en-GB" sz="5000" dirty="0">
-                <a:solidFill>
-                  <a:schemeClr val="bg1"/>
-                </a:solidFill>
-              </a:rPr>
-              <a:t>We worship You</a:t>
+              <a:rPr lang="en-GB" sz="4800" dirty="0">
+                <a:solidFill>
+                  <a:schemeClr val="bg1"/>
+                </a:solidFill>
+              </a:rPr>
+              <a:t>You are here touching </a:t>
+            </a:r>
+            <a:r>
+              <a:rPr lang="en-GB" sz="4800" dirty="0" err="1">
+                <a:solidFill>
+                  <a:schemeClr val="bg1"/>
+                </a:solidFill>
+              </a:rPr>
+              <a:t>ev'ry</a:t>
+            </a:r>
+            <a:r>
+              <a:rPr lang="en-GB" sz="4800" dirty="0">
+                <a:solidFill>
+                  <a:schemeClr val="bg1"/>
+                </a:solidFill>
+              </a:rPr>
+              <a:t> heart</a:t>
             </a:r>
             <a:br>
-              <a:rPr lang="en-GB" sz="5000" dirty="0">
+              <a:rPr lang="en-GB" sz="4800" dirty="0">
                 <a:solidFill>
                   <a:schemeClr val="bg1"/>
                 </a:solidFill>
               </a:rPr>
             </a:br>
             <a:r>
-              <a:rPr lang="en-GB" sz="5000" dirty="0">
-                <a:solidFill>
-                  <a:schemeClr val="bg1"/>
-                </a:solidFill>
-              </a:rPr>
-              <a:t>Hallelujah </a:t>
-            </a:r>
-            <a:r>
-              <a:rPr lang="en-GB" sz="5000" dirty="0" err="1">
-                <a:solidFill>
-                  <a:schemeClr val="bg1"/>
-                </a:solidFill>
-              </a:rPr>
-              <a:t>hallelujah</a:t>
+              <a:rPr lang="en-GB" sz="4800" dirty="0">
+                <a:solidFill>
+                  <a:schemeClr val="bg1"/>
+                </a:solidFill>
+              </a:rPr>
+              <a:t>I worship You I worship You</a:t>
             </a:r>
             <a:br>
-              <a:rPr lang="en-GB" sz="5000" dirty="0">
+              <a:rPr lang="en-GB" sz="4800" dirty="0">
                 <a:solidFill>
                   <a:schemeClr val="bg1"/>
                 </a:solidFill>
               </a:rPr>
             </a:br>
             <a:r>
-              <a:rPr lang="en-GB" sz="5000" dirty="0">
-                <a:solidFill>
-                  <a:schemeClr val="bg1"/>
-                </a:solidFill>
-              </a:rPr>
-              <a:t>We worship You for who You are</a:t>
+              <a:rPr lang="en-GB" sz="4800" dirty="0">
+                <a:solidFill>
+                  <a:schemeClr val="bg1"/>
+                </a:solidFill>
+              </a:rPr>
+              <a:t>You are here healing </a:t>
+            </a:r>
+            <a:r>
+              <a:rPr lang="en-GB" sz="4800" dirty="0" err="1">
+                <a:solidFill>
+                  <a:schemeClr val="bg1"/>
+                </a:solidFill>
+              </a:rPr>
+              <a:t>ev'ry</a:t>
+            </a:r>
+            <a:r>
+              <a:rPr lang="en-GB" sz="4800" dirty="0">
+                <a:solidFill>
+                  <a:schemeClr val="bg1"/>
+                </a:solidFill>
+              </a:rPr>
+              <a:t> heart</a:t>
             </a:r>
             <a:br>
-              <a:rPr lang="en-GB" sz="5000" dirty="0">
+              <a:rPr lang="en-GB" sz="4800" dirty="0">
                 <a:solidFill>
                   <a:schemeClr val="bg1"/>
                 </a:solidFill>
               </a:rPr>
             </a:br>
             <a:r>
-              <a:rPr lang="en-GB" sz="5000" dirty="0">
-                <a:solidFill>
-                  <a:schemeClr val="bg1"/>
-                </a:solidFill>
-              </a:rPr>
-              <a:t>We worship You</a:t>
+              <a:rPr lang="en-GB" sz="4800" dirty="0">
+                <a:solidFill>
+                  <a:schemeClr val="bg1"/>
+                </a:solidFill>
+              </a:rPr>
+              <a:t>I worship You I worship You</a:t>
+            </a:r>
+          </a:p>
+          <a:p>
+            <a:r>
+              <a:rPr lang="en-GB" sz="4800" dirty="0">
+                <a:solidFill>
+                  <a:schemeClr val="bg1"/>
+                </a:solidFill>
+              </a:rPr>
+              <a:t>(You are) Way Maker Miracle Worker Promise Keeper</a:t>
             </a:r>
             <a:br>
-              <a:rPr lang="en-GB" sz="5000" dirty="0">
+              <a:rPr lang="en-GB" sz="4800" dirty="0">
                 <a:solidFill>
                   <a:schemeClr val="bg1"/>
                 </a:solidFill>
               </a:rPr>
             </a:br>
             <a:r>
-              <a:rPr lang="en-GB" sz="5000" dirty="0">
-                <a:solidFill>
-                  <a:schemeClr val="bg1"/>
-                </a:solidFill>
-              </a:rPr>
-              <a:t>Hallelujah </a:t>
-            </a:r>
-            <a:r>
-              <a:rPr lang="en-GB" sz="5000" dirty="0" err="1">
-                <a:solidFill>
-                  <a:schemeClr val="bg1"/>
-                </a:solidFill>
-              </a:rPr>
-              <a:t>hallelujah</a:t>
-            </a:r>
-            <a:br>
-              <a:rPr lang="en-GB" sz="5000" dirty="0">
-                <a:solidFill>
-                  <a:schemeClr val="bg1"/>
-                </a:solidFill>
-              </a:rPr>
-            </a:br>
-            <a:r>
-              <a:rPr lang="en-GB" sz="5000" dirty="0">
-                <a:solidFill>
-                  <a:schemeClr val="bg1"/>
-                </a:solidFill>
-              </a:rPr>
-              <a:t>We worship You for who You are</a:t>
-            </a:r>
-            <a:br>
-              <a:rPr lang="en-GB" sz="5000" dirty="0">
-                <a:solidFill>
-                  <a:schemeClr val="bg1"/>
-                </a:solidFill>
-              </a:rPr>
-            </a:br>
-            <a:r>
-              <a:rPr lang="en-GB" sz="5000" dirty="0">
-                <a:solidFill>
-                  <a:schemeClr val="bg1"/>
-                </a:solidFill>
-              </a:rPr>
-              <a:t>For You are good</a:t>
+              <a:rPr lang="en-GB" sz="4800" dirty="0">
+                <a:solidFill>
+                  <a:schemeClr val="bg1"/>
+                </a:solidFill>
+              </a:rPr>
+              <a:t>Light in the darkness my God that is who You are</a:t>
             </a:r>
           </a:p>
         </p:txBody>
@@ -17528,7 +17528,7 @@
                   <a:schemeClr val="bg1"/>
                 </a:solidFill>
               </a:rPr>
-              <a:t>2/3</a:t>
+              <a:t>2/4</a:t>
             </a:r>
           </a:p>
         </p:txBody>
@@ -17542,6 +17542,864 @@
 </file>
 
 <file path=ppt/slides/slide42.xml><?xml version="1.0" encoding="utf-8"?>
+<p:sld xmlns:a="http://schemas.openxmlformats.org/drawingml/2006/main" xmlns:r="http://schemas.openxmlformats.org/officeDocument/2006/relationships" xmlns:p="http://schemas.openxmlformats.org/presentationml/2006/main">
+  <p:cSld>
+    <p:spTree>
+      <p:nvGrpSpPr>
+        <p:cNvPr id="1" name=""/>
+        <p:cNvGrpSpPr/>
+        <p:nvPr/>
+      </p:nvGrpSpPr>
+      <p:grpSpPr>
+        <a:xfrm>
+          <a:off x="0" y="0"/>
+          <a:ext cx="0" cy="0"/>
+          <a:chOff x="0" y="0"/>
+          <a:chExt cx="0" cy="0"/>
+        </a:xfrm>
+      </p:grpSpPr>
+      <p:sp>
+        <p:nvSpPr>
+          <p:cNvPr id="3" name="Subtitle 2"/>
+          <p:cNvSpPr>
+            <a:spLocks noGrp="1"/>
+          </p:cNvSpPr>
+          <p:nvPr>
+            <p:ph type="subTitle" idx="1"/>
+          </p:nvPr>
+        </p:nvSpPr>
+        <p:spPr>
+          <a:xfrm>
+            <a:off x="107504" y="0"/>
+            <a:ext cx="8856984" cy="6669360"/>
+          </a:xfrm>
+        </p:spPr>
+        <p:txBody>
+          <a:bodyPr>
+            <a:noAutofit/>
+          </a:bodyPr>
+          <a:lstStyle/>
+          <a:p>
+            <a:r>
+              <a:rPr lang="en-GB" sz="4800" dirty="0">
+                <a:solidFill>
+                  <a:schemeClr val="bg1"/>
+                </a:solidFill>
+              </a:rPr>
+              <a:t>You are here turning lives around</a:t>
+            </a:r>
+            <a:br>
+              <a:rPr lang="en-GB" sz="4800" dirty="0">
+                <a:solidFill>
+                  <a:schemeClr val="bg1"/>
+                </a:solidFill>
+              </a:rPr>
+            </a:br>
+            <a:r>
+              <a:rPr lang="en-GB" sz="4800" dirty="0">
+                <a:solidFill>
+                  <a:schemeClr val="bg1"/>
+                </a:solidFill>
+              </a:rPr>
+              <a:t>I worship You I worship You</a:t>
+            </a:r>
+            <a:br>
+              <a:rPr lang="en-GB" sz="4800" dirty="0">
+                <a:solidFill>
+                  <a:schemeClr val="bg1"/>
+                </a:solidFill>
+              </a:rPr>
+            </a:br>
+            <a:r>
+              <a:rPr lang="en-GB" sz="4800" dirty="0">
+                <a:solidFill>
+                  <a:schemeClr val="bg1"/>
+                </a:solidFill>
+              </a:rPr>
+              <a:t>You are here mending </a:t>
+            </a:r>
+            <a:r>
+              <a:rPr lang="en-GB" sz="4800" dirty="0" err="1">
+                <a:solidFill>
+                  <a:schemeClr val="bg1"/>
+                </a:solidFill>
+              </a:rPr>
+              <a:t>ev'ry</a:t>
+            </a:r>
+            <a:r>
+              <a:rPr lang="en-GB" sz="4800" dirty="0">
+                <a:solidFill>
+                  <a:schemeClr val="bg1"/>
+                </a:solidFill>
+              </a:rPr>
+              <a:t> heart</a:t>
+            </a:r>
+            <a:br>
+              <a:rPr lang="en-GB" sz="4800" dirty="0">
+                <a:solidFill>
+                  <a:schemeClr val="bg1"/>
+                </a:solidFill>
+              </a:rPr>
+            </a:br>
+            <a:r>
+              <a:rPr lang="en-GB" sz="4800" dirty="0">
+                <a:solidFill>
+                  <a:schemeClr val="bg1"/>
+                </a:solidFill>
+              </a:rPr>
+              <a:t>I worship You yeah I worship You Lord</a:t>
+            </a:r>
+          </a:p>
+          <a:p>
+            <a:r>
+              <a:rPr lang="en-GB" sz="4800" dirty="0">
+                <a:solidFill>
+                  <a:schemeClr val="bg1"/>
+                </a:solidFill>
+              </a:rPr>
+              <a:t>(You are) Way Maker Miracle Worker Promise Keeper</a:t>
+            </a:r>
+            <a:br>
+              <a:rPr lang="en-GB" sz="4800" dirty="0">
+                <a:solidFill>
+                  <a:schemeClr val="bg1"/>
+                </a:solidFill>
+              </a:rPr>
+            </a:br>
+            <a:r>
+              <a:rPr lang="en-GB" sz="4800" dirty="0">
+                <a:solidFill>
+                  <a:schemeClr val="bg1"/>
+                </a:solidFill>
+              </a:rPr>
+              <a:t>Light in the darkness my God that is who You are</a:t>
+            </a:r>
+          </a:p>
+        </p:txBody>
+      </p:sp>
+      <p:sp>
+        <p:nvSpPr>
+          <p:cNvPr id="4" name="TextBox 3"/>
+          <p:cNvSpPr txBox="1"/>
+          <p:nvPr/>
+        </p:nvSpPr>
+        <p:spPr>
+          <a:xfrm>
+            <a:off x="8529729" y="0"/>
+            <a:ext cx="628698" cy="461665"/>
+          </a:xfrm>
+          <a:prstGeom prst="rect">
+            <a:avLst/>
+          </a:prstGeom>
+          <a:noFill/>
+        </p:spPr>
+        <p:txBody>
+          <a:bodyPr wrap="none" rtlCol="0">
+            <a:spAutoFit/>
+          </a:bodyPr>
+          <a:lstStyle/>
+          <a:p>
+            <a:r>
+              <a:rPr lang="en-GB" sz="2400" b="1" dirty="0">
+                <a:solidFill>
+                  <a:schemeClr val="bg1"/>
+                </a:solidFill>
+              </a:rPr>
+              <a:t>3/4</a:t>
+            </a:r>
+          </a:p>
+        </p:txBody>
+      </p:sp>
+    </p:spTree>
+  </p:cSld>
+  <p:clrMapOvr>
+    <a:masterClrMapping/>
+  </p:clrMapOvr>
+</p:sld>
+</file>
+
+<file path=ppt/slides/slide43.xml><?xml version="1.0" encoding="utf-8"?>
+<p:sld xmlns:a="http://schemas.openxmlformats.org/drawingml/2006/main" xmlns:r="http://schemas.openxmlformats.org/officeDocument/2006/relationships" xmlns:p="http://schemas.openxmlformats.org/presentationml/2006/main">
+  <p:cSld>
+    <p:spTree>
+      <p:nvGrpSpPr>
+        <p:cNvPr id="1" name=""/>
+        <p:cNvGrpSpPr/>
+        <p:nvPr/>
+      </p:nvGrpSpPr>
+      <p:grpSpPr>
+        <a:xfrm>
+          <a:off x="0" y="0"/>
+          <a:ext cx="0" cy="0"/>
+          <a:chOff x="0" y="0"/>
+          <a:chExt cx="0" cy="0"/>
+        </a:xfrm>
+      </p:grpSpPr>
+      <p:sp>
+        <p:nvSpPr>
+          <p:cNvPr id="3" name="Subtitle 2"/>
+          <p:cNvSpPr>
+            <a:spLocks noGrp="1"/>
+          </p:cNvSpPr>
+          <p:nvPr>
+            <p:ph type="subTitle" idx="1"/>
+          </p:nvPr>
+        </p:nvSpPr>
+        <p:spPr>
+          <a:xfrm>
+            <a:off x="107504" y="0"/>
+            <a:ext cx="9036496" cy="6669360"/>
+          </a:xfrm>
+        </p:spPr>
+        <p:txBody>
+          <a:bodyPr>
+            <a:noAutofit/>
+          </a:bodyPr>
+          <a:lstStyle/>
+          <a:p>
+            <a:r>
+              <a:rPr lang="en-GB" sz="4600" dirty="0">
+                <a:solidFill>
+                  <a:schemeClr val="bg1"/>
+                </a:solidFill>
+              </a:rPr>
+              <a:t>That is who You are     x4</a:t>
+            </a:r>
+          </a:p>
+          <a:p>
+            <a:endParaRPr lang="en-GB" sz="4600" dirty="0">
+              <a:solidFill>
+                <a:schemeClr val="bg1"/>
+              </a:solidFill>
+            </a:endParaRPr>
+          </a:p>
+          <a:p>
+            <a:r>
+              <a:rPr lang="en-GB" sz="4600" dirty="0">
+                <a:solidFill>
+                  <a:schemeClr val="bg1"/>
+                </a:solidFill>
+              </a:rPr>
+              <a:t>Even when I don't see it You're working</a:t>
+            </a:r>
+            <a:br>
+              <a:rPr lang="en-GB" sz="4600" dirty="0">
+                <a:solidFill>
+                  <a:schemeClr val="bg1"/>
+                </a:solidFill>
+              </a:rPr>
+            </a:br>
+            <a:r>
+              <a:rPr lang="en-GB" sz="4600" dirty="0">
+                <a:solidFill>
+                  <a:schemeClr val="bg1"/>
+                </a:solidFill>
+              </a:rPr>
+              <a:t>Even when I don't feel it You're working</a:t>
+            </a:r>
+            <a:br>
+              <a:rPr lang="en-GB" sz="4600" dirty="0">
+                <a:solidFill>
+                  <a:schemeClr val="bg1"/>
+                </a:solidFill>
+              </a:rPr>
+            </a:br>
+            <a:br>
+              <a:rPr lang="en-GB" sz="4600" dirty="0">
+                <a:solidFill>
+                  <a:schemeClr val="bg1"/>
+                </a:solidFill>
+              </a:rPr>
+            </a:br>
+            <a:r>
+              <a:rPr lang="en-GB" sz="4600" dirty="0">
+                <a:solidFill>
+                  <a:schemeClr val="bg1"/>
+                </a:solidFill>
+              </a:rPr>
+              <a:t>You never stop You never stop working		    x2</a:t>
+            </a:r>
+            <a:br>
+              <a:rPr lang="en-GB" sz="4600" dirty="0">
+                <a:solidFill>
+                  <a:schemeClr val="bg1"/>
+                </a:solidFill>
+              </a:rPr>
+            </a:br>
+            <a:endParaRPr lang="en-GB" sz="4600" dirty="0">
+              <a:solidFill>
+                <a:schemeClr val="bg1"/>
+              </a:solidFill>
+            </a:endParaRPr>
+          </a:p>
+        </p:txBody>
+      </p:sp>
+      <p:sp>
+        <p:nvSpPr>
+          <p:cNvPr id="4" name="TextBox 3"/>
+          <p:cNvSpPr txBox="1"/>
+          <p:nvPr/>
+        </p:nvSpPr>
+        <p:spPr>
+          <a:xfrm>
+            <a:off x="8529729" y="0"/>
+            <a:ext cx="628698" cy="461665"/>
+          </a:xfrm>
+          <a:prstGeom prst="rect">
+            <a:avLst/>
+          </a:prstGeom>
+          <a:noFill/>
+        </p:spPr>
+        <p:txBody>
+          <a:bodyPr wrap="none" rtlCol="0">
+            <a:spAutoFit/>
+          </a:bodyPr>
+          <a:lstStyle/>
+          <a:p>
+            <a:r>
+              <a:rPr lang="en-GB" sz="2400" b="1" dirty="0">
+                <a:solidFill>
+                  <a:schemeClr val="bg1"/>
+                </a:solidFill>
+              </a:rPr>
+              <a:t>4/4</a:t>
+            </a:r>
+          </a:p>
+        </p:txBody>
+      </p:sp>
+    </p:spTree>
+  </p:cSld>
+  <p:clrMapOvr>
+    <a:masterClrMapping/>
+  </p:clrMapOvr>
+</p:sld>
+</file>
+
+<file path=ppt/slides/slide44.xml><?xml version="1.0" encoding="utf-8"?>
+<p:sld xmlns:a="http://schemas.openxmlformats.org/drawingml/2006/main" xmlns:r="http://schemas.openxmlformats.org/officeDocument/2006/relationships" xmlns:p="http://schemas.openxmlformats.org/presentationml/2006/main">
+  <p:cSld>
+    <p:spTree>
+      <p:nvGrpSpPr>
+        <p:cNvPr id="1" name=""/>
+        <p:cNvGrpSpPr/>
+        <p:nvPr/>
+      </p:nvGrpSpPr>
+      <p:grpSpPr>
+        <a:xfrm>
+          <a:off x="0" y="0"/>
+          <a:ext cx="0" cy="0"/>
+          <a:chOff x="0" y="0"/>
+          <a:chExt cx="0" cy="0"/>
+        </a:xfrm>
+      </p:grpSpPr>
+      <p:sp>
+        <p:nvSpPr>
+          <p:cNvPr id="3" name="Subtitle 2"/>
+          <p:cNvSpPr>
+            <a:spLocks noGrp="1"/>
+          </p:cNvSpPr>
+          <p:nvPr>
+            <p:ph type="subTitle" idx="1"/>
+          </p:nvPr>
+        </p:nvSpPr>
+        <p:spPr>
+          <a:xfrm>
+            <a:off x="323528" y="188640"/>
+            <a:ext cx="8640960" cy="6480720"/>
+          </a:xfrm>
+        </p:spPr>
+        <p:txBody>
+          <a:bodyPr>
+            <a:noAutofit/>
+          </a:bodyPr>
+          <a:lstStyle/>
+          <a:p>
+            <a:endParaRPr lang="en-GB" sz="9600" dirty="0"/>
+          </a:p>
+          <a:p>
+            <a:r>
+              <a:rPr lang="en-GB" sz="9600" dirty="0">
+                <a:solidFill>
+                  <a:schemeClr val="bg1"/>
+                </a:solidFill>
+              </a:rPr>
+              <a:t>You Are Good</a:t>
+            </a:r>
+          </a:p>
+          <a:p>
+            <a:br>
+              <a:rPr lang="en-GB" sz="9600" dirty="0">
+                <a:solidFill>
+                  <a:schemeClr val="bg1"/>
+                </a:solidFill>
+              </a:rPr>
+            </a:br>
+            <a:r>
+              <a:rPr lang="en-GB" sz="1200" dirty="0"/>
+              <a:t> CCLI Song # 3383788</a:t>
+            </a:r>
+          </a:p>
+          <a:p>
+            <a:r>
+              <a:rPr lang="en-GB" sz="1200" dirty="0"/>
+              <a:t>Israel Houghton</a:t>
+            </a:r>
+          </a:p>
+          <a:p>
+            <a:r>
+              <a:rPr lang="en-GB" sz="1200" dirty="0"/>
+              <a:t>© 2001 Integrity's Praise! Music (Admin. by Integrity Music)</a:t>
+            </a:r>
+          </a:p>
+          <a:p>
+            <a:r>
+              <a:rPr lang="en-GB" sz="1200" dirty="0"/>
+              <a:t>Sound Of The New Breed (Admin. by Integrity Music)</a:t>
+            </a:r>
+          </a:p>
+          <a:p>
+            <a:r>
+              <a:rPr lang="en-GB" sz="1200" i="1" dirty="0"/>
+              <a:t>For use solely with the </a:t>
+            </a:r>
+            <a:r>
+              <a:rPr lang="en-GB" sz="1200" i="1" dirty="0" err="1"/>
+              <a:t>SongSelect</a:t>
+            </a:r>
+            <a:r>
+              <a:rPr lang="en-GB" sz="1200" i="1" dirty="0"/>
+              <a:t>® </a:t>
+            </a:r>
+            <a:r>
+              <a:rPr lang="en-GB" sz="1200" i="1" dirty="0">
+                <a:hlinkClick r:id="rId2"/>
+              </a:rPr>
+              <a:t>Terms of Use</a:t>
+            </a:r>
+            <a:r>
+              <a:rPr lang="en-GB" sz="1200" i="1" dirty="0"/>
+              <a:t>. All rights reserved. </a:t>
+            </a:r>
+            <a:r>
+              <a:rPr lang="en-GB" sz="1200" i="1" dirty="0">
+                <a:hlinkClick r:id="rId3"/>
+              </a:rPr>
+              <a:t>www.ccli.com</a:t>
+            </a:r>
+            <a:endParaRPr lang="en-GB" sz="1200" i="1" dirty="0"/>
+          </a:p>
+          <a:p>
+            <a:r>
+              <a:rPr lang="en-GB" sz="1200" dirty="0"/>
+              <a:t>CCLI Licence No. 33265</a:t>
+            </a:r>
+          </a:p>
+        </p:txBody>
+      </p:sp>
+    </p:spTree>
+  </p:cSld>
+  <p:clrMapOvr>
+    <a:masterClrMapping/>
+  </p:clrMapOvr>
+</p:sld>
+</file>
+
+<file path=ppt/slides/slide45.xml><?xml version="1.0" encoding="utf-8"?>
+<p:sld xmlns:a="http://schemas.openxmlformats.org/drawingml/2006/main" xmlns:r="http://schemas.openxmlformats.org/officeDocument/2006/relationships" xmlns:p="http://schemas.openxmlformats.org/presentationml/2006/main">
+  <p:cSld>
+    <p:spTree>
+      <p:nvGrpSpPr>
+        <p:cNvPr id="1" name=""/>
+        <p:cNvGrpSpPr/>
+        <p:nvPr/>
+      </p:nvGrpSpPr>
+      <p:grpSpPr>
+        <a:xfrm>
+          <a:off x="0" y="0"/>
+          <a:ext cx="0" cy="0"/>
+          <a:chOff x="0" y="0"/>
+          <a:chExt cx="0" cy="0"/>
+        </a:xfrm>
+      </p:grpSpPr>
+      <p:sp>
+        <p:nvSpPr>
+          <p:cNvPr id="3" name="Subtitle 2"/>
+          <p:cNvSpPr>
+            <a:spLocks noGrp="1"/>
+          </p:cNvSpPr>
+          <p:nvPr>
+            <p:ph type="subTitle" idx="1"/>
+          </p:nvPr>
+        </p:nvSpPr>
+        <p:spPr>
+          <a:xfrm>
+            <a:off x="323528" y="188640"/>
+            <a:ext cx="8640960" cy="6480720"/>
+          </a:xfrm>
+        </p:spPr>
+        <p:txBody>
+          <a:bodyPr>
+            <a:noAutofit/>
+          </a:bodyPr>
+          <a:lstStyle/>
+          <a:p>
+            <a:r>
+              <a:rPr lang="en-GB" sz="4900" dirty="0">
+                <a:solidFill>
+                  <a:schemeClr val="bg1"/>
+                </a:solidFill>
+              </a:rPr>
+              <a:t>Lord You are good</a:t>
+            </a:r>
+            <a:br>
+              <a:rPr lang="en-GB" sz="4900" dirty="0">
+                <a:solidFill>
+                  <a:schemeClr val="bg1"/>
+                </a:solidFill>
+              </a:rPr>
+            </a:br>
+            <a:r>
+              <a:rPr lang="en-GB" sz="4900" dirty="0">
+                <a:solidFill>
+                  <a:schemeClr val="bg1"/>
+                </a:solidFill>
+              </a:rPr>
+              <a:t>And Your mercy </a:t>
+            </a:r>
+            <a:r>
+              <a:rPr lang="en-GB" sz="4900" dirty="0" err="1">
+                <a:solidFill>
+                  <a:schemeClr val="bg1"/>
+                </a:solidFill>
+              </a:rPr>
+              <a:t>endureth</a:t>
+            </a:r>
+            <a:r>
+              <a:rPr lang="en-GB" sz="4900" dirty="0">
+                <a:solidFill>
+                  <a:schemeClr val="bg1"/>
+                </a:solidFill>
+              </a:rPr>
+              <a:t> forever</a:t>
+            </a:r>
+            <a:br>
+              <a:rPr lang="en-GB" sz="4900" dirty="0">
+                <a:solidFill>
+                  <a:schemeClr val="bg1"/>
+                </a:solidFill>
+              </a:rPr>
+            </a:br>
+            <a:r>
+              <a:rPr lang="en-GB" sz="4900" dirty="0">
+                <a:solidFill>
+                  <a:schemeClr val="bg1"/>
+                </a:solidFill>
+              </a:rPr>
+              <a:t>Lord You are good</a:t>
+            </a:r>
+            <a:br>
+              <a:rPr lang="en-GB" sz="4900" dirty="0">
+                <a:solidFill>
+                  <a:schemeClr val="bg1"/>
+                </a:solidFill>
+              </a:rPr>
+            </a:br>
+            <a:r>
+              <a:rPr lang="en-GB" sz="4900" dirty="0">
+                <a:solidFill>
+                  <a:schemeClr val="bg1"/>
+                </a:solidFill>
+              </a:rPr>
+              <a:t>And Your mercy </a:t>
+            </a:r>
+            <a:r>
+              <a:rPr lang="en-GB" sz="4900" dirty="0" err="1">
+                <a:solidFill>
+                  <a:schemeClr val="bg1"/>
+                </a:solidFill>
+              </a:rPr>
+              <a:t>endureth</a:t>
+            </a:r>
+            <a:r>
+              <a:rPr lang="en-GB" sz="4900" dirty="0">
+                <a:solidFill>
+                  <a:schemeClr val="bg1"/>
+                </a:solidFill>
+              </a:rPr>
+              <a:t> forever</a:t>
+            </a:r>
+            <a:br>
+              <a:rPr lang="en-GB" sz="4900" dirty="0">
+                <a:solidFill>
+                  <a:schemeClr val="bg1"/>
+                </a:solidFill>
+              </a:rPr>
+            </a:br>
+            <a:r>
+              <a:rPr lang="en-GB" sz="4900" dirty="0">
+                <a:solidFill>
+                  <a:schemeClr val="bg1"/>
+                </a:solidFill>
+              </a:rPr>
+              <a:t>People from every nation and tongue</a:t>
+            </a:r>
+            <a:br>
+              <a:rPr lang="en-GB" sz="4900" dirty="0">
+                <a:solidFill>
+                  <a:schemeClr val="bg1"/>
+                </a:solidFill>
+              </a:rPr>
+            </a:br>
+            <a:r>
+              <a:rPr lang="en-GB" sz="4900" dirty="0">
+                <a:solidFill>
+                  <a:schemeClr val="bg1"/>
+                </a:solidFill>
+              </a:rPr>
+              <a:t>From generation to generation</a:t>
+            </a:r>
+          </a:p>
+        </p:txBody>
+      </p:sp>
+      <p:sp>
+        <p:nvSpPr>
+          <p:cNvPr id="4" name="TextBox 3"/>
+          <p:cNvSpPr txBox="1"/>
+          <p:nvPr/>
+        </p:nvSpPr>
+        <p:spPr>
+          <a:xfrm>
+            <a:off x="8529729" y="0"/>
+            <a:ext cx="628698" cy="461665"/>
+          </a:xfrm>
+          <a:prstGeom prst="rect">
+            <a:avLst/>
+          </a:prstGeom>
+          <a:noFill/>
+        </p:spPr>
+        <p:txBody>
+          <a:bodyPr wrap="none" rtlCol="0">
+            <a:spAutoFit/>
+          </a:bodyPr>
+          <a:lstStyle/>
+          <a:p>
+            <a:r>
+              <a:rPr lang="en-GB" sz="2400" b="1" dirty="0">
+                <a:solidFill>
+                  <a:schemeClr val="bg1"/>
+                </a:solidFill>
+              </a:rPr>
+              <a:t>1/3</a:t>
+            </a:r>
+          </a:p>
+        </p:txBody>
+      </p:sp>
+    </p:spTree>
+  </p:cSld>
+  <p:clrMapOvr>
+    <a:masterClrMapping/>
+  </p:clrMapOvr>
+</p:sld>
+</file>
+
+<file path=ppt/slides/slide46.xml><?xml version="1.0" encoding="utf-8"?>
+<p:sld xmlns:a="http://schemas.openxmlformats.org/drawingml/2006/main" xmlns:r="http://schemas.openxmlformats.org/officeDocument/2006/relationships" xmlns:p="http://schemas.openxmlformats.org/presentationml/2006/main">
+  <p:cSld>
+    <p:spTree>
+      <p:nvGrpSpPr>
+        <p:cNvPr id="1" name=""/>
+        <p:cNvGrpSpPr/>
+        <p:nvPr/>
+      </p:nvGrpSpPr>
+      <p:grpSpPr>
+        <a:xfrm>
+          <a:off x="0" y="0"/>
+          <a:ext cx="0" cy="0"/>
+          <a:chOff x="0" y="0"/>
+          <a:chExt cx="0" cy="0"/>
+        </a:xfrm>
+      </p:grpSpPr>
+      <p:sp>
+        <p:nvSpPr>
+          <p:cNvPr id="3" name="Subtitle 2"/>
+          <p:cNvSpPr>
+            <a:spLocks noGrp="1"/>
+          </p:cNvSpPr>
+          <p:nvPr>
+            <p:ph type="subTitle" idx="1"/>
+          </p:nvPr>
+        </p:nvSpPr>
+        <p:spPr>
+          <a:xfrm>
+            <a:off x="323528" y="188640"/>
+            <a:ext cx="8640960" cy="6480720"/>
+          </a:xfrm>
+        </p:spPr>
+        <p:txBody>
+          <a:bodyPr>
+            <a:noAutofit/>
+          </a:bodyPr>
+          <a:lstStyle/>
+          <a:p>
+            <a:r>
+              <a:rPr lang="en-GB" sz="5000" dirty="0">
+                <a:solidFill>
+                  <a:schemeClr val="bg1"/>
+                </a:solidFill>
+              </a:rPr>
+              <a:t>We worship You</a:t>
+            </a:r>
+            <a:br>
+              <a:rPr lang="en-GB" sz="5000" dirty="0">
+                <a:solidFill>
+                  <a:schemeClr val="bg1"/>
+                </a:solidFill>
+              </a:rPr>
+            </a:br>
+            <a:r>
+              <a:rPr lang="en-GB" sz="5000" dirty="0">
+                <a:solidFill>
+                  <a:schemeClr val="bg1"/>
+                </a:solidFill>
+              </a:rPr>
+              <a:t>Hallelujah </a:t>
+            </a:r>
+            <a:r>
+              <a:rPr lang="en-GB" sz="5000" dirty="0" err="1">
+                <a:solidFill>
+                  <a:schemeClr val="bg1"/>
+                </a:solidFill>
+              </a:rPr>
+              <a:t>hallelujah</a:t>
+            </a:r>
+            <a:br>
+              <a:rPr lang="en-GB" sz="5000" dirty="0">
+                <a:solidFill>
+                  <a:schemeClr val="bg1"/>
+                </a:solidFill>
+              </a:rPr>
+            </a:br>
+            <a:r>
+              <a:rPr lang="en-GB" sz="5000" dirty="0">
+                <a:solidFill>
+                  <a:schemeClr val="bg1"/>
+                </a:solidFill>
+              </a:rPr>
+              <a:t>We worship You for who You are</a:t>
+            </a:r>
+            <a:br>
+              <a:rPr lang="en-GB" sz="5000" dirty="0">
+                <a:solidFill>
+                  <a:schemeClr val="bg1"/>
+                </a:solidFill>
+              </a:rPr>
+            </a:br>
+            <a:r>
+              <a:rPr lang="en-GB" sz="5000" dirty="0">
+                <a:solidFill>
+                  <a:schemeClr val="bg1"/>
+                </a:solidFill>
+              </a:rPr>
+              <a:t>We worship You</a:t>
+            </a:r>
+            <a:br>
+              <a:rPr lang="en-GB" sz="5000" dirty="0">
+                <a:solidFill>
+                  <a:schemeClr val="bg1"/>
+                </a:solidFill>
+              </a:rPr>
+            </a:br>
+            <a:r>
+              <a:rPr lang="en-GB" sz="5000" dirty="0">
+                <a:solidFill>
+                  <a:schemeClr val="bg1"/>
+                </a:solidFill>
+              </a:rPr>
+              <a:t>Hallelujah </a:t>
+            </a:r>
+            <a:r>
+              <a:rPr lang="en-GB" sz="5000" dirty="0" err="1">
+                <a:solidFill>
+                  <a:schemeClr val="bg1"/>
+                </a:solidFill>
+              </a:rPr>
+              <a:t>hallelujah</a:t>
+            </a:r>
+            <a:br>
+              <a:rPr lang="en-GB" sz="5000" dirty="0">
+                <a:solidFill>
+                  <a:schemeClr val="bg1"/>
+                </a:solidFill>
+              </a:rPr>
+            </a:br>
+            <a:r>
+              <a:rPr lang="en-GB" sz="5000" dirty="0">
+                <a:solidFill>
+                  <a:schemeClr val="bg1"/>
+                </a:solidFill>
+              </a:rPr>
+              <a:t>We worship You for who You are</a:t>
+            </a:r>
+            <a:br>
+              <a:rPr lang="en-GB" sz="5000" dirty="0">
+                <a:solidFill>
+                  <a:schemeClr val="bg1"/>
+                </a:solidFill>
+              </a:rPr>
+            </a:br>
+            <a:r>
+              <a:rPr lang="en-GB" sz="5000" dirty="0">
+                <a:solidFill>
+                  <a:schemeClr val="bg1"/>
+                </a:solidFill>
+              </a:rPr>
+              <a:t>For You are good</a:t>
+            </a:r>
+          </a:p>
+        </p:txBody>
+      </p:sp>
+      <p:sp>
+        <p:nvSpPr>
+          <p:cNvPr id="4" name="TextBox 3"/>
+          <p:cNvSpPr txBox="1"/>
+          <p:nvPr/>
+        </p:nvSpPr>
+        <p:spPr>
+          <a:xfrm>
+            <a:off x="8529729" y="0"/>
+            <a:ext cx="628698" cy="461665"/>
+          </a:xfrm>
+          <a:prstGeom prst="rect">
+            <a:avLst/>
+          </a:prstGeom>
+          <a:noFill/>
+        </p:spPr>
+        <p:txBody>
+          <a:bodyPr wrap="none" rtlCol="0">
+            <a:spAutoFit/>
+          </a:bodyPr>
+          <a:lstStyle/>
+          <a:p>
+            <a:r>
+              <a:rPr lang="en-GB" sz="2400" b="1" dirty="0">
+                <a:solidFill>
+                  <a:schemeClr val="bg1"/>
+                </a:solidFill>
+              </a:rPr>
+              <a:t>2/3</a:t>
+            </a:r>
+          </a:p>
+        </p:txBody>
+      </p:sp>
+    </p:spTree>
+  </p:cSld>
+  <p:clrMapOvr>
+    <a:masterClrMapping/>
+  </p:clrMapOvr>
+</p:sld>
+</file>
+
+<file path=ppt/slides/slide47.xml><?xml version="1.0" encoding="utf-8"?>
 <p:sld xmlns:a="http://schemas.openxmlformats.org/drawingml/2006/main" xmlns:r="http://schemas.openxmlformats.org/officeDocument/2006/relationships" xmlns:p="http://schemas.openxmlformats.org/presentationml/2006/main">
   <p:cSld>
     <p:spTree>
